--- a/Anti-Patterns.pptx
+++ b/Anti-Patterns.pptx
@@ -4,6 +4,9 @@
   <p:sldMasterIdLst>
     <p:sldMasterId id="2147483648" r:id="rId1"/>
   </p:sldMasterIdLst>
+  <p:notesMasterIdLst>
+    <p:notesMasterId r:id="rId18"/>
+  </p:notesMasterIdLst>
   <p:sldIdLst>
     <p:sldId id="256" r:id="rId2"/>
     <p:sldId id="258" r:id="rId3"/>
@@ -20,6 +23,7 @@
     <p:sldId id="270" r:id="rId14"/>
     <p:sldId id="259" r:id="rId15"/>
     <p:sldId id="261" r:id="rId16"/>
+    <p:sldId id="271" r:id="rId17"/>
   </p:sldIdLst>
   <p:sldSz cx="12192000" cy="6858000"/>
   <p:notesSz cx="6858000" cy="9144000"/>
@@ -129,7 +133,7 @@
 <file path=ppt/revisionInfo.xml><?xml version="1.0" encoding="utf-8"?>
 <p1510:revInfo xmlns:a="http://schemas.openxmlformats.org/drawingml/2006/main" xmlns:r="http://schemas.openxmlformats.org/officeDocument/2006/relationships" xmlns:p1510="http://schemas.microsoft.com/office/powerpoint/2015/10/main">
   <p1510:revLst>
-    <p1510:client id="{5EB83996-0236-4008-B897-A8A957EF5EA9}" v="669" dt="2019-05-02T11:50:09.159"/>
+    <p1510:client id="{5EB83996-0236-4008-B897-A8A957EF5EA9}" v="4848" dt="2019-05-09T15:55:10.117"/>
   </p1510:revLst>
 </p1510:revInfo>
 </file>
@@ -139,7 +143,7 @@
   <pc:docChgLst>
     <pc:chgData name="Schulz, Joshua" userId="2ef87867-eeda-41aa-9aea-19cd18747ab2" providerId="ADAL" clId="{5EB83996-0236-4008-B897-A8A957EF5EA9}"/>
     <pc:docChg chg="undo custSel addSld modSld">
-      <pc:chgData name="Schulz, Joshua" userId="2ef87867-eeda-41aa-9aea-19cd18747ab2" providerId="ADAL" clId="{5EB83996-0236-4008-B897-A8A957EF5EA9}" dt="2019-05-02T11:50:09.159" v="668" actId="113"/>
+      <pc:chgData name="Schulz, Joshua" userId="2ef87867-eeda-41aa-9aea-19cd18747ab2" providerId="ADAL" clId="{5EB83996-0236-4008-B897-A8A957EF5EA9}" dt="2019-05-09T15:55:10.117" v="4847" actId="20577"/>
       <pc:docMkLst>
         <pc:docMk/>
       </pc:docMkLst>
@@ -258,7 +262,7 @@
         </pc:spChg>
       </pc:sldChg>
       <pc:sldChg chg="modSp add">
-        <pc:chgData name="Schulz, Joshua" userId="2ef87867-eeda-41aa-9aea-19cd18747ab2" providerId="ADAL" clId="{5EB83996-0236-4008-B897-A8A957EF5EA9}" dt="2019-05-02T11:35:02.024" v="633" actId="20577"/>
+        <pc:chgData name="Schulz, Joshua" userId="2ef87867-eeda-41aa-9aea-19cd18747ab2" providerId="ADAL" clId="{5EB83996-0236-4008-B897-A8A957EF5EA9}" dt="2019-05-09T15:23:58.982" v="1170" actId="20577"/>
         <pc:sldMkLst>
           <pc:docMk/>
           <pc:sldMk cId="1006218021" sldId="262"/>
@@ -271,9 +275,17 @@
             <ac:spMk id="2" creationId="{19712721-985F-4EAF-970B-71B4BCD47E77}"/>
           </ac:spMkLst>
         </pc:spChg>
+        <pc:spChg chg="mod">
+          <ac:chgData name="Schulz, Joshua" userId="2ef87867-eeda-41aa-9aea-19cd18747ab2" providerId="ADAL" clId="{5EB83996-0236-4008-B897-A8A957EF5EA9}" dt="2019-05-09T15:23:58.982" v="1170" actId="20577"/>
+          <ac:spMkLst>
+            <pc:docMk/>
+            <pc:sldMk cId="1006218021" sldId="262"/>
+            <ac:spMk id="3" creationId="{9C95C264-0547-4B2F-9596-1ACC371E28C1}"/>
+          </ac:spMkLst>
+        </pc:spChg>
       </pc:sldChg>
-      <pc:sldChg chg="modSp add">
-        <pc:chgData name="Schulz, Joshua" userId="2ef87867-eeda-41aa-9aea-19cd18747ab2" providerId="ADAL" clId="{5EB83996-0236-4008-B897-A8A957EF5EA9}" dt="2019-05-02T11:32:55.778" v="618" actId="113"/>
+      <pc:sldChg chg="modSp add modNotesTx">
+        <pc:chgData name="Schulz, Joshua" userId="2ef87867-eeda-41aa-9aea-19cd18747ab2" providerId="ADAL" clId="{5EB83996-0236-4008-B897-A8A957EF5EA9}" dt="2019-05-09T15:28:25.280" v="1824" actId="20577"/>
         <pc:sldMkLst>
           <pc:docMk/>
           <pc:sldMk cId="2029824261" sldId="263"/>
@@ -284,6 +296,14 @@
             <pc:docMk/>
             <pc:sldMk cId="2029824261" sldId="263"/>
             <ac:spMk id="2" creationId="{00DD1E29-670E-48F8-A2B9-B56CF7107F69}"/>
+          </ac:spMkLst>
+        </pc:spChg>
+        <pc:spChg chg="mod">
+          <ac:chgData name="Schulz, Joshua" userId="2ef87867-eeda-41aa-9aea-19cd18747ab2" providerId="ADAL" clId="{5EB83996-0236-4008-B897-A8A957EF5EA9}" dt="2019-05-09T15:27:38.428" v="1659" actId="20577"/>
+          <ac:spMkLst>
+            <pc:docMk/>
+            <pc:sldMk cId="2029824261" sldId="263"/>
+            <ac:spMk id="3" creationId="{CF6A3FAA-75A0-49B8-BDA7-FCC1B925AF4A}"/>
           </ac:spMkLst>
         </pc:spChg>
       </pc:sldChg>
@@ -350,7 +370,7 @@
         </pc:spChg>
       </pc:sldChg>
       <pc:sldChg chg="modSp add">
-        <pc:chgData name="Schulz, Joshua" userId="2ef87867-eeda-41aa-9aea-19cd18747ab2" providerId="ADAL" clId="{5EB83996-0236-4008-B897-A8A957EF5EA9}" dt="2019-05-02T11:43:41.122" v="642"/>
+        <pc:chgData name="Schulz, Joshua" userId="2ef87867-eeda-41aa-9aea-19cd18747ab2" providerId="ADAL" clId="{5EB83996-0236-4008-B897-A8A957EF5EA9}" dt="2019-05-09T15:33:34.442" v="2461" actId="20577"/>
         <pc:sldMkLst>
           <pc:docMk/>
           <pc:sldMk cId="4173392635" sldId="266"/>
@@ -363,9 +383,17 @@
             <ac:spMk id="2" creationId="{00DD1E29-670E-48F8-A2B9-B56CF7107F69}"/>
           </ac:spMkLst>
         </pc:spChg>
+        <pc:spChg chg="mod">
+          <ac:chgData name="Schulz, Joshua" userId="2ef87867-eeda-41aa-9aea-19cd18747ab2" providerId="ADAL" clId="{5EB83996-0236-4008-B897-A8A957EF5EA9}" dt="2019-05-09T15:33:34.442" v="2461" actId="20577"/>
+          <ac:spMkLst>
+            <pc:docMk/>
+            <pc:sldMk cId="4173392635" sldId="266"/>
+            <ac:spMk id="3" creationId="{CF6A3FAA-75A0-49B8-BDA7-FCC1B925AF4A}"/>
+          </ac:spMkLst>
+        </pc:spChg>
       </pc:sldChg>
-      <pc:sldChg chg="modSp add">
-        <pc:chgData name="Schulz, Joshua" userId="2ef87867-eeda-41aa-9aea-19cd18747ab2" providerId="ADAL" clId="{5EB83996-0236-4008-B897-A8A957EF5EA9}" dt="2019-05-02T11:46:34.293" v="647" actId="20577"/>
+      <pc:sldChg chg="modSp add modNotesTx">
+        <pc:chgData name="Schulz, Joshua" userId="2ef87867-eeda-41aa-9aea-19cd18747ab2" providerId="ADAL" clId="{5EB83996-0236-4008-B897-A8A957EF5EA9}" dt="2019-05-09T15:37:13.605" v="2969" actId="20577"/>
         <pc:sldMkLst>
           <pc:docMk/>
           <pc:sldMk cId="3119138514" sldId="267"/>
@@ -378,9 +406,17 @@
             <ac:spMk id="2" creationId="{00DD1E29-670E-48F8-A2B9-B56CF7107F69}"/>
           </ac:spMkLst>
         </pc:spChg>
+        <pc:spChg chg="mod">
+          <ac:chgData name="Schulz, Joshua" userId="2ef87867-eeda-41aa-9aea-19cd18747ab2" providerId="ADAL" clId="{5EB83996-0236-4008-B897-A8A957EF5EA9}" dt="2019-05-09T15:37:13.605" v="2969" actId="20577"/>
+          <ac:spMkLst>
+            <pc:docMk/>
+            <pc:sldMk cId="3119138514" sldId="267"/>
+            <ac:spMk id="3" creationId="{CF6A3FAA-75A0-49B8-BDA7-FCC1B925AF4A}"/>
+          </ac:spMkLst>
+        </pc:spChg>
       </pc:sldChg>
       <pc:sldChg chg="modSp add">
-        <pc:chgData name="Schulz, Joshua" userId="2ef87867-eeda-41aa-9aea-19cd18747ab2" providerId="ADAL" clId="{5EB83996-0236-4008-B897-A8A957EF5EA9}" dt="2019-05-02T11:47:31.523" v="661" actId="20577"/>
+        <pc:chgData name="Schulz, Joshua" userId="2ef87867-eeda-41aa-9aea-19cd18747ab2" providerId="ADAL" clId="{5EB83996-0236-4008-B897-A8A957EF5EA9}" dt="2019-05-09T15:42:13.107" v="3488" actId="20577"/>
         <pc:sldMkLst>
           <pc:docMk/>
           <pc:sldMk cId="1520793637" sldId="268"/>
@@ -393,9 +429,17 @@
             <ac:spMk id="2" creationId="{00DD1E29-670E-48F8-A2B9-B56CF7107F69}"/>
           </ac:spMkLst>
         </pc:spChg>
+        <pc:spChg chg="mod">
+          <ac:chgData name="Schulz, Joshua" userId="2ef87867-eeda-41aa-9aea-19cd18747ab2" providerId="ADAL" clId="{5EB83996-0236-4008-B897-A8A957EF5EA9}" dt="2019-05-09T15:42:13.107" v="3488" actId="20577"/>
+          <ac:spMkLst>
+            <pc:docMk/>
+            <pc:sldMk cId="1520793637" sldId="268"/>
+            <ac:spMk id="3" creationId="{CF6A3FAA-75A0-49B8-BDA7-FCC1B925AF4A}"/>
+          </ac:spMkLst>
+        </pc:spChg>
       </pc:sldChg>
       <pc:sldChg chg="modSp add">
-        <pc:chgData name="Schulz, Joshua" userId="2ef87867-eeda-41aa-9aea-19cd18747ab2" providerId="ADAL" clId="{5EB83996-0236-4008-B897-A8A957EF5EA9}" dt="2019-05-02T11:49:46.126" v="665" actId="20577"/>
+        <pc:chgData name="Schulz, Joshua" userId="2ef87867-eeda-41aa-9aea-19cd18747ab2" providerId="ADAL" clId="{5EB83996-0236-4008-B897-A8A957EF5EA9}" dt="2019-05-09T15:47:29.878" v="3951" actId="20577"/>
         <pc:sldMkLst>
           <pc:docMk/>
           <pc:sldMk cId="2540134044" sldId="269"/>
@@ -408,9 +452,17 @@
             <ac:spMk id="2" creationId="{00DD1E29-670E-48F8-A2B9-B56CF7107F69}"/>
           </ac:spMkLst>
         </pc:spChg>
+        <pc:spChg chg="mod">
+          <ac:chgData name="Schulz, Joshua" userId="2ef87867-eeda-41aa-9aea-19cd18747ab2" providerId="ADAL" clId="{5EB83996-0236-4008-B897-A8A957EF5EA9}" dt="2019-05-09T15:47:29.878" v="3951" actId="20577"/>
+          <ac:spMkLst>
+            <pc:docMk/>
+            <pc:sldMk cId="2540134044" sldId="269"/>
+            <ac:spMk id="3" creationId="{CF6A3FAA-75A0-49B8-BDA7-FCC1B925AF4A}"/>
+          </ac:spMkLst>
+        </pc:spChg>
       </pc:sldChg>
       <pc:sldChg chg="modSp add">
-        <pc:chgData name="Schulz, Joshua" userId="2ef87867-eeda-41aa-9aea-19cd18747ab2" providerId="ADAL" clId="{5EB83996-0236-4008-B897-A8A957EF5EA9}" dt="2019-05-02T11:50:09.159" v="668" actId="113"/>
+        <pc:chgData name="Schulz, Joshua" userId="2ef87867-eeda-41aa-9aea-19cd18747ab2" providerId="ADAL" clId="{5EB83996-0236-4008-B897-A8A957EF5EA9}" dt="2019-05-09T15:51:20.014" v="4591" actId="20577"/>
         <pc:sldMkLst>
           <pc:docMk/>
           <pc:sldMk cId="3902797187" sldId="270"/>
@@ -423,10 +475,571 @@
             <ac:spMk id="2" creationId="{00DD1E29-670E-48F8-A2B9-B56CF7107F69}"/>
           </ac:spMkLst>
         </pc:spChg>
+        <pc:spChg chg="mod">
+          <ac:chgData name="Schulz, Joshua" userId="2ef87867-eeda-41aa-9aea-19cd18747ab2" providerId="ADAL" clId="{5EB83996-0236-4008-B897-A8A957EF5EA9}" dt="2019-05-09T15:51:20.014" v="4591" actId="20577"/>
+          <ac:spMkLst>
+            <pc:docMk/>
+            <pc:sldMk cId="3902797187" sldId="270"/>
+            <ac:spMk id="3" creationId="{CF6A3FAA-75A0-49B8-BDA7-FCC1B925AF4A}"/>
+          </ac:spMkLst>
+        </pc:spChg>
+      </pc:sldChg>
+      <pc:sldChg chg="modSp add">
+        <pc:chgData name="Schulz, Joshua" userId="2ef87867-eeda-41aa-9aea-19cd18747ab2" providerId="ADAL" clId="{5EB83996-0236-4008-B897-A8A957EF5EA9}" dt="2019-05-09T15:55:10.117" v="4847" actId="20577"/>
+        <pc:sldMkLst>
+          <pc:docMk/>
+          <pc:sldMk cId="829908272" sldId="271"/>
+        </pc:sldMkLst>
+        <pc:spChg chg="mod">
+          <ac:chgData name="Schulz, Joshua" userId="2ef87867-eeda-41aa-9aea-19cd18747ab2" providerId="ADAL" clId="{5EB83996-0236-4008-B897-A8A957EF5EA9}" dt="2019-05-09T15:53:57.806" v="4787" actId="1076"/>
+          <ac:spMkLst>
+            <pc:docMk/>
+            <pc:sldMk cId="829908272" sldId="271"/>
+            <ac:spMk id="2" creationId="{8A1F49DD-4D67-4C50-86CE-3325D475F214}"/>
+          </ac:spMkLst>
+        </pc:spChg>
+        <pc:spChg chg="mod">
+          <ac:chgData name="Schulz, Joshua" userId="2ef87867-eeda-41aa-9aea-19cd18747ab2" providerId="ADAL" clId="{5EB83996-0236-4008-B897-A8A957EF5EA9}" dt="2019-05-09T15:55:10.117" v="4847" actId="20577"/>
+          <ac:spMkLst>
+            <pc:docMk/>
+            <pc:sldMk cId="829908272" sldId="271"/>
+            <ac:spMk id="3" creationId="{4434AB1B-C1C0-47E6-BE30-A5FB903052D4}"/>
+          </ac:spMkLst>
+        </pc:spChg>
       </pc:sldChg>
     </pc:docChg>
   </pc:docChgLst>
 </pc:chgInfo>
+</file>
+
+<file path=ppt/notesMasters/notesMaster1.xml><?xml version="1.0" encoding="utf-8"?>
+<p:notesMaster xmlns:a="http://schemas.openxmlformats.org/drawingml/2006/main" xmlns:r="http://schemas.openxmlformats.org/officeDocument/2006/relationships" xmlns:p="http://schemas.openxmlformats.org/presentationml/2006/main">
+  <p:cSld>
+    <p:bg>
+      <p:bgRef idx="1001">
+        <a:schemeClr val="bg1"/>
+      </p:bgRef>
+    </p:bg>
+    <p:spTree>
+      <p:nvGrpSpPr>
+        <p:cNvPr id="1" name=""/>
+        <p:cNvGrpSpPr/>
+        <p:nvPr/>
+      </p:nvGrpSpPr>
+      <p:grpSpPr>
+        <a:xfrm>
+          <a:off x="0" y="0"/>
+          <a:ext cx="0" cy="0"/>
+          <a:chOff x="0" y="0"/>
+          <a:chExt cx="0" cy="0"/>
+        </a:xfrm>
+      </p:grpSpPr>
+      <p:sp>
+        <p:nvSpPr>
+          <p:cNvPr id="2" name="Header Placeholder 1"/>
+          <p:cNvSpPr>
+            <a:spLocks noGrp="1"/>
+          </p:cNvSpPr>
+          <p:nvPr>
+            <p:ph type="hdr" sz="quarter"/>
+          </p:nvPr>
+        </p:nvSpPr>
+        <p:spPr>
+          <a:xfrm>
+            <a:off x="0" y="0"/>
+            <a:ext cx="2971800" cy="458788"/>
+          </a:xfrm>
+          <a:prstGeom prst="rect">
+            <a:avLst/>
+          </a:prstGeom>
+        </p:spPr>
+        <p:txBody>
+          <a:bodyPr vert="horz" lIns="91440" tIns="45720" rIns="91440" bIns="45720" rtlCol="0"/>
+          <a:lstStyle>
+            <a:lvl1pPr algn="l">
+              <a:defRPr sz="1200"/>
+            </a:lvl1pPr>
+          </a:lstStyle>
+          <a:p>
+            <a:endParaRPr lang="de-DE"/>
+          </a:p>
+        </p:txBody>
+      </p:sp>
+      <p:sp>
+        <p:nvSpPr>
+          <p:cNvPr id="3" name="Date Placeholder 2"/>
+          <p:cNvSpPr>
+            <a:spLocks noGrp="1"/>
+          </p:cNvSpPr>
+          <p:nvPr>
+            <p:ph type="dt" idx="1"/>
+          </p:nvPr>
+        </p:nvSpPr>
+        <p:spPr>
+          <a:xfrm>
+            <a:off x="3884613" y="0"/>
+            <a:ext cx="2971800" cy="458788"/>
+          </a:xfrm>
+          <a:prstGeom prst="rect">
+            <a:avLst/>
+          </a:prstGeom>
+        </p:spPr>
+        <p:txBody>
+          <a:bodyPr vert="horz" lIns="91440" tIns="45720" rIns="91440" bIns="45720" rtlCol="0"/>
+          <a:lstStyle>
+            <a:lvl1pPr algn="r">
+              <a:defRPr sz="1200"/>
+            </a:lvl1pPr>
+          </a:lstStyle>
+          <a:p>
+            <a:fld id="{B1B7C0BB-38DC-472D-B69E-E9CA7C6AF344}" type="datetimeFigureOut">
+              <a:rPr lang="de-DE" smtClean="0"/>
+              <a:t>09.05.2019</a:t>
+            </a:fld>
+            <a:endParaRPr lang="de-DE"/>
+          </a:p>
+        </p:txBody>
+      </p:sp>
+      <p:sp>
+        <p:nvSpPr>
+          <p:cNvPr id="4" name="Slide Image Placeholder 3"/>
+          <p:cNvSpPr>
+            <a:spLocks noGrp="1" noRot="1" noChangeAspect="1"/>
+          </p:cNvSpPr>
+          <p:nvPr>
+            <p:ph type="sldImg" idx="2"/>
+          </p:nvPr>
+        </p:nvSpPr>
+        <p:spPr>
+          <a:xfrm>
+            <a:off x="685800" y="1143000"/>
+            <a:ext cx="5486400" cy="3086100"/>
+          </a:xfrm>
+          <a:prstGeom prst="rect">
+            <a:avLst/>
+          </a:prstGeom>
+          <a:noFill/>
+          <a:ln w="12700">
+            <a:solidFill>
+              <a:prstClr val="black"/>
+            </a:solidFill>
+          </a:ln>
+        </p:spPr>
+        <p:txBody>
+          <a:bodyPr vert="horz" lIns="91440" tIns="45720" rIns="91440" bIns="45720" rtlCol="0" anchor="ctr"/>
+          <a:lstStyle/>
+          <a:p>
+            <a:endParaRPr lang="de-DE"/>
+          </a:p>
+        </p:txBody>
+      </p:sp>
+      <p:sp>
+        <p:nvSpPr>
+          <p:cNvPr id="5" name="Notes Placeholder 4"/>
+          <p:cNvSpPr>
+            <a:spLocks noGrp="1"/>
+          </p:cNvSpPr>
+          <p:nvPr>
+            <p:ph type="body" sz="quarter" idx="3"/>
+          </p:nvPr>
+        </p:nvSpPr>
+        <p:spPr>
+          <a:xfrm>
+            <a:off x="685800" y="4400550"/>
+            <a:ext cx="5486400" cy="3600450"/>
+          </a:xfrm>
+          <a:prstGeom prst="rect">
+            <a:avLst/>
+          </a:prstGeom>
+        </p:spPr>
+        <p:txBody>
+          <a:bodyPr vert="horz" lIns="91440" tIns="45720" rIns="91440" bIns="45720" rtlCol="0"/>
+          <a:lstStyle/>
+          <a:p>
+            <a:pPr lvl="0"/>
+            <a:r>
+              <a:rPr lang="en-US"/>
+              <a:t>Edit Master text styles</a:t>
+            </a:r>
+          </a:p>
+          <a:p>
+            <a:pPr lvl="1"/>
+            <a:r>
+              <a:rPr lang="en-US"/>
+              <a:t>Second level</a:t>
+            </a:r>
+          </a:p>
+          <a:p>
+            <a:pPr lvl="2"/>
+            <a:r>
+              <a:rPr lang="en-US"/>
+              <a:t>Third level</a:t>
+            </a:r>
+          </a:p>
+          <a:p>
+            <a:pPr lvl="3"/>
+            <a:r>
+              <a:rPr lang="en-US"/>
+              <a:t>Fourth level</a:t>
+            </a:r>
+          </a:p>
+          <a:p>
+            <a:pPr lvl="4"/>
+            <a:r>
+              <a:rPr lang="en-US"/>
+              <a:t>Fifth level</a:t>
+            </a:r>
+            <a:endParaRPr lang="de-DE"/>
+          </a:p>
+        </p:txBody>
+      </p:sp>
+      <p:sp>
+        <p:nvSpPr>
+          <p:cNvPr id="6" name="Footer Placeholder 5"/>
+          <p:cNvSpPr>
+            <a:spLocks noGrp="1"/>
+          </p:cNvSpPr>
+          <p:nvPr>
+            <p:ph type="ftr" sz="quarter" idx="4"/>
+          </p:nvPr>
+        </p:nvSpPr>
+        <p:spPr>
+          <a:xfrm>
+            <a:off x="0" y="8685213"/>
+            <a:ext cx="2971800" cy="458787"/>
+          </a:xfrm>
+          <a:prstGeom prst="rect">
+            <a:avLst/>
+          </a:prstGeom>
+        </p:spPr>
+        <p:txBody>
+          <a:bodyPr vert="horz" lIns="91440" tIns="45720" rIns="91440" bIns="45720" rtlCol="0" anchor="b"/>
+          <a:lstStyle>
+            <a:lvl1pPr algn="l">
+              <a:defRPr sz="1200"/>
+            </a:lvl1pPr>
+          </a:lstStyle>
+          <a:p>
+            <a:endParaRPr lang="de-DE"/>
+          </a:p>
+        </p:txBody>
+      </p:sp>
+      <p:sp>
+        <p:nvSpPr>
+          <p:cNvPr id="7" name="Slide Number Placeholder 6"/>
+          <p:cNvSpPr>
+            <a:spLocks noGrp="1"/>
+          </p:cNvSpPr>
+          <p:nvPr>
+            <p:ph type="sldNum" sz="quarter" idx="5"/>
+          </p:nvPr>
+        </p:nvSpPr>
+        <p:spPr>
+          <a:xfrm>
+            <a:off x="3884613" y="8685213"/>
+            <a:ext cx="2971800" cy="458787"/>
+          </a:xfrm>
+          <a:prstGeom prst="rect">
+            <a:avLst/>
+          </a:prstGeom>
+        </p:spPr>
+        <p:txBody>
+          <a:bodyPr vert="horz" lIns="91440" tIns="45720" rIns="91440" bIns="45720" rtlCol="0" anchor="b"/>
+          <a:lstStyle>
+            <a:lvl1pPr algn="r">
+              <a:defRPr sz="1200"/>
+            </a:lvl1pPr>
+          </a:lstStyle>
+          <a:p>
+            <a:fld id="{E5E34ED4-E824-4CF8-927A-C95C5A50A9F1}" type="slidenum">
+              <a:rPr lang="de-DE" smtClean="0"/>
+              <a:t>‹#›</a:t>
+            </a:fld>
+            <a:endParaRPr lang="de-DE"/>
+          </a:p>
+        </p:txBody>
+      </p:sp>
+    </p:spTree>
+    <p:extLst>
+      <p:ext uri="{BB962C8B-B14F-4D97-AF65-F5344CB8AC3E}">
+        <p14:creationId xmlns:p14="http://schemas.microsoft.com/office/powerpoint/2010/main" val="1275985966"/>
+      </p:ext>
+    </p:extLst>
+  </p:cSld>
+  <p:clrMap bg1="lt1" tx1="dk1" bg2="lt2" tx2="dk2" accent1="accent1" accent2="accent2" accent3="accent3" accent4="accent4" accent5="accent5" accent6="accent6" hlink="hlink" folHlink="folHlink"/>
+  <p:notesStyle>
+    <a:lvl1pPr marL="0" algn="l" defTabSz="914400" rtl="0" eaLnBrk="1" latinLnBrk="0" hangingPunct="1">
+      <a:defRPr sz="1200" kern="1200">
+        <a:solidFill>
+          <a:schemeClr val="tx1"/>
+        </a:solidFill>
+        <a:latin typeface="+mn-lt"/>
+        <a:ea typeface="+mn-ea"/>
+        <a:cs typeface="+mn-cs"/>
+      </a:defRPr>
+    </a:lvl1pPr>
+    <a:lvl2pPr marL="457200" algn="l" defTabSz="914400" rtl="0" eaLnBrk="1" latinLnBrk="0" hangingPunct="1">
+      <a:defRPr sz="1200" kern="1200">
+        <a:solidFill>
+          <a:schemeClr val="tx1"/>
+        </a:solidFill>
+        <a:latin typeface="+mn-lt"/>
+        <a:ea typeface="+mn-ea"/>
+        <a:cs typeface="+mn-cs"/>
+      </a:defRPr>
+    </a:lvl2pPr>
+    <a:lvl3pPr marL="914400" algn="l" defTabSz="914400" rtl="0" eaLnBrk="1" latinLnBrk="0" hangingPunct="1">
+      <a:defRPr sz="1200" kern="1200">
+        <a:solidFill>
+          <a:schemeClr val="tx1"/>
+        </a:solidFill>
+        <a:latin typeface="+mn-lt"/>
+        <a:ea typeface="+mn-ea"/>
+        <a:cs typeface="+mn-cs"/>
+      </a:defRPr>
+    </a:lvl3pPr>
+    <a:lvl4pPr marL="1371600" algn="l" defTabSz="914400" rtl="0" eaLnBrk="1" latinLnBrk="0" hangingPunct="1">
+      <a:defRPr sz="1200" kern="1200">
+        <a:solidFill>
+          <a:schemeClr val="tx1"/>
+        </a:solidFill>
+        <a:latin typeface="+mn-lt"/>
+        <a:ea typeface="+mn-ea"/>
+        <a:cs typeface="+mn-cs"/>
+      </a:defRPr>
+    </a:lvl4pPr>
+    <a:lvl5pPr marL="1828800" algn="l" defTabSz="914400" rtl="0" eaLnBrk="1" latinLnBrk="0" hangingPunct="1">
+      <a:defRPr sz="1200" kern="1200">
+        <a:solidFill>
+          <a:schemeClr val="tx1"/>
+        </a:solidFill>
+        <a:latin typeface="+mn-lt"/>
+        <a:ea typeface="+mn-ea"/>
+        <a:cs typeface="+mn-cs"/>
+      </a:defRPr>
+    </a:lvl5pPr>
+    <a:lvl6pPr marL="2286000" algn="l" defTabSz="914400" rtl="0" eaLnBrk="1" latinLnBrk="0" hangingPunct="1">
+      <a:defRPr sz="1200" kern="1200">
+        <a:solidFill>
+          <a:schemeClr val="tx1"/>
+        </a:solidFill>
+        <a:latin typeface="+mn-lt"/>
+        <a:ea typeface="+mn-ea"/>
+        <a:cs typeface="+mn-cs"/>
+      </a:defRPr>
+    </a:lvl6pPr>
+    <a:lvl7pPr marL="2743200" algn="l" defTabSz="914400" rtl="0" eaLnBrk="1" latinLnBrk="0" hangingPunct="1">
+      <a:defRPr sz="1200" kern="1200">
+        <a:solidFill>
+          <a:schemeClr val="tx1"/>
+        </a:solidFill>
+        <a:latin typeface="+mn-lt"/>
+        <a:ea typeface="+mn-ea"/>
+        <a:cs typeface="+mn-cs"/>
+      </a:defRPr>
+    </a:lvl7pPr>
+    <a:lvl8pPr marL="3200400" algn="l" defTabSz="914400" rtl="0" eaLnBrk="1" latinLnBrk="0" hangingPunct="1">
+      <a:defRPr sz="1200" kern="1200">
+        <a:solidFill>
+          <a:schemeClr val="tx1"/>
+        </a:solidFill>
+        <a:latin typeface="+mn-lt"/>
+        <a:ea typeface="+mn-ea"/>
+        <a:cs typeface="+mn-cs"/>
+      </a:defRPr>
+    </a:lvl8pPr>
+    <a:lvl9pPr marL="3657600" algn="l" defTabSz="914400" rtl="0" eaLnBrk="1" latinLnBrk="0" hangingPunct="1">
+      <a:defRPr sz="1200" kern="1200">
+        <a:solidFill>
+          <a:schemeClr val="tx1"/>
+        </a:solidFill>
+        <a:latin typeface="+mn-lt"/>
+        <a:ea typeface="+mn-ea"/>
+        <a:cs typeface="+mn-cs"/>
+      </a:defRPr>
+    </a:lvl9pPr>
+  </p:notesStyle>
+</p:notesMaster>
+</file>
+
+<file path=ppt/notesSlides/notesSlide1.xml><?xml version="1.0" encoding="utf-8"?>
+<p:notes xmlns:a="http://schemas.openxmlformats.org/drawingml/2006/main" xmlns:r="http://schemas.openxmlformats.org/officeDocument/2006/relationships" xmlns:p="http://schemas.openxmlformats.org/presentationml/2006/main">
+  <p:cSld>
+    <p:spTree>
+      <p:nvGrpSpPr>
+        <p:cNvPr id="1" name=""/>
+        <p:cNvGrpSpPr/>
+        <p:nvPr/>
+      </p:nvGrpSpPr>
+      <p:grpSpPr>
+        <a:xfrm>
+          <a:off x="0" y="0"/>
+          <a:ext cx="0" cy="0"/>
+          <a:chOff x="0" y="0"/>
+          <a:chExt cx="0" cy="0"/>
+        </a:xfrm>
+      </p:grpSpPr>
+      <p:sp>
+        <p:nvSpPr>
+          <p:cNvPr id="2" name="Slide Image Placeholder 1"/>
+          <p:cNvSpPr>
+            <a:spLocks noGrp="1" noRot="1" noChangeAspect="1"/>
+          </p:cNvSpPr>
+          <p:nvPr>
+            <p:ph type="sldImg"/>
+          </p:nvPr>
+        </p:nvSpPr>
+        <p:spPr/>
+      </p:sp>
+      <p:sp>
+        <p:nvSpPr>
+          <p:cNvPr id="3" name="Notes Placeholder 2"/>
+          <p:cNvSpPr>
+            <a:spLocks noGrp="1"/>
+          </p:cNvSpPr>
+          <p:nvPr>
+            <p:ph type="body" idx="1"/>
+          </p:nvPr>
+        </p:nvSpPr>
+        <p:spPr/>
+        <p:txBody>
+          <a:bodyPr/>
+          <a:lstStyle/>
+          <a:p>
+            <a:r>
+              <a:rPr lang="de-DE" dirty="0"/>
+              <a:t>Bei einem DB Wechsel oder Änderungen in der Anwendung-&gt; viele neue Entwicklungen in beiden Schichten</a:t>
+            </a:r>
+          </a:p>
+          <a:p>
+            <a:r>
+              <a:rPr lang="de-DE" dirty="0"/>
+              <a:t>Kritisch, da es DBs wie HANA gibt</a:t>
+            </a:r>
+          </a:p>
+        </p:txBody>
+      </p:sp>
+      <p:sp>
+        <p:nvSpPr>
+          <p:cNvPr id="4" name="Slide Number Placeholder 3"/>
+          <p:cNvSpPr>
+            <a:spLocks noGrp="1"/>
+          </p:cNvSpPr>
+          <p:nvPr>
+            <p:ph type="sldNum" sz="quarter" idx="5"/>
+          </p:nvPr>
+        </p:nvSpPr>
+        <p:spPr/>
+        <p:txBody>
+          <a:bodyPr/>
+          <a:lstStyle/>
+          <a:p>
+            <a:fld id="{E5E34ED4-E824-4CF8-927A-C95C5A50A9F1}" type="slidenum">
+              <a:rPr lang="de-DE" smtClean="0"/>
+              <a:t>6</a:t>
+            </a:fld>
+            <a:endParaRPr lang="de-DE"/>
+          </a:p>
+        </p:txBody>
+      </p:sp>
+    </p:spTree>
+    <p:extLst>
+      <p:ext uri="{BB962C8B-B14F-4D97-AF65-F5344CB8AC3E}">
+        <p14:creationId xmlns:p14="http://schemas.microsoft.com/office/powerpoint/2010/main" val="4127273114"/>
+      </p:ext>
+    </p:extLst>
+  </p:cSld>
+  <p:clrMapOvr>
+    <a:masterClrMapping/>
+  </p:clrMapOvr>
+</p:notes>
+</file>
+
+<file path=ppt/notesSlides/notesSlide2.xml><?xml version="1.0" encoding="utf-8"?>
+<p:notes xmlns:a="http://schemas.openxmlformats.org/drawingml/2006/main" xmlns:r="http://schemas.openxmlformats.org/officeDocument/2006/relationships" xmlns:p="http://schemas.openxmlformats.org/presentationml/2006/main">
+  <p:cSld>
+    <p:spTree>
+      <p:nvGrpSpPr>
+        <p:cNvPr id="1" name=""/>
+        <p:cNvGrpSpPr/>
+        <p:nvPr/>
+      </p:nvGrpSpPr>
+      <p:grpSpPr>
+        <a:xfrm>
+          <a:off x="0" y="0"/>
+          <a:ext cx="0" cy="0"/>
+          <a:chOff x="0" y="0"/>
+          <a:chExt cx="0" cy="0"/>
+        </a:xfrm>
+      </p:grpSpPr>
+      <p:sp>
+        <p:nvSpPr>
+          <p:cNvPr id="2" name="Slide Image Placeholder 1"/>
+          <p:cNvSpPr>
+            <a:spLocks noGrp="1" noRot="1" noChangeAspect="1"/>
+          </p:cNvSpPr>
+          <p:nvPr>
+            <p:ph type="sldImg"/>
+          </p:nvPr>
+        </p:nvSpPr>
+        <p:spPr/>
+      </p:sp>
+      <p:sp>
+        <p:nvSpPr>
+          <p:cNvPr id="3" name="Notes Placeholder 2"/>
+          <p:cNvSpPr>
+            <a:spLocks noGrp="1"/>
+          </p:cNvSpPr>
+          <p:nvPr>
+            <p:ph type="body" idx="1"/>
+          </p:nvPr>
+        </p:nvSpPr>
+        <p:spPr/>
+        <p:txBody>
+          <a:bodyPr/>
+          <a:lstStyle/>
+          <a:p>
+            <a:r>
+              <a:rPr lang="de-DE" dirty="0"/>
+              <a:t>Das Einarbeiten der Mitarbeiter dauert deutlich länger als diese das Projekt beschleunigen können</a:t>
+            </a:r>
+          </a:p>
+        </p:txBody>
+      </p:sp>
+      <p:sp>
+        <p:nvSpPr>
+          <p:cNvPr id="4" name="Slide Number Placeholder 3"/>
+          <p:cNvSpPr>
+            <a:spLocks noGrp="1"/>
+          </p:cNvSpPr>
+          <p:nvPr>
+            <p:ph type="sldNum" sz="quarter" idx="5"/>
+          </p:nvPr>
+        </p:nvSpPr>
+        <p:spPr/>
+        <p:txBody>
+          <a:bodyPr/>
+          <a:lstStyle/>
+          <a:p>
+            <a:fld id="{E5E34ED4-E824-4CF8-927A-C95C5A50A9F1}" type="slidenum">
+              <a:rPr lang="de-DE" smtClean="0"/>
+              <a:t>10</a:t>
+            </a:fld>
+            <a:endParaRPr lang="de-DE"/>
+          </a:p>
+        </p:txBody>
+      </p:sp>
+    </p:spTree>
+    <p:extLst>
+      <p:ext uri="{BB962C8B-B14F-4D97-AF65-F5344CB8AC3E}">
+        <p14:creationId xmlns:p14="http://schemas.microsoft.com/office/powerpoint/2010/main" val="1789083327"/>
+      </p:ext>
+    </p:extLst>
+  </p:cSld>
+  <p:clrMapOvr>
+    <a:masterClrMapping/>
+  </p:clrMapOvr>
+</p:notes>
 </file>
 
 <file path=ppt/slideLayouts/slideLayout1.xml><?xml version="1.0" encoding="utf-8"?>
@@ -479,7 +1092,7 @@
           <a:noFill/>
           <a:extLst>
             <a:ext uri="{909E8E84-426E-40dd-AFC4-6F175D3DCCD1}">
-              <a14:hiddenFill xmlns="" xmlns:a14="http://schemas.microsoft.com/office/drawing/2010/main">
+              <a14:hiddenFill xmlns:a14="http://schemas.microsoft.com/office/drawing/2010/main" xmlns="">
                 <a:solidFill>
                   <a:srgbClr val="FFFFFF"/>
                 </a:solidFill>
@@ -539,7 +1152,7 @@
             </a:ln>
             <a:extLst>
               <a:ext uri="{91240B29-F687-4f45-9708-019B960494DF}">
-                <a14:hiddenLine xmlns="" xmlns:a14="http://schemas.microsoft.com/office/drawing/2010/main" w="9525">
+                <a14:hiddenLine xmlns:a14="http://schemas.microsoft.com/office/drawing/2010/main" xmlns="" w="9525">
                   <a:solidFill>
                     <a:srgbClr val="000000"/>
                   </a:solidFill>
@@ -629,7 +1242,7 @@
             </a:ln>
             <a:extLst>
               <a:ext uri="{91240B29-F687-4f45-9708-019B960494DF}">
-                <a14:hiddenLine xmlns="" xmlns:a14="http://schemas.microsoft.com/office/drawing/2010/main" w="9525">
+                <a14:hiddenLine xmlns:a14="http://schemas.microsoft.com/office/drawing/2010/main" xmlns="" w="9525">
                   <a:solidFill>
                     <a:srgbClr val="000000"/>
                   </a:solidFill>
@@ -719,7 +1332,7 @@
             </a:ln>
             <a:extLst>
               <a:ext uri="{91240B29-F687-4f45-9708-019B960494DF}">
-                <a14:hiddenLine xmlns="" xmlns:a14="http://schemas.microsoft.com/office/drawing/2010/main" w="9525">
+                <a14:hiddenLine xmlns:a14="http://schemas.microsoft.com/office/drawing/2010/main" xmlns="" w="9525">
                   <a:solidFill>
                     <a:srgbClr val="000000"/>
                   </a:solidFill>
@@ -753,7 +1366,7 @@
             </a:ln>
             <a:extLst>
               <a:ext uri="{91240B29-F687-4f45-9708-019B960494DF}">
-                <a14:hiddenLine xmlns="" xmlns:a14="http://schemas.microsoft.com/office/drawing/2010/main" w="9525">
+                <a14:hiddenLine xmlns:a14="http://schemas.microsoft.com/office/drawing/2010/main" xmlns="" w="9525">
                   <a:solidFill>
                     <a:srgbClr val="000000"/>
                   </a:solidFill>
@@ -843,7 +1456,7 @@
             </a:ln>
             <a:extLst>
               <a:ext uri="{91240B29-F687-4f45-9708-019B960494DF}">
-                <a14:hiddenLine xmlns="" xmlns:a14="http://schemas.microsoft.com/office/drawing/2010/main" w="9525">
+                <a14:hiddenLine xmlns:a14="http://schemas.microsoft.com/office/drawing/2010/main" xmlns="" w="9525">
                   <a:solidFill>
                     <a:srgbClr val="000000"/>
                   </a:solidFill>
@@ -905,7 +1518,7 @@
             </a:ln>
             <a:extLst>
               <a:ext uri="{91240B29-F687-4f45-9708-019B960494DF}">
-                <a14:hiddenLine xmlns="" xmlns:a14="http://schemas.microsoft.com/office/drawing/2010/main" w="9525">
+                <a14:hiddenLine xmlns:a14="http://schemas.microsoft.com/office/drawing/2010/main" xmlns="" w="9525">
                   <a:solidFill>
                     <a:srgbClr val="000000"/>
                   </a:solidFill>
@@ -967,7 +1580,7 @@
             </a:ln>
             <a:extLst>
               <a:ext uri="{91240B29-F687-4f45-9708-019B960494DF}">
-                <a14:hiddenLine xmlns="" xmlns:a14="http://schemas.microsoft.com/office/drawing/2010/main" w="9525">
+                <a14:hiddenLine xmlns:a14="http://schemas.microsoft.com/office/drawing/2010/main" xmlns="" w="9525">
                   <a:solidFill>
                     <a:srgbClr val="000000"/>
                   </a:solidFill>
@@ -1057,7 +1670,7 @@
             </a:ln>
             <a:extLst>
               <a:ext uri="{91240B29-F687-4f45-9708-019B960494DF}">
-                <a14:hiddenLine xmlns="" xmlns:a14="http://schemas.microsoft.com/office/drawing/2010/main" w="9525">
+                <a14:hiddenLine xmlns:a14="http://schemas.microsoft.com/office/drawing/2010/main" xmlns="" w="9525">
                   <a:solidFill>
                     <a:srgbClr val="000000"/>
                   </a:solidFill>
@@ -1119,7 +1732,7 @@
             </a:ln>
             <a:extLst>
               <a:ext uri="{91240B29-F687-4f45-9708-019B960494DF}">
-                <a14:hiddenLine xmlns="" xmlns:a14="http://schemas.microsoft.com/office/drawing/2010/main" w="9525">
+                <a14:hiddenLine xmlns:a14="http://schemas.microsoft.com/office/drawing/2010/main" xmlns="" w="9525">
                   <a:solidFill>
                     <a:srgbClr val="000000"/>
                   </a:solidFill>
@@ -1181,7 +1794,7 @@
             </a:ln>
             <a:extLst>
               <a:ext uri="{91240B29-F687-4f45-9708-019B960494DF}">
-                <a14:hiddenLine xmlns="" xmlns:a14="http://schemas.microsoft.com/office/drawing/2010/main" w="9525">
+                <a14:hiddenLine xmlns:a14="http://schemas.microsoft.com/office/drawing/2010/main" xmlns="" w="9525">
                   <a:solidFill>
                     <a:srgbClr val="000000"/>
                   </a:solidFill>
@@ -1271,7 +1884,7 @@
             </a:ln>
             <a:extLst>
               <a:ext uri="{91240B29-F687-4f45-9708-019B960494DF}">
-                <a14:hiddenLine xmlns="" xmlns:a14="http://schemas.microsoft.com/office/drawing/2010/main" w="9525">
+                <a14:hiddenLine xmlns:a14="http://schemas.microsoft.com/office/drawing/2010/main" xmlns="" w="9525">
                   <a:solidFill>
                     <a:srgbClr val="000000"/>
                   </a:solidFill>
@@ -1361,7 +1974,7 @@
             </a:ln>
             <a:extLst>
               <a:ext uri="{91240B29-F687-4f45-9708-019B960494DF}">
-                <a14:hiddenLine xmlns="" xmlns:a14="http://schemas.microsoft.com/office/drawing/2010/main" w="9525">
+                <a14:hiddenLine xmlns:a14="http://schemas.microsoft.com/office/drawing/2010/main" xmlns="" w="9525">
                   <a:solidFill>
                     <a:srgbClr val="000000"/>
                   </a:solidFill>
@@ -1423,7 +2036,7 @@
             </a:ln>
             <a:extLst>
               <a:ext uri="{91240B29-F687-4f45-9708-019B960494DF}">
-                <a14:hiddenLine xmlns="" xmlns:a14="http://schemas.microsoft.com/office/drawing/2010/main" w="9525">
+                <a14:hiddenLine xmlns:a14="http://schemas.microsoft.com/office/drawing/2010/main" xmlns="" w="9525">
                   <a:solidFill>
                     <a:srgbClr val="000000"/>
                   </a:solidFill>
@@ -1533,7 +2146,7 @@
             </a:ln>
             <a:extLst>
               <a:ext uri="{91240B29-F687-4f45-9708-019B960494DF}">
-                <a14:hiddenLine xmlns="" xmlns:a14="http://schemas.microsoft.com/office/drawing/2010/main" w="9525">
+                <a14:hiddenLine xmlns:a14="http://schemas.microsoft.com/office/drawing/2010/main" xmlns="" w="9525">
                   <a:solidFill>
                     <a:srgbClr val="000000"/>
                   </a:solidFill>
@@ -1595,7 +2208,7 @@
             </a:ln>
             <a:extLst>
               <a:ext uri="{91240B29-F687-4f45-9708-019B960494DF}">
-                <a14:hiddenLine xmlns="" xmlns:a14="http://schemas.microsoft.com/office/drawing/2010/main" w="9525">
+                <a14:hiddenLine xmlns:a14="http://schemas.microsoft.com/office/drawing/2010/main" xmlns="" w="9525">
                   <a:solidFill>
                     <a:srgbClr val="000000"/>
                   </a:solidFill>
@@ -1685,7 +2298,7 @@
             </a:ln>
             <a:extLst>
               <a:ext uri="{91240B29-F687-4f45-9708-019B960494DF}">
-                <a14:hiddenLine xmlns="" xmlns:a14="http://schemas.microsoft.com/office/drawing/2010/main" w="9525">
+                <a14:hiddenLine xmlns:a14="http://schemas.microsoft.com/office/drawing/2010/main" xmlns="" w="9525">
                   <a:solidFill>
                     <a:srgbClr val="000000"/>
                   </a:solidFill>
@@ -1775,7 +2388,7 @@
             </a:ln>
             <a:extLst>
               <a:ext uri="{91240B29-F687-4f45-9708-019B960494DF}">
-                <a14:hiddenLine xmlns="" xmlns:a14="http://schemas.microsoft.com/office/drawing/2010/main" w="9525">
+                <a14:hiddenLine xmlns:a14="http://schemas.microsoft.com/office/drawing/2010/main" xmlns="" w="9525">
                   <a:solidFill>
                     <a:srgbClr val="000000"/>
                   </a:solidFill>
@@ -1837,7 +2450,7 @@
             </a:ln>
             <a:extLst>
               <a:ext uri="{91240B29-F687-4f45-9708-019B960494DF}">
-                <a14:hiddenLine xmlns="" xmlns:a14="http://schemas.microsoft.com/office/drawing/2010/main" w="9525">
+                <a14:hiddenLine xmlns:a14="http://schemas.microsoft.com/office/drawing/2010/main" xmlns="" w="9525">
                   <a:solidFill>
                     <a:srgbClr val="000000"/>
                   </a:solidFill>
@@ -1927,7 +2540,7 @@
             </a:ln>
             <a:extLst>
               <a:ext uri="{91240B29-F687-4f45-9708-019B960494DF}">
-                <a14:hiddenLine xmlns="" xmlns:a14="http://schemas.microsoft.com/office/drawing/2010/main" w="9525">
+                <a14:hiddenLine xmlns:a14="http://schemas.microsoft.com/office/drawing/2010/main" xmlns="" w="9525">
                   <a:solidFill>
                     <a:srgbClr val="000000"/>
                   </a:solidFill>
@@ -2017,7 +2630,7 @@
             </a:ln>
             <a:extLst>
               <a:ext uri="{91240B29-F687-4f45-9708-019B960494DF}">
-                <a14:hiddenLine xmlns="" xmlns:a14="http://schemas.microsoft.com/office/drawing/2010/main" w="9525">
+                <a14:hiddenLine xmlns:a14="http://schemas.microsoft.com/office/drawing/2010/main" xmlns="" w="9525">
                   <a:solidFill>
                     <a:srgbClr val="000000"/>
                   </a:solidFill>
@@ -2073,7 +2686,7 @@
             </a:ln>
             <a:extLst>
               <a:ext uri="{91240B29-F687-4f45-9708-019B960494DF}">
-                <a14:hiddenLine xmlns="" xmlns:a14="http://schemas.microsoft.com/office/drawing/2010/main" w="9525">
+                <a14:hiddenLine xmlns:a14="http://schemas.microsoft.com/office/drawing/2010/main" xmlns="" w="9525">
                   <a:solidFill>
                     <a:srgbClr val="000000"/>
                   </a:solidFill>
@@ -2163,7 +2776,7 @@
             </a:ln>
             <a:extLst>
               <a:ext uri="{91240B29-F687-4f45-9708-019B960494DF}">
-                <a14:hiddenLine xmlns="" xmlns:a14="http://schemas.microsoft.com/office/drawing/2010/main" w="9525">
+                <a14:hiddenLine xmlns:a14="http://schemas.microsoft.com/office/drawing/2010/main" xmlns="" w="9525">
                   <a:solidFill>
                     <a:srgbClr val="000000"/>
                   </a:solidFill>
@@ -2219,7 +2832,7 @@
             </a:ln>
             <a:extLst>
               <a:ext uri="{91240B29-F687-4f45-9708-019B960494DF}">
-                <a14:hiddenLine xmlns="" xmlns:a14="http://schemas.microsoft.com/office/drawing/2010/main" w="9525">
+                <a14:hiddenLine xmlns:a14="http://schemas.microsoft.com/office/drawing/2010/main" xmlns="" w="9525">
                   <a:solidFill>
                     <a:srgbClr val="000000"/>
                   </a:solidFill>
@@ -2309,7 +2922,7 @@
             </a:ln>
             <a:extLst>
               <a:ext uri="{91240B29-F687-4f45-9708-019B960494DF}">
-                <a14:hiddenLine xmlns="" xmlns:a14="http://schemas.microsoft.com/office/drawing/2010/main" w="9525">
+                <a14:hiddenLine xmlns:a14="http://schemas.microsoft.com/office/drawing/2010/main" xmlns="" w="9525">
                   <a:solidFill>
                     <a:srgbClr val="000000"/>
                   </a:solidFill>
@@ -2377,7 +2990,7 @@
             </a:ln>
             <a:extLst>
               <a:ext uri="{91240B29-F687-4f45-9708-019B960494DF}">
-                <a14:hiddenLine xmlns="" xmlns:a14="http://schemas.microsoft.com/office/drawing/2010/main" w="9525">
+                <a14:hiddenLine xmlns:a14="http://schemas.microsoft.com/office/drawing/2010/main" xmlns="" w="9525">
                   <a:solidFill>
                     <a:srgbClr val="000000"/>
                   </a:solidFill>
@@ -2467,7 +3080,7 @@
             </a:ln>
             <a:extLst>
               <a:ext uri="{91240B29-F687-4f45-9708-019B960494DF}">
-                <a14:hiddenLine xmlns="" xmlns:a14="http://schemas.microsoft.com/office/drawing/2010/main" w="9525">
+                <a14:hiddenLine xmlns:a14="http://schemas.microsoft.com/office/drawing/2010/main" xmlns="" w="9525">
                   <a:solidFill>
                     <a:srgbClr val="000000"/>
                   </a:solidFill>
@@ -2535,7 +3148,7 @@
             </a:ln>
             <a:extLst>
               <a:ext uri="{91240B29-F687-4f45-9708-019B960494DF}">
-                <a14:hiddenLine xmlns="" xmlns:a14="http://schemas.microsoft.com/office/drawing/2010/main" w="9525">
+                <a14:hiddenLine xmlns:a14="http://schemas.microsoft.com/office/drawing/2010/main" xmlns="" w="9525">
                   <a:solidFill>
                     <a:srgbClr val="000000"/>
                   </a:solidFill>
@@ -2625,7 +3238,7 @@
             </a:ln>
             <a:extLst>
               <a:ext uri="{91240B29-F687-4f45-9708-019B960494DF}">
-                <a14:hiddenLine xmlns="" xmlns:a14="http://schemas.microsoft.com/office/drawing/2010/main" w="9525">
+                <a14:hiddenLine xmlns:a14="http://schemas.microsoft.com/office/drawing/2010/main" xmlns="" w="9525">
                   <a:solidFill>
                     <a:srgbClr val="000000"/>
                   </a:solidFill>
@@ -2659,7 +3272,7 @@
             </a:ln>
             <a:extLst>
               <a:ext uri="{91240B29-F687-4f45-9708-019B960494DF}">
-                <a14:hiddenLine xmlns="" xmlns:a14="http://schemas.microsoft.com/office/drawing/2010/main" w="9525">
+                <a14:hiddenLine xmlns:a14="http://schemas.microsoft.com/office/drawing/2010/main" xmlns="" w="9525">
                   <a:solidFill>
                     <a:srgbClr val="000000"/>
                   </a:solidFill>
@@ -2749,7 +3362,7 @@
             </a:ln>
             <a:extLst>
               <a:ext uri="{91240B29-F687-4f45-9708-019B960494DF}">
-                <a14:hiddenLine xmlns="" xmlns:a14="http://schemas.microsoft.com/office/drawing/2010/main" w="9525">
+                <a14:hiddenLine xmlns:a14="http://schemas.microsoft.com/office/drawing/2010/main" xmlns="" w="9525">
                   <a:solidFill>
                     <a:srgbClr val="000000"/>
                   </a:solidFill>
@@ -2811,7 +3424,7 @@
             </a:ln>
             <a:extLst>
               <a:ext uri="{91240B29-F687-4f45-9708-019B960494DF}">
-                <a14:hiddenLine xmlns="" xmlns:a14="http://schemas.microsoft.com/office/drawing/2010/main" w="9525">
+                <a14:hiddenLine xmlns:a14="http://schemas.microsoft.com/office/drawing/2010/main" xmlns="" w="9525">
                   <a:solidFill>
                     <a:srgbClr val="000000"/>
                   </a:solidFill>
@@ -2873,7 +3486,7 @@
             </a:ln>
             <a:extLst>
               <a:ext uri="{91240B29-F687-4f45-9708-019B960494DF}">
-                <a14:hiddenLine xmlns="" xmlns:a14="http://schemas.microsoft.com/office/drawing/2010/main" w="9525">
+                <a14:hiddenLine xmlns:a14="http://schemas.microsoft.com/office/drawing/2010/main" xmlns="" w="9525">
                   <a:solidFill>
                     <a:srgbClr val="000000"/>
                   </a:solidFill>
@@ -2963,7 +3576,7 @@
             </a:ln>
             <a:extLst>
               <a:ext uri="{91240B29-F687-4f45-9708-019B960494DF}">
-                <a14:hiddenLine xmlns="" xmlns:a14="http://schemas.microsoft.com/office/drawing/2010/main" w="9525">
+                <a14:hiddenLine xmlns:a14="http://schemas.microsoft.com/office/drawing/2010/main" xmlns="" w="9525">
                   <a:solidFill>
                     <a:srgbClr val="000000"/>
                   </a:solidFill>
@@ -3031,7 +3644,7 @@
             </a:ln>
             <a:extLst>
               <a:ext uri="{91240B29-F687-4f45-9708-019B960494DF}">
-                <a14:hiddenLine xmlns="" xmlns:a14="http://schemas.microsoft.com/office/drawing/2010/main" w="9525">
+                <a14:hiddenLine xmlns:a14="http://schemas.microsoft.com/office/drawing/2010/main" xmlns="" w="9525">
                   <a:solidFill>
                     <a:srgbClr val="000000"/>
                   </a:solidFill>
@@ -3093,7 +3706,7 @@
             </a:ln>
             <a:extLst>
               <a:ext uri="{91240B29-F687-4f45-9708-019B960494DF}">
-                <a14:hiddenLine xmlns="" xmlns:a14="http://schemas.microsoft.com/office/drawing/2010/main" w="9525">
+                <a14:hiddenLine xmlns:a14="http://schemas.microsoft.com/office/drawing/2010/main" xmlns="" w="9525">
                   <a:solidFill>
                     <a:srgbClr val="000000"/>
                   </a:solidFill>
@@ -3183,7 +3796,7 @@
             </a:ln>
             <a:extLst>
               <a:ext uri="{91240B29-F687-4f45-9708-019B960494DF}">
-                <a14:hiddenLine xmlns="" xmlns:a14="http://schemas.microsoft.com/office/drawing/2010/main" w="9525">
+                <a14:hiddenLine xmlns:a14="http://schemas.microsoft.com/office/drawing/2010/main" xmlns="" w="9525">
                   <a:solidFill>
                     <a:srgbClr val="000000"/>
                   </a:solidFill>
@@ -3245,7 +3858,7 @@
             </a:ln>
             <a:extLst>
               <a:ext uri="{91240B29-F687-4f45-9708-019B960494DF}">
-                <a14:hiddenLine xmlns="" xmlns:a14="http://schemas.microsoft.com/office/drawing/2010/main" w="9525">
+                <a14:hiddenLine xmlns:a14="http://schemas.microsoft.com/office/drawing/2010/main" xmlns="" w="9525">
                   <a:solidFill>
                     <a:srgbClr val="000000"/>
                   </a:solidFill>
@@ -3335,7 +3948,7 @@
             </a:ln>
             <a:extLst>
               <a:ext uri="{91240B29-F687-4f45-9708-019B960494DF}">
-                <a14:hiddenLine xmlns="" xmlns:a14="http://schemas.microsoft.com/office/drawing/2010/main" w="9525">
+                <a14:hiddenLine xmlns:a14="http://schemas.microsoft.com/office/drawing/2010/main" xmlns="" w="9525">
                   <a:solidFill>
                     <a:srgbClr val="000000"/>
                   </a:solidFill>
@@ -3397,7 +4010,7 @@
             </a:ln>
             <a:extLst>
               <a:ext uri="{91240B29-F687-4f45-9708-019B960494DF}">
-                <a14:hiddenLine xmlns="" xmlns:a14="http://schemas.microsoft.com/office/drawing/2010/main" w="9525">
+                <a14:hiddenLine xmlns:a14="http://schemas.microsoft.com/office/drawing/2010/main" xmlns="" w="9525">
                   <a:solidFill>
                     <a:srgbClr val="000000"/>
                   </a:solidFill>
@@ -3487,7 +4100,7 @@
             </a:ln>
             <a:extLst>
               <a:ext uri="{91240B29-F687-4f45-9708-019B960494DF}">
-                <a14:hiddenLine xmlns="" xmlns:a14="http://schemas.microsoft.com/office/drawing/2010/main" w="9525">
+                <a14:hiddenLine xmlns:a14="http://schemas.microsoft.com/office/drawing/2010/main" xmlns="" w="9525">
                   <a:solidFill>
                     <a:srgbClr val="000000"/>
                   </a:solidFill>
@@ -3521,7 +4134,7 @@
             </a:ln>
             <a:extLst>
               <a:ext uri="{91240B29-F687-4f45-9708-019B960494DF}">
-                <a14:hiddenLine xmlns="" xmlns:a14="http://schemas.microsoft.com/office/drawing/2010/main" w="9525">
+                <a14:hiddenLine xmlns:a14="http://schemas.microsoft.com/office/drawing/2010/main" xmlns="" w="9525">
                   <a:solidFill>
                     <a:srgbClr val="000000"/>
                   </a:solidFill>
@@ -3586,7 +4199,7 @@
             </a:ln>
             <a:extLst>
               <a:ext uri="{91240B29-F687-4f45-9708-019B960494DF}">
-                <a14:hiddenLine xmlns="" xmlns:a14="http://schemas.microsoft.com/office/drawing/2010/main" w="9525">
+                <a14:hiddenLine xmlns:a14="http://schemas.microsoft.com/office/drawing/2010/main" xmlns="" w="9525">
                   <a:solidFill>
                     <a:srgbClr val="000000"/>
                   </a:solidFill>
@@ -3676,7 +4289,7 @@
             </a:ln>
             <a:extLst>
               <a:ext uri="{91240B29-F687-4f45-9708-019B960494DF}">
-                <a14:hiddenLine xmlns="" xmlns:a14="http://schemas.microsoft.com/office/drawing/2010/main" w="9525">
+                <a14:hiddenLine xmlns:a14="http://schemas.microsoft.com/office/drawing/2010/main" xmlns="" w="9525">
                   <a:solidFill>
                     <a:srgbClr val="000000"/>
                   </a:solidFill>
@@ -3738,7 +4351,7 @@
             </a:ln>
             <a:extLst>
               <a:ext uri="{91240B29-F687-4f45-9708-019B960494DF}">
-                <a14:hiddenLine xmlns="" xmlns:a14="http://schemas.microsoft.com/office/drawing/2010/main" w="9525">
+                <a14:hiddenLine xmlns:a14="http://schemas.microsoft.com/office/drawing/2010/main" xmlns="" w="9525">
                   <a:solidFill>
                     <a:srgbClr val="000000"/>
                   </a:solidFill>
@@ -3828,7 +4441,7 @@
             </a:ln>
             <a:extLst>
               <a:ext uri="{91240B29-F687-4f45-9708-019B960494DF}">
-                <a14:hiddenLine xmlns="" xmlns:a14="http://schemas.microsoft.com/office/drawing/2010/main" w="9525">
+                <a14:hiddenLine xmlns:a14="http://schemas.microsoft.com/office/drawing/2010/main" xmlns="" w="9525">
                   <a:solidFill>
                     <a:srgbClr val="000000"/>
                   </a:solidFill>
@@ -3918,7 +4531,7 @@
             </a:ln>
             <a:extLst>
               <a:ext uri="{91240B29-F687-4f45-9708-019B960494DF}">
-                <a14:hiddenLine xmlns="" xmlns:a14="http://schemas.microsoft.com/office/drawing/2010/main" w="9525">
+                <a14:hiddenLine xmlns:a14="http://schemas.microsoft.com/office/drawing/2010/main" xmlns="" w="9525">
                   <a:solidFill>
                     <a:srgbClr val="000000"/>
                   </a:solidFill>
@@ -3983,7 +4596,7 @@
             </a:ln>
             <a:extLst>
               <a:ext uri="{91240B29-F687-4f45-9708-019B960494DF}">
-                <a14:hiddenLine xmlns="" xmlns:a14="http://schemas.microsoft.com/office/drawing/2010/main" w="9525">
+                <a14:hiddenLine xmlns:a14="http://schemas.microsoft.com/office/drawing/2010/main" xmlns="" w="9525">
                   <a:solidFill>
                     <a:srgbClr val="000000"/>
                   </a:solidFill>
@@ -4045,7 +4658,7 @@
             </a:ln>
             <a:extLst>
               <a:ext uri="{91240B29-F687-4f45-9708-019B960494DF}">
-                <a14:hiddenLine xmlns="" xmlns:a14="http://schemas.microsoft.com/office/drawing/2010/main" w="9525">
+                <a14:hiddenLine xmlns:a14="http://schemas.microsoft.com/office/drawing/2010/main" xmlns="" w="9525">
                   <a:solidFill>
                     <a:srgbClr val="000000"/>
                   </a:solidFill>
@@ -4135,7 +4748,7 @@
             </a:ln>
             <a:extLst>
               <a:ext uri="{91240B29-F687-4f45-9708-019B960494DF}">
-                <a14:hiddenLine xmlns="" xmlns:a14="http://schemas.microsoft.com/office/drawing/2010/main" w="9525">
+                <a14:hiddenLine xmlns:a14="http://schemas.microsoft.com/office/drawing/2010/main" xmlns="" w="9525">
                   <a:solidFill>
                     <a:srgbClr val="000000"/>
                   </a:solidFill>
@@ -4225,7 +4838,7 @@
             </a:ln>
             <a:extLst>
               <a:ext uri="{91240B29-F687-4f45-9708-019B960494DF}">
-                <a14:hiddenLine xmlns="" xmlns:a14="http://schemas.microsoft.com/office/drawing/2010/main" w="9525">
+                <a14:hiddenLine xmlns:a14="http://schemas.microsoft.com/office/drawing/2010/main" xmlns="" w="9525">
                   <a:solidFill>
                     <a:srgbClr val="000000"/>
                   </a:solidFill>
@@ -4287,7 +4900,7 @@
             </a:ln>
             <a:extLst>
               <a:ext uri="{91240B29-F687-4f45-9708-019B960494DF}">
-                <a14:hiddenLine xmlns="" xmlns:a14="http://schemas.microsoft.com/office/drawing/2010/main" w="9525">
+                <a14:hiddenLine xmlns:a14="http://schemas.microsoft.com/office/drawing/2010/main" xmlns="" w="9525">
                   <a:solidFill>
                     <a:srgbClr val="000000"/>
                   </a:solidFill>
@@ -4407,7 +5020,7 @@
             </a:ln>
             <a:extLst>
               <a:ext uri="{91240B29-F687-4f45-9708-019B960494DF}">
-                <a14:hiddenLine xmlns="" xmlns:a14="http://schemas.microsoft.com/office/drawing/2010/main" w="9525">
+                <a14:hiddenLine xmlns:a14="http://schemas.microsoft.com/office/drawing/2010/main" xmlns="" w="9525">
                   <a:solidFill>
                     <a:srgbClr val="000000"/>
                   </a:solidFill>
@@ -4475,7 +5088,7 @@
             </a:ln>
             <a:extLst>
               <a:ext uri="{91240B29-F687-4f45-9708-019B960494DF}">
-                <a14:hiddenLine xmlns="" xmlns:a14="http://schemas.microsoft.com/office/drawing/2010/main" w="9525">
+                <a14:hiddenLine xmlns:a14="http://schemas.microsoft.com/office/drawing/2010/main" xmlns="" w="9525">
                   <a:solidFill>
                     <a:srgbClr val="000000"/>
                   </a:solidFill>
@@ -4565,7 +5178,7 @@
             </a:ln>
             <a:extLst>
               <a:ext uri="{91240B29-F687-4f45-9708-019B960494DF}">
-                <a14:hiddenLine xmlns="" xmlns:a14="http://schemas.microsoft.com/office/drawing/2010/main" w="9525">
+                <a14:hiddenLine xmlns:a14="http://schemas.microsoft.com/office/drawing/2010/main" xmlns="" w="9525">
                   <a:solidFill>
                     <a:srgbClr val="000000"/>
                   </a:solidFill>
@@ -4705,7 +5318,7 @@
           <a:p>
             <a:fld id="{48A87A34-81AB-432B-8DAE-1953F412C126}" type="datetimeFigureOut">
               <a:rPr lang="en-US" dirty="0"/>
-              <a:t>5/2/2019</a:t>
+              <a:t>5/9/2019</a:t>
             </a:fld>
             <a:endParaRPr lang="en-US" dirty="0"/>
           </a:p>
@@ -4967,7 +5580,7 @@
           <a:p>
             <a:fld id="{48A87A34-81AB-432B-8DAE-1953F412C126}" type="datetimeFigureOut">
               <a:rPr lang="en-US" dirty="0"/>
-              <a:t>5/2/2019</a:t>
+              <a:t>5/9/2019</a:t>
             </a:fld>
             <a:endParaRPr lang="en-US" dirty="0"/>
           </a:p>
@@ -5158,7 +5771,7 @@
           <a:p>
             <a:fld id="{48A87A34-81AB-432B-8DAE-1953F412C126}" type="datetimeFigureOut">
               <a:rPr lang="en-US" dirty="0"/>
-              <a:t>5/2/2019</a:t>
+              <a:t>5/9/2019</a:t>
             </a:fld>
             <a:endParaRPr lang="en-US" dirty="0"/>
           </a:p>
@@ -5416,7 +6029,7 @@
           <a:p>
             <a:fld id="{48A87A34-81AB-432B-8DAE-1953F412C126}" type="datetimeFigureOut">
               <a:rPr lang="en-US" dirty="0"/>
-              <a:t>5/2/2019</a:t>
+              <a:t>5/9/2019</a:t>
             </a:fld>
             <a:endParaRPr lang="en-US" dirty="0"/>
           </a:p>
@@ -5845,7 +6458,7 @@
           <a:p>
             <a:fld id="{48A87A34-81AB-432B-8DAE-1953F412C126}" type="datetimeFigureOut">
               <a:rPr lang="en-US" dirty="0"/>
-              <a:t>5/2/2019</a:t>
+              <a:t>5/9/2019</a:t>
             </a:fld>
             <a:endParaRPr lang="en-US" dirty="0"/>
           </a:p>
@@ -6386,7 +6999,7 @@
           <a:p>
             <a:fld id="{48A87A34-81AB-432B-8DAE-1953F412C126}" type="datetimeFigureOut">
               <a:rPr lang="en-US" dirty="0"/>
-              <a:t>5/2/2019</a:t>
+              <a:t>5/9/2019</a:t>
             </a:fld>
             <a:endParaRPr lang="en-US" dirty="0"/>
           </a:p>
@@ -7101,7 +7714,7 @@
           <a:p>
             <a:fld id="{48A87A34-81AB-432B-8DAE-1953F412C126}" type="datetimeFigureOut">
               <a:rPr lang="en-US" dirty="0"/>
-              <a:t>5/2/2019</a:t>
+              <a:t>5/9/2019</a:t>
             </a:fld>
             <a:endParaRPr lang="en-US" dirty="0"/>
           </a:p>
@@ -7266,7 +7879,7 @@
           <a:p>
             <a:fld id="{48A87A34-81AB-432B-8DAE-1953F412C126}" type="datetimeFigureOut">
               <a:rPr lang="en-US" dirty="0"/>
-              <a:t>5/2/2019</a:t>
+              <a:t>5/9/2019</a:t>
             </a:fld>
             <a:endParaRPr lang="en-US" dirty="0"/>
           </a:p>
@@ -7441,7 +8054,7 @@
           <a:p>
             <a:fld id="{48A87A34-81AB-432B-8DAE-1953F412C126}" type="datetimeFigureOut">
               <a:rPr lang="en-US" dirty="0"/>
-              <a:t>5/2/2019</a:t>
+              <a:t>5/9/2019</a:t>
             </a:fld>
             <a:endParaRPr lang="en-US" dirty="0"/>
           </a:p>
@@ -7606,7 +8219,7 @@
           <a:p>
             <a:fld id="{48A87A34-81AB-432B-8DAE-1953F412C126}" type="datetimeFigureOut">
               <a:rPr lang="en-US" dirty="0"/>
-              <a:t>5/2/2019</a:t>
+              <a:t>5/9/2019</a:t>
             </a:fld>
             <a:endParaRPr lang="en-US" dirty="0"/>
           </a:p>
@@ -7851,7 +8464,7 @@
           <a:p>
             <a:fld id="{48A87A34-81AB-432B-8DAE-1953F412C126}" type="datetimeFigureOut">
               <a:rPr lang="en-US" dirty="0"/>
-              <a:t>5/2/2019</a:t>
+              <a:t>5/9/2019</a:t>
             </a:fld>
             <a:endParaRPr lang="en-US" dirty="0"/>
           </a:p>
@@ -8078,7 +8691,7 @@
           <a:p>
             <a:fld id="{48A87A34-81AB-432B-8DAE-1953F412C126}" type="datetimeFigureOut">
               <a:rPr lang="en-US" dirty="0"/>
-              <a:t>5/2/2019</a:t>
+              <a:t>5/9/2019</a:t>
             </a:fld>
             <a:endParaRPr lang="en-US" dirty="0"/>
           </a:p>
@@ -8454,7 +9067,7 @@
           <a:p>
             <a:fld id="{48A87A34-81AB-432B-8DAE-1953F412C126}" type="datetimeFigureOut">
               <a:rPr lang="en-US" dirty="0"/>
-              <a:t>5/2/2019</a:t>
+              <a:t>5/9/2019</a:t>
             </a:fld>
             <a:endParaRPr lang="en-US" dirty="0"/>
           </a:p>
@@ -8567,7 +9180,7 @@
           <a:p>
             <a:fld id="{48A87A34-81AB-432B-8DAE-1953F412C126}" type="datetimeFigureOut">
               <a:rPr lang="en-US" dirty="0"/>
-              <a:t>5/2/2019</a:t>
+              <a:t>5/9/2019</a:t>
             </a:fld>
             <a:endParaRPr lang="en-US" dirty="0"/>
           </a:p>
@@ -8657,7 +9270,7 @@
           <a:p>
             <a:fld id="{48A87A34-81AB-432B-8DAE-1953F412C126}" type="datetimeFigureOut">
               <a:rPr lang="en-US" dirty="0"/>
-              <a:t>5/2/2019</a:t>
+              <a:t>5/9/2019</a:t>
             </a:fld>
             <a:endParaRPr lang="en-US" dirty="0"/>
           </a:p>
@@ -8901,7 +9514,7 @@
           <a:p>
             <a:fld id="{48A87A34-81AB-432B-8DAE-1953F412C126}" type="datetimeFigureOut">
               <a:rPr lang="en-US" dirty="0"/>
-              <a:t>5/2/2019</a:t>
+              <a:t>5/9/2019</a:t>
             </a:fld>
             <a:endParaRPr lang="en-US" dirty="0"/>
           </a:p>
@@ -9176,7 +9789,7 @@
           <a:p>
             <a:fld id="{48A87A34-81AB-432B-8DAE-1953F412C126}" type="datetimeFigureOut">
               <a:rPr lang="en-US" dirty="0"/>
-              <a:t>5/2/2019</a:t>
+              <a:t>5/9/2019</a:t>
             </a:fld>
             <a:endParaRPr lang="en-US" dirty="0"/>
           </a:p>
@@ -9287,7 +9900,7 @@
           <a:noFill/>
           <a:extLst>
             <a:ext uri="{909E8E84-426E-40dd-AFC4-6F175D3DCCD1}">
-              <a14:hiddenFill xmlns="" xmlns:a14="http://schemas.microsoft.com/office/drawing/2010/main">
+              <a14:hiddenFill xmlns:a14="http://schemas.microsoft.com/office/drawing/2010/main" xmlns="">
                 <a:solidFill>
                   <a:srgbClr val="FFFFFF"/>
                 </a:solidFill>
@@ -9361,7 +9974,7 @@
               </a:ln>
               <a:extLst>
                 <a:ext uri="{91240B29-F687-4f45-9708-019B960494DF}">
-                  <a14:hiddenLine xmlns="" xmlns:a14="http://schemas.microsoft.com/office/drawing/2010/main" w="9525">
+                  <a14:hiddenLine xmlns:a14="http://schemas.microsoft.com/office/drawing/2010/main" xmlns="" w="9525">
                     <a:solidFill>
                       <a:srgbClr val="000000"/>
                     </a:solidFill>
@@ -9451,7 +10064,7 @@
               </a:ln>
               <a:extLst>
                 <a:ext uri="{91240B29-F687-4f45-9708-019B960494DF}">
-                  <a14:hiddenLine xmlns="" xmlns:a14="http://schemas.microsoft.com/office/drawing/2010/main" w="9525">
+                  <a14:hiddenLine xmlns:a14="http://schemas.microsoft.com/office/drawing/2010/main" xmlns="" w="9525">
                     <a:solidFill>
                       <a:srgbClr val="000000"/>
                     </a:solidFill>
@@ -9541,7 +10154,7 @@
               </a:ln>
               <a:extLst>
                 <a:ext uri="{91240B29-F687-4f45-9708-019B960494DF}">
-                  <a14:hiddenLine xmlns="" xmlns:a14="http://schemas.microsoft.com/office/drawing/2010/main" w="9525">
+                  <a14:hiddenLine xmlns:a14="http://schemas.microsoft.com/office/drawing/2010/main" xmlns="" w="9525">
                     <a:solidFill>
                       <a:srgbClr val="000000"/>
                     </a:solidFill>
@@ -9603,7 +10216,7 @@
               </a:ln>
               <a:extLst>
                 <a:ext uri="{91240B29-F687-4f45-9708-019B960494DF}">
-                  <a14:hiddenLine xmlns="" xmlns:a14="http://schemas.microsoft.com/office/drawing/2010/main" w="9525">
+                  <a14:hiddenLine xmlns:a14="http://schemas.microsoft.com/office/drawing/2010/main" xmlns="" w="9525">
                     <a:solidFill>
                       <a:srgbClr val="000000"/>
                     </a:solidFill>
@@ -9693,7 +10306,7 @@
               </a:ln>
               <a:extLst>
                 <a:ext uri="{91240B29-F687-4f45-9708-019B960494DF}">
-                  <a14:hiddenLine xmlns="" xmlns:a14="http://schemas.microsoft.com/office/drawing/2010/main" w="9525">
+                  <a14:hiddenLine xmlns:a14="http://schemas.microsoft.com/office/drawing/2010/main" xmlns="" w="9525">
                     <a:solidFill>
                       <a:srgbClr val="000000"/>
                     </a:solidFill>
@@ -9755,7 +10368,7 @@
               </a:ln>
               <a:extLst>
                 <a:ext uri="{91240B29-F687-4f45-9708-019B960494DF}">
-                  <a14:hiddenLine xmlns="" xmlns:a14="http://schemas.microsoft.com/office/drawing/2010/main" w="9525">
+                  <a14:hiddenLine xmlns:a14="http://schemas.microsoft.com/office/drawing/2010/main" xmlns="" w="9525">
                     <a:solidFill>
                       <a:srgbClr val="000000"/>
                     </a:solidFill>
@@ -9817,7 +10430,7 @@
               </a:ln>
               <a:extLst>
                 <a:ext uri="{91240B29-F687-4f45-9708-019B960494DF}">
-                  <a14:hiddenLine xmlns="" xmlns:a14="http://schemas.microsoft.com/office/drawing/2010/main" w="9525">
+                  <a14:hiddenLine xmlns:a14="http://schemas.microsoft.com/office/drawing/2010/main" xmlns="" w="9525">
                     <a:solidFill>
                       <a:srgbClr val="000000"/>
                     </a:solidFill>
@@ -9907,7 +10520,7 @@
               </a:ln>
               <a:extLst>
                 <a:ext uri="{91240B29-F687-4f45-9708-019B960494DF}">
-                  <a14:hiddenLine xmlns="" xmlns:a14="http://schemas.microsoft.com/office/drawing/2010/main" w="9525">
+                  <a14:hiddenLine xmlns:a14="http://schemas.microsoft.com/office/drawing/2010/main" xmlns="" w="9525">
                     <a:solidFill>
                       <a:srgbClr val="000000"/>
                     </a:solidFill>
@@ -9997,7 +10610,7 @@
               </a:ln>
               <a:extLst>
                 <a:ext uri="{91240B29-F687-4f45-9708-019B960494DF}">
-                  <a14:hiddenLine xmlns="" xmlns:a14="http://schemas.microsoft.com/office/drawing/2010/main" w="9525">
+                  <a14:hiddenLine xmlns:a14="http://schemas.microsoft.com/office/drawing/2010/main" xmlns="" w="9525">
                     <a:solidFill>
                       <a:srgbClr val="000000"/>
                     </a:solidFill>
@@ -10059,7 +10672,7 @@
               </a:ln>
               <a:extLst>
                 <a:ext uri="{91240B29-F687-4f45-9708-019B960494DF}">
-                  <a14:hiddenLine xmlns="" xmlns:a14="http://schemas.microsoft.com/office/drawing/2010/main" w="9525">
+                  <a14:hiddenLine xmlns:a14="http://schemas.microsoft.com/office/drawing/2010/main" xmlns="" w="9525">
                     <a:solidFill>
                       <a:srgbClr val="000000"/>
                     </a:solidFill>
@@ -10169,7 +10782,7 @@
               </a:ln>
               <a:extLst>
                 <a:ext uri="{91240B29-F687-4f45-9708-019B960494DF}">
-                  <a14:hiddenLine xmlns="" xmlns:a14="http://schemas.microsoft.com/office/drawing/2010/main" w="9525">
+                  <a14:hiddenLine xmlns:a14="http://schemas.microsoft.com/office/drawing/2010/main" xmlns="" w="9525">
                     <a:solidFill>
                       <a:srgbClr val="000000"/>
                     </a:solidFill>
@@ -10253,7 +10866,7 @@
               </a:ln>
               <a:extLst>
                 <a:ext uri="{91240B29-F687-4f45-9708-019B960494DF}">
-                  <a14:hiddenLine xmlns="" xmlns:a14="http://schemas.microsoft.com/office/drawing/2010/main" w="9525">
+                  <a14:hiddenLine xmlns:a14="http://schemas.microsoft.com/office/drawing/2010/main" xmlns="" w="9525">
                     <a:solidFill>
                       <a:srgbClr val="000000"/>
                     </a:solidFill>
@@ -10315,7 +10928,7 @@
               </a:ln>
               <a:extLst>
                 <a:ext uri="{91240B29-F687-4f45-9708-019B960494DF}">
-                  <a14:hiddenLine xmlns="" xmlns:a14="http://schemas.microsoft.com/office/drawing/2010/main" w="9525">
+                  <a14:hiddenLine xmlns:a14="http://schemas.microsoft.com/office/drawing/2010/main" xmlns="" w="9525">
                     <a:solidFill>
                       <a:srgbClr val="000000"/>
                     </a:solidFill>
@@ -10377,7 +10990,7 @@
               </a:ln>
               <a:extLst>
                 <a:ext uri="{91240B29-F687-4f45-9708-019B960494DF}">
-                  <a14:hiddenLine xmlns="" xmlns:a14="http://schemas.microsoft.com/office/drawing/2010/main" w="9525">
+                  <a14:hiddenLine xmlns:a14="http://schemas.microsoft.com/office/drawing/2010/main" xmlns="" w="9525">
                     <a:solidFill>
                       <a:srgbClr val="000000"/>
                     </a:solidFill>
@@ -10467,7 +11080,7 @@
               </a:ln>
               <a:extLst>
                 <a:ext uri="{91240B29-F687-4f45-9708-019B960494DF}">
-                  <a14:hiddenLine xmlns="" xmlns:a14="http://schemas.microsoft.com/office/drawing/2010/main" w="9525">
+                  <a14:hiddenLine xmlns:a14="http://schemas.microsoft.com/office/drawing/2010/main" xmlns="" w="9525">
                     <a:solidFill>
                       <a:srgbClr val="000000"/>
                     </a:solidFill>
@@ -10501,7 +11114,7 @@
               </a:ln>
               <a:extLst>
                 <a:ext uri="{91240B29-F687-4f45-9708-019B960494DF}">
-                  <a14:hiddenLine xmlns="" xmlns:a14="http://schemas.microsoft.com/office/drawing/2010/main" w="9525">
+                  <a14:hiddenLine xmlns:a14="http://schemas.microsoft.com/office/drawing/2010/main" xmlns="" w="9525">
                     <a:solidFill>
                       <a:srgbClr val="000000"/>
                     </a:solidFill>
@@ -10566,7 +11179,7 @@
               </a:ln>
               <a:extLst>
                 <a:ext uri="{91240B29-F687-4f45-9708-019B960494DF}">
-                  <a14:hiddenLine xmlns="" xmlns:a14="http://schemas.microsoft.com/office/drawing/2010/main" w="9525">
+                  <a14:hiddenLine xmlns:a14="http://schemas.microsoft.com/office/drawing/2010/main" xmlns="" w="9525">
                     <a:solidFill>
                       <a:srgbClr val="000000"/>
                     </a:solidFill>
@@ -10656,7 +11269,7 @@
               </a:ln>
               <a:extLst>
                 <a:ext uri="{91240B29-F687-4f45-9708-019B960494DF}">
-                  <a14:hiddenLine xmlns="" xmlns:a14="http://schemas.microsoft.com/office/drawing/2010/main" w="9525">
+                  <a14:hiddenLine xmlns:a14="http://schemas.microsoft.com/office/drawing/2010/main" xmlns="" w="9525">
                     <a:solidFill>
                       <a:srgbClr val="000000"/>
                     </a:solidFill>
@@ -10718,7 +11331,7 @@
               </a:ln>
               <a:extLst>
                 <a:ext uri="{91240B29-F687-4f45-9708-019B960494DF}">
-                  <a14:hiddenLine xmlns="" xmlns:a14="http://schemas.microsoft.com/office/drawing/2010/main" w="9525">
+                  <a14:hiddenLine xmlns:a14="http://schemas.microsoft.com/office/drawing/2010/main" xmlns="" w="9525">
                     <a:solidFill>
                       <a:srgbClr val="000000"/>
                     </a:solidFill>
@@ -10808,7 +11421,7 @@
               </a:ln>
               <a:extLst>
                 <a:ext uri="{91240B29-F687-4f45-9708-019B960494DF}">
-                  <a14:hiddenLine xmlns="" xmlns:a14="http://schemas.microsoft.com/office/drawing/2010/main" w="9525">
+                  <a14:hiddenLine xmlns:a14="http://schemas.microsoft.com/office/drawing/2010/main" xmlns="" w="9525">
                     <a:solidFill>
                       <a:srgbClr val="000000"/>
                     </a:solidFill>
@@ -10873,7 +11486,7 @@
               </a:ln>
               <a:extLst>
                 <a:ext uri="{91240B29-F687-4f45-9708-019B960494DF}">
-                  <a14:hiddenLine xmlns="" xmlns:a14="http://schemas.microsoft.com/office/drawing/2010/main" w="9525">
+                  <a14:hiddenLine xmlns:a14="http://schemas.microsoft.com/office/drawing/2010/main" xmlns="" w="9525">
                     <a:solidFill>
                       <a:srgbClr val="000000"/>
                     </a:solidFill>
@@ -10935,7 +11548,7 @@
               </a:ln>
               <a:extLst>
                 <a:ext uri="{91240B29-F687-4f45-9708-019B960494DF}">
-                  <a14:hiddenLine xmlns="" xmlns:a14="http://schemas.microsoft.com/office/drawing/2010/main" w="9525">
+                  <a14:hiddenLine xmlns:a14="http://schemas.microsoft.com/office/drawing/2010/main" xmlns="" w="9525">
                     <a:solidFill>
                       <a:srgbClr val="000000"/>
                     </a:solidFill>
@@ -11025,7 +11638,7 @@
               </a:ln>
               <a:extLst>
                 <a:ext uri="{91240B29-F687-4f45-9708-019B960494DF}">
-                  <a14:hiddenLine xmlns="" xmlns:a14="http://schemas.microsoft.com/office/drawing/2010/main" w="9525">
+                  <a14:hiddenLine xmlns:a14="http://schemas.microsoft.com/office/drawing/2010/main" xmlns="" w="9525">
                     <a:solidFill>
                       <a:srgbClr val="000000"/>
                     </a:solidFill>
@@ -11115,7 +11728,7 @@
               </a:ln>
               <a:extLst>
                 <a:ext uri="{91240B29-F687-4f45-9708-019B960494DF}">
-                  <a14:hiddenLine xmlns="" xmlns:a14="http://schemas.microsoft.com/office/drawing/2010/main" w="9525">
+                  <a14:hiddenLine xmlns:a14="http://schemas.microsoft.com/office/drawing/2010/main" xmlns="" w="9525">
                     <a:solidFill>
                       <a:srgbClr val="000000"/>
                     </a:solidFill>
@@ -11180,7 +11793,7 @@
               </a:ln>
               <a:extLst>
                 <a:ext uri="{91240B29-F687-4f45-9708-019B960494DF}">
-                  <a14:hiddenLine xmlns="" xmlns:a14="http://schemas.microsoft.com/office/drawing/2010/main" w="9525">
+                  <a14:hiddenLine xmlns:a14="http://schemas.microsoft.com/office/drawing/2010/main" xmlns="" w="9525">
                     <a:solidFill>
                       <a:srgbClr val="000000"/>
                     </a:solidFill>
@@ -11300,7 +11913,7 @@
               </a:ln>
               <a:extLst>
                 <a:ext uri="{91240B29-F687-4f45-9708-019B960494DF}">
-                  <a14:hiddenLine xmlns="" xmlns:a14="http://schemas.microsoft.com/office/drawing/2010/main" w="9525">
+                  <a14:hiddenLine xmlns:a14="http://schemas.microsoft.com/office/drawing/2010/main" xmlns="" w="9525">
                     <a:solidFill>
                       <a:srgbClr val="000000"/>
                     </a:solidFill>
@@ -11398,7 +12011,7 @@
               </a:ln>
               <a:extLst>
                 <a:ext uri="{91240B29-F687-4f45-9708-019B960494DF}">
-                  <a14:hiddenLine xmlns="" xmlns:a14="http://schemas.microsoft.com/office/drawing/2010/main" w="9525">
+                  <a14:hiddenLine xmlns:a14="http://schemas.microsoft.com/office/drawing/2010/main" xmlns="" w="9525">
                     <a:solidFill>
                       <a:srgbClr val="000000"/>
                     </a:solidFill>
@@ -11513,7 +12126,7 @@
               </a:ln>
               <a:extLst>
                 <a:ext uri="{91240B29-F687-4f45-9708-019B960494DF}">
-                  <a14:hiddenLine xmlns="" xmlns:a14="http://schemas.microsoft.com/office/drawing/2010/main" w="9525">
+                  <a14:hiddenLine xmlns:a14="http://schemas.microsoft.com/office/drawing/2010/main" xmlns="" w="9525">
                     <a:solidFill>
                       <a:srgbClr val="000000"/>
                     </a:solidFill>
@@ -11603,7 +12216,7 @@
               </a:ln>
               <a:extLst>
                 <a:ext uri="{91240B29-F687-4f45-9708-019B960494DF}">
-                  <a14:hiddenLine xmlns="" xmlns:a14="http://schemas.microsoft.com/office/drawing/2010/main" w="9525">
+                  <a14:hiddenLine xmlns:a14="http://schemas.microsoft.com/office/drawing/2010/main" xmlns="" w="9525">
                     <a:solidFill>
                       <a:srgbClr val="000000"/>
                     </a:solidFill>
@@ -11668,7 +12281,7 @@
               </a:ln>
               <a:extLst>
                 <a:ext uri="{91240B29-F687-4f45-9708-019B960494DF}">
-                  <a14:hiddenLine xmlns="" xmlns:a14="http://schemas.microsoft.com/office/drawing/2010/main" w="9525">
+                  <a14:hiddenLine xmlns:a14="http://schemas.microsoft.com/office/drawing/2010/main" xmlns="" w="9525">
                     <a:solidFill>
                       <a:srgbClr val="000000"/>
                     </a:solidFill>
@@ -11758,7 +12371,7 @@
               </a:ln>
               <a:extLst>
                 <a:ext uri="{91240B29-F687-4f45-9708-019B960494DF}">
-                  <a14:hiddenLine xmlns="" xmlns:a14="http://schemas.microsoft.com/office/drawing/2010/main" w="9525">
+                  <a14:hiddenLine xmlns:a14="http://schemas.microsoft.com/office/drawing/2010/main" xmlns="" w="9525">
                     <a:solidFill>
                       <a:srgbClr val="000000"/>
                     </a:solidFill>
@@ -11826,7 +12439,7 @@
               </a:ln>
               <a:extLst>
                 <a:ext uri="{91240B29-F687-4f45-9708-019B960494DF}">
-                  <a14:hiddenLine xmlns="" xmlns:a14="http://schemas.microsoft.com/office/drawing/2010/main" w="9525">
+                  <a14:hiddenLine xmlns:a14="http://schemas.microsoft.com/office/drawing/2010/main" xmlns="" w="9525">
                     <a:solidFill>
                       <a:srgbClr val="000000"/>
                     </a:solidFill>
@@ -11916,7 +12529,7 @@
               </a:ln>
               <a:extLst>
                 <a:ext uri="{91240B29-F687-4f45-9708-019B960494DF}">
-                  <a14:hiddenLine xmlns="" xmlns:a14="http://schemas.microsoft.com/office/drawing/2010/main" w="9525">
+                  <a14:hiddenLine xmlns:a14="http://schemas.microsoft.com/office/drawing/2010/main" xmlns="" w="9525">
                     <a:solidFill>
                       <a:srgbClr val="000000"/>
                     </a:solidFill>
@@ -11984,7 +12597,7 @@
               </a:ln>
               <a:extLst>
                 <a:ext uri="{91240B29-F687-4f45-9708-019B960494DF}">
-                  <a14:hiddenLine xmlns="" xmlns:a14="http://schemas.microsoft.com/office/drawing/2010/main" w="9525">
+                  <a14:hiddenLine xmlns:a14="http://schemas.microsoft.com/office/drawing/2010/main" xmlns="" w="9525">
                     <a:solidFill>
                       <a:srgbClr val="000000"/>
                     </a:solidFill>
@@ -12074,7 +12687,7 @@
               </a:ln>
               <a:extLst>
                 <a:ext uri="{91240B29-F687-4f45-9708-019B960494DF}">
-                  <a14:hiddenLine xmlns="" xmlns:a14="http://schemas.microsoft.com/office/drawing/2010/main" w="9525">
+                  <a14:hiddenLine xmlns:a14="http://schemas.microsoft.com/office/drawing/2010/main" xmlns="" w="9525">
                     <a:solidFill>
                       <a:srgbClr val="000000"/>
                     </a:solidFill>
@@ -12108,7 +12721,7 @@
               </a:ln>
               <a:extLst>
                 <a:ext uri="{91240B29-F687-4f45-9708-019B960494DF}">
-                  <a14:hiddenLine xmlns="" xmlns:a14="http://schemas.microsoft.com/office/drawing/2010/main" w="9525">
+                  <a14:hiddenLine xmlns:a14="http://schemas.microsoft.com/office/drawing/2010/main" xmlns="" w="9525">
                     <a:solidFill>
                       <a:srgbClr val="000000"/>
                     </a:solidFill>
@@ -12249,7 +12862,7 @@
             <a:fld id="{48A87A34-81AB-432B-8DAE-1953F412C126}" type="datetimeFigureOut">
               <a:rPr lang="en-US" dirty="0"/>
               <a:pPr/>
-              <a:t>5/2/2019</a:t>
+              <a:t>5/9/2019</a:t>
             </a:fld>
             <a:endParaRPr lang="en-US" dirty="0"/>
           </a:p>
@@ -12808,8 +13421,146 @@
         </p:nvSpPr>
         <p:spPr/>
         <p:txBody>
-          <a:bodyPr/>
+          <a:bodyPr>
+            <a:normAutofit lnSpcReduction="10000"/>
+          </a:bodyPr>
           <a:lstStyle/>
+          <a:p>
+            <a:r>
+              <a:rPr lang="de-DE" dirty="0"/>
+              <a:t>Wenn ein Projekt hinter dem Zeitplan ist werden neue Mitarbeiter eingestellt, um die verlorene Zeit aufzuholen</a:t>
+            </a:r>
+          </a:p>
+          <a:p>
+            <a:r>
+              <a:rPr lang="en-US" dirty="0"/>
+              <a:t>“Adding manpower to a late software project makes it later.”</a:t>
+            </a:r>
+          </a:p>
+          <a:p>
+            <a:pPr marL="0" indent="0">
+              <a:buNone/>
+            </a:pPr>
+            <a:r>
+              <a:rPr lang="en-US" dirty="0"/>
+              <a:t>	- Frederick Brooks</a:t>
+            </a:r>
+          </a:p>
+          <a:p>
+            <a:r>
+              <a:rPr lang="en-US" dirty="0"/>
+              <a:t>Dieses anti-pattern </a:t>
+            </a:r>
+            <a:r>
+              <a:rPr lang="en-US" dirty="0" err="1"/>
+              <a:t>kann</a:t>
+            </a:r>
+            <a:r>
+              <a:rPr lang="en-US" dirty="0"/>
+              <a:t> </a:t>
+            </a:r>
+            <a:r>
+              <a:rPr lang="en-US" dirty="0" err="1"/>
+              <a:t>verhindert</a:t>
+            </a:r>
+            <a:r>
+              <a:rPr lang="en-US" dirty="0"/>
+              <a:t> warden, </a:t>
+            </a:r>
+            <a:r>
+              <a:rPr lang="en-US" dirty="0" err="1"/>
+              <a:t>indem</a:t>
+            </a:r>
+            <a:r>
+              <a:rPr lang="en-US" dirty="0"/>
+              <a:t> </a:t>
+            </a:r>
+            <a:r>
+              <a:rPr lang="en-US" dirty="0" err="1"/>
+              <a:t>statt</a:t>
+            </a:r>
+            <a:r>
+              <a:rPr lang="en-US" dirty="0"/>
+              <a:t> </a:t>
+            </a:r>
+            <a:r>
+              <a:rPr lang="en-US" dirty="0" err="1"/>
+              <a:t>neuer</a:t>
+            </a:r>
+            <a:r>
+              <a:rPr lang="en-US" dirty="0"/>
+              <a:t> Mitarbeiter </a:t>
+            </a:r>
+            <a:r>
+              <a:rPr lang="en-US" dirty="0" err="1"/>
+              <a:t>nach</a:t>
+            </a:r>
+            <a:r>
+              <a:rPr lang="en-US" dirty="0"/>
+              <a:t> </a:t>
+            </a:r>
+            <a:r>
+              <a:rPr lang="en-US" dirty="0" err="1"/>
+              <a:t>anderen</a:t>
+            </a:r>
+            <a:r>
+              <a:rPr lang="en-US" dirty="0"/>
+              <a:t> </a:t>
+            </a:r>
+            <a:r>
+              <a:rPr lang="en-US" dirty="0" err="1"/>
+              <a:t>Lösungen</a:t>
+            </a:r>
+            <a:r>
+              <a:rPr lang="en-US" dirty="0"/>
+              <a:t>, </a:t>
+            </a:r>
+            <a:r>
+              <a:rPr lang="en-US" dirty="0" err="1"/>
+              <a:t>z.B</a:t>
+            </a:r>
+            <a:r>
+              <a:rPr lang="en-US" dirty="0"/>
+              <a:t>. </a:t>
+            </a:r>
+            <a:r>
+              <a:rPr lang="en-US" dirty="0" err="1"/>
+              <a:t>Überdenken</a:t>
+            </a:r>
+            <a:r>
+              <a:rPr lang="en-US" dirty="0"/>
+              <a:t> der </a:t>
+            </a:r>
+            <a:r>
+              <a:rPr lang="en-US" dirty="0" err="1"/>
+              <a:t>Aufgabenverteilung</a:t>
+            </a:r>
+            <a:r>
+              <a:rPr lang="en-US" dirty="0"/>
+              <a:t> </a:t>
+            </a:r>
+            <a:r>
+              <a:rPr lang="en-US" dirty="0" err="1"/>
+              <a:t>u.ä</a:t>
+            </a:r>
+            <a:r>
+              <a:rPr lang="en-US" dirty="0"/>
+              <a:t>., </a:t>
+            </a:r>
+            <a:r>
+              <a:rPr lang="en-US" dirty="0" err="1"/>
+              <a:t>gesucht</a:t>
+            </a:r>
+            <a:r>
+              <a:rPr lang="en-US" dirty="0"/>
+              <a:t> </a:t>
+            </a:r>
+            <a:r>
+              <a:rPr lang="en-US" dirty="0" err="1"/>
+              <a:t>wird</a:t>
+            </a:r>
+            <a:endParaRPr lang="en-US" dirty="0"/>
+          </a:p>
           <a:p>
             <a:endParaRPr lang="de-DE" dirty="0"/>
           </a:p>
@@ -12905,7 +13656,30 @@
           <a:bodyPr/>
           <a:lstStyle/>
           <a:p>
-            <a:endParaRPr lang="de-DE" dirty="0"/>
+            <a:r>
+              <a:rPr lang="de-DE" dirty="0"/>
+              <a:t>Eine Klasse „weiß“ zu viel und kontrolliert Vorgänge, die semantisch nicht zu ihr gehören</a:t>
+            </a:r>
+          </a:p>
+          <a:p>
+            <a:r>
+              <a:rPr lang="de-DE" dirty="0"/>
+              <a:t>Dies ist problematisch, da die Software durch fehlende Kapselung sehr schwer zu warten ist und die Grundsätze der OO-Programmierung verletzt werden</a:t>
+            </a:r>
+          </a:p>
+          <a:p>
+            <a:r>
+              <a:rPr lang="de-DE" dirty="0"/>
+              <a:t>Dieses anti-pattern kann verhindert/behoben werden, indem Verantwortlichkeiten aufgeteilt werden und grundsätzliche design </a:t>
+            </a:r>
+            <a:r>
+              <a:rPr lang="de-DE" dirty="0" err="1"/>
+              <a:t>patterns</a:t>
+            </a:r>
+            <a:r>
+              <a:rPr lang="de-DE" dirty="0"/>
+              <a:t> beim Klassendesign eingehalten werden</a:t>
+            </a:r>
           </a:p>
         </p:txBody>
       </p:sp>
@@ -12995,7 +13769,52 @@
           <a:bodyPr/>
           <a:lstStyle/>
           <a:p>
-            <a:endParaRPr lang="de-DE" dirty="0"/>
+            <a:r>
+              <a:rPr lang="de-DE" dirty="0"/>
+              <a:t>Auch bekannt als „</a:t>
+            </a:r>
+            <a:r>
+              <a:rPr lang="de-DE" dirty="0" err="1"/>
+              <a:t>dead</a:t>
+            </a:r>
+            <a:r>
+              <a:rPr lang="de-DE" dirty="0"/>
+              <a:t> </a:t>
+            </a:r>
+            <a:r>
+              <a:rPr lang="de-DE" dirty="0" err="1"/>
+              <a:t>code</a:t>
+            </a:r>
+            <a:r>
+              <a:rPr lang="de-DE" dirty="0"/>
+              <a:t>“</a:t>
+            </a:r>
+          </a:p>
+          <a:p>
+            <a:r>
+              <a:rPr lang="de-DE" dirty="0"/>
+              <a:t>Es existiert Code, der niemals ausgeführt wird, z.B. nach einem </a:t>
+            </a:r>
+            <a:r>
+              <a:rPr lang="de-DE" dirty="0" err="1"/>
+              <a:t>return</a:t>
+            </a:r>
+            <a:r>
+              <a:rPr lang="de-DE" dirty="0"/>
+              <a:t> oder in einer nie eintreffenden Bedingung</a:t>
+            </a:r>
+          </a:p>
+          <a:p>
+            <a:r>
+              <a:rPr lang="de-DE" dirty="0"/>
+              <a:t>Weiterführend wird von redundantem Code gesprochen: Dies ist Code der zwar ausgeführt, das Ergebnis aber nie verwendet wird</a:t>
+            </a:r>
+          </a:p>
+          <a:p>
+            <a:r>
+              <a:rPr lang="de-DE" dirty="0"/>
+              <a:t>Dies ist problematisch, da dieser Code unnötige Komplexität verursacht und das Projekt unnötig vergrößert </a:t>
+            </a:r>
           </a:p>
         </p:txBody>
       </p:sp>
@@ -13101,7 +13920,38 @@
           <a:bodyPr/>
           <a:lstStyle/>
           <a:p>
-            <a:endParaRPr lang="de-DE" dirty="0"/>
+            <a:r>
+              <a:rPr lang="de-DE" dirty="0"/>
+              <a:t>Innerhalb des Projekts werden Funktionen entwickelt, die genauso gut aus </a:t>
+            </a:r>
+            <a:r>
+              <a:rPr lang="de-DE" dirty="0" err="1"/>
+              <a:t>libaries</a:t>
+            </a:r>
+            <a:r>
+              <a:rPr lang="de-DE" dirty="0"/>
+              <a:t> genutzt werden können</a:t>
+            </a:r>
+          </a:p>
+          <a:p>
+            <a:r>
+              <a:rPr lang="de-DE" dirty="0"/>
+              <a:t>Dies ist problematisch, da diese neuen Implementationen u.U. fehlerhaft oder langsamer sind und das Projekt unnötig aufblähen</a:t>
+            </a:r>
+          </a:p>
+          <a:p>
+            <a:r>
+              <a:rPr lang="de-DE" dirty="0"/>
+              <a:t>Um dieses anti-pattern zu verhindern/beheben sollte vor dem Entwickeln neuer Funktionen geprüft werden, ob </a:t>
+            </a:r>
+            <a:r>
+              <a:rPr lang="de-DE" dirty="0" err="1"/>
+              <a:t>libaries</a:t>
+            </a:r>
+            <a:r>
+              <a:rPr lang="de-DE" dirty="0"/>
+              <a:t> existieren, deren Verwendung sinnvoll und hilfreich ist </a:t>
+            </a:r>
           </a:p>
         </p:txBody>
       </p:sp>
@@ -13279,6 +14129,129 @@
 </p:sld>
 </file>
 
+<file path=ppt/slides/slide16.xml><?xml version="1.0" encoding="utf-8"?>
+<p:sld xmlns:a="http://schemas.openxmlformats.org/drawingml/2006/main" xmlns:r="http://schemas.openxmlformats.org/officeDocument/2006/relationships" xmlns:p="http://schemas.openxmlformats.org/presentationml/2006/main">
+  <p:cSld>
+    <p:spTree>
+      <p:nvGrpSpPr>
+        <p:cNvPr id="1" name=""/>
+        <p:cNvGrpSpPr/>
+        <p:nvPr/>
+      </p:nvGrpSpPr>
+      <p:grpSpPr>
+        <a:xfrm>
+          <a:off x="0" y="0"/>
+          <a:ext cx="0" cy="0"/>
+          <a:chOff x="0" y="0"/>
+          <a:chExt cx="0" cy="0"/>
+        </a:xfrm>
+      </p:grpSpPr>
+      <p:sp>
+        <p:nvSpPr>
+          <p:cNvPr id="2" name="Title 1">
+            <a:extLst>
+              <a:ext uri="{FF2B5EF4-FFF2-40B4-BE49-F238E27FC236}">
+                <a16:creationId xmlns:a16="http://schemas.microsoft.com/office/drawing/2014/main" id="{8A1F49DD-4D67-4C50-86CE-3325D475F214}"/>
+              </a:ext>
+            </a:extLst>
+          </p:cNvPr>
+          <p:cNvSpPr>
+            <a:spLocks noGrp="1"/>
+          </p:cNvSpPr>
+          <p:nvPr>
+            <p:ph type="title"/>
+          </p:nvPr>
+        </p:nvSpPr>
+        <p:spPr>
+          <a:xfrm>
+            <a:off x="1141412" y="2313094"/>
+            <a:ext cx="9905998" cy="1478570"/>
+          </a:xfrm>
+        </p:spPr>
+        <p:txBody>
+          <a:bodyPr/>
+          <a:lstStyle/>
+          <a:p>
+            <a:r>
+              <a:rPr lang="de-DE" dirty="0"/>
+              <a:t>Vielen Dank für eure Aufmerksamkeit!</a:t>
+            </a:r>
+          </a:p>
+        </p:txBody>
+      </p:sp>
+      <p:sp>
+        <p:nvSpPr>
+          <p:cNvPr id="3" name="Content Placeholder 2">
+            <a:extLst>
+              <a:ext uri="{FF2B5EF4-FFF2-40B4-BE49-F238E27FC236}">
+                <a16:creationId xmlns:a16="http://schemas.microsoft.com/office/drawing/2014/main" id="{4434AB1B-C1C0-47E6-BE30-A5FB903052D4}"/>
+              </a:ext>
+            </a:extLst>
+          </p:cNvPr>
+          <p:cNvSpPr>
+            <a:spLocks noGrp="1"/>
+          </p:cNvSpPr>
+          <p:nvPr>
+            <p:ph idx="1"/>
+          </p:nvPr>
+        </p:nvSpPr>
+        <p:spPr>
+          <a:xfrm>
+            <a:off x="1141412" y="3724711"/>
+            <a:ext cx="9905999" cy="2066489"/>
+          </a:xfrm>
+        </p:spPr>
+        <p:txBody>
+          <a:bodyPr/>
+          <a:lstStyle/>
+          <a:p>
+            <a:pPr marL="0" indent="0">
+              <a:buNone/>
+            </a:pPr>
+            <a:r>
+              <a:rPr lang="de-DE" dirty="0"/>
+              <a:t>	Alle Inhalte dieser Präsentation, incl. des Codes und einer kleinen 	Zusammenfassung findet ihr auf </a:t>
+            </a:r>
+            <a:r>
+              <a:rPr lang="de-DE" dirty="0" err="1"/>
+              <a:t>Github</a:t>
+            </a:r>
+            <a:r>
+              <a:rPr lang="de-DE" dirty="0"/>
+              <a:t> unter </a:t>
+            </a:r>
+            <a:r>
+              <a:rPr lang="de-DE" dirty="0" err="1"/>
+              <a:t>joshuaschu</a:t>
+            </a:r>
+            <a:r>
+              <a:rPr lang="de-DE" dirty="0"/>
+              <a:t>/E-	</a:t>
+            </a:r>
+            <a:r>
+              <a:rPr lang="de-DE" dirty="0" err="1"/>
+              <a:t>Portfolio_Anti</a:t>
+            </a:r>
+            <a:r>
+              <a:rPr lang="de-DE" dirty="0"/>
+              <a:t>-patterns.</a:t>
+            </a:r>
+          </a:p>
+        </p:txBody>
+      </p:sp>
+    </p:spTree>
+    <p:extLst>
+      <p:ext uri="{BB962C8B-B14F-4D97-AF65-F5344CB8AC3E}">
+        <p14:creationId xmlns:p14="http://schemas.microsoft.com/office/powerpoint/2010/main" val="829908272"/>
+      </p:ext>
+    </p:extLst>
+  </p:cSld>
+  <p:clrMapOvr>
+    <a:masterClrMapping/>
+  </p:clrMapOvr>
+</p:sld>
+</file>
+
 <file path=ppt/slides/slide2.xml><?xml version="1.0" encoding="utf-8"?>
 <p:sld xmlns:a="http://schemas.openxmlformats.org/drawingml/2006/main" xmlns:r="http://schemas.openxmlformats.org/officeDocument/2006/relationships" xmlns:p="http://schemas.openxmlformats.org/presentationml/2006/main">
   <p:cSld>
@@ -13692,7 +14665,46 @@
           <a:bodyPr/>
           <a:lstStyle/>
           <a:p>
-            <a:endParaRPr lang="de-DE" dirty="0"/>
+            <a:r>
+              <a:rPr lang="de-DE" dirty="0"/>
+              <a:t>Software, die keine erkennbare Architektur besitzt wird als „Big ball </a:t>
+            </a:r>
+            <a:r>
+              <a:rPr lang="de-DE" dirty="0" err="1"/>
+              <a:t>of</a:t>
+            </a:r>
+            <a:r>
+              <a:rPr lang="de-DE" dirty="0"/>
+              <a:t> </a:t>
+            </a:r>
+            <a:r>
+              <a:rPr lang="de-DE" dirty="0" err="1"/>
+              <a:t>mud</a:t>
+            </a:r>
+            <a:r>
+              <a:rPr lang="de-DE" dirty="0"/>
+              <a:t>“ bezeichnet</a:t>
+            </a:r>
+          </a:p>
+          <a:p>
+            <a:r>
+              <a:rPr lang="de-DE" dirty="0"/>
+              <a:t>Dies ist problematisch, da die Entwickler keinen Überblick über die Software haben und wenig vereinheitlicht und wiederverwendet werden kann</a:t>
+            </a:r>
+          </a:p>
+          <a:p>
+            <a:r>
+              <a:rPr lang="de-DE" dirty="0"/>
+              <a:t>Dieses anti-pattern kann gelöst/verhindert werden, indem bekannte design </a:t>
+            </a:r>
+            <a:r>
+              <a:rPr lang="de-DE" dirty="0" err="1"/>
+              <a:t>patterns</a:t>
+            </a:r>
+            <a:r>
+              <a:rPr lang="de-DE" dirty="0"/>
+              <a:t> der Softwarearchitektur eingeführt und kontinuierlich genutzt werden</a:t>
+            </a:r>
           </a:p>
         </p:txBody>
       </p:sp>
@@ -13786,7 +14798,22 @@
           <a:bodyPr/>
           <a:lstStyle/>
           <a:p>
-            <a:endParaRPr lang="de-DE" dirty="0"/>
+            <a:r>
+              <a:rPr lang="de-DE" dirty="0"/>
+              <a:t>Der Client und die Datenbank hängen unnötig stark zusammen, es befindet sich viel Logik „auf der Datenbank“ (Systeme sind nicht entkoppelt)</a:t>
+            </a:r>
+          </a:p>
+          <a:p>
+            <a:r>
+              <a:rPr lang="de-DE" dirty="0"/>
+              <a:t>Dies ist problematisch, da die Architektur so sehr unflexibel ist und z.B. kaum migriert werden kann</a:t>
+            </a:r>
+          </a:p>
+          <a:p>
+            <a:r>
+              <a:rPr lang="de-DE" dirty="0"/>
+              <a:t>Dieses anti-pattern kann behoben/verhindert werden, indem möglichst genau zwischen Anwendung und DB getrennt wird und eine möglichst generische Schnittstelle geschaffen wird</a:t>
+            </a:r>
           </a:p>
         </p:txBody>
       </p:sp>
@@ -14069,7 +15096,22 @@
           <a:bodyPr/>
           <a:lstStyle/>
           <a:p>
-            <a:endParaRPr lang="de-DE" dirty="0"/>
+            <a:r>
+              <a:rPr lang="de-DE" dirty="0"/>
+              <a:t>Der Projektplan wurde zu Beginn des Projekts festgelegt, allerdings schleichen sich mit der Zeit neue Features ein, z.B. durch Kunden</a:t>
+            </a:r>
+          </a:p>
+          <a:p>
+            <a:r>
+              <a:rPr lang="de-DE" dirty="0"/>
+              <a:t>Dies ist problematisch, da durch kurzfristige Änderungen, der Projektplan nicht eingehalten werden kann und Kosten unkontrolliert steigen</a:t>
+            </a:r>
+          </a:p>
+          <a:p>
+            <a:r>
+              <a:rPr lang="de-DE" dirty="0"/>
+              <a:t>Dieses anti-pattern kann verhindert werden, indem der Kunde und der Entwickler den Projektplan als endgültig festlegen und weitere Funktionalität z.B. in einer weiteren Version implementiert wird</a:t>
+            </a:r>
           </a:p>
         </p:txBody>
       </p:sp>
@@ -14335,4 +15377,299 @@
     </a:ext>
   </a:extLst>
 </a:theme>
+</file>
+
+<file path=ppt/theme/theme2.xml><?xml version="1.0" encoding="utf-8"?>
+<a:theme xmlns:a="http://schemas.openxmlformats.org/drawingml/2006/main" name="Office Theme">
+  <a:themeElements>
+    <a:clrScheme name="Office">
+      <a:dk1>
+        <a:sysClr val="windowText" lastClr="000000"/>
+      </a:dk1>
+      <a:lt1>
+        <a:sysClr val="window" lastClr="FFFFFF"/>
+      </a:lt1>
+      <a:dk2>
+        <a:srgbClr val="44546A"/>
+      </a:dk2>
+      <a:lt2>
+        <a:srgbClr val="E7E6E6"/>
+      </a:lt2>
+      <a:accent1>
+        <a:srgbClr val="4472C4"/>
+      </a:accent1>
+      <a:accent2>
+        <a:srgbClr val="ED7D31"/>
+      </a:accent2>
+      <a:accent3>
+        <a:srgbClr val="A5A5A5"/>
+      </a:accent3>
+      <a:accent4>
+        <a:srgbClr val="FFC000"/>
+      </a:accent4>
+      <a:accent5>
+        <a:srgbClr val="5B9BD5"/>
+      </a:accent5>
+      <a:accent6>
+        <a:srgbClr val="70AD47"/>
+      </a:accent6>
+      <a:hlink>
+        <a:srgbClr val="0563C1"/>
+      </a:hlink>
+      <a:folHlink>
+        <a:srgbClr val="954F72"/>
+      </a:folHlink>
+    </a:clrScheme>
+    <a:fontScheme name="Office">
+      <a:majorFont>
+        <a:latin typeface="Calibri Light" panose="020F0302020204030204"/>
+        <a:ea typeface=""/>
+        <a:cs typeface=""/>
+        <a:font script="Jpan" typeface="游ゴシック Light"/>
+        <a:font script="Hang" typeface="맑은 고딕"/>
+        <a:font script="Hans" typeface="等线 Light"/>
+        <a:font script="Hant" typeface="新細明體"/>
+        <a:font script="Arab" typeface="Times New Roman"/>
+        <a:font script="Hebr" typeface="Times New Roman"/>
+        <a:font script="Thai" typeface="Angsana New"/>
+        <a:font script="Ethi" typeface="Nyala"/>
+        <a:font script="Beng" typeface="Vrinda"/>
+        <a:font script="Gujr" typeface="Shruti"/>
+        <a:font script="Khmr" typeface="MoolBoran"/>
+        <a:font script="Knda" typeface="Tunga"/>
+        <a:font script="Guru" typeface="Raavi"/>
+        <a:font script="Cans" typeface="Euphemia"/>
+        <a:font script="Cher" typeface="Plantagenet Cherokee"/>
+        <a:font script="Yiii" typeface="Microsoft Yi Baiti"/>
+        <a:font script="Tibt" typeface="Microsoft Himalaya"/>
+        <a:font script="Thaa" typeface="MV Boli"/>
+        <a:font script="Deva" typeface="Mangal"/>
+        <a:font script="Telu" typeface="Gautami"/>
+        <a:font script="Taml" typeface="Latha"/>
+        <a:font script="Syrc" typeface="Estrangelo Edessa"/>
+        <a:font script="Orya" typeface="Kalinga"/>
+        <a:font script="Mlym" typeface="Kartika"/>
+        <a:font script="Laoo" typeface="DokChampa"/>
+        <a:font script="Sinh" typeface="Iskoola Pota"/>
+        <a:font script="Mong" typeface="Mongolian Baiti"/>
+        <a:font script="Viet" typeface="Times New Roman"/>
+        <a:font script="Uigh" typeface="Microsoft Uighur"/>
+        <a:font script="Geor" typeface="Sylfaen"/>
+        <a:font script="Armn" typeface="Arial"/>
+        <a:font script="Bugi" typeface="Leelawadee UI"/>
+        <a:font script="Bopo" typeface="Microsoft JhengHei"/>
+        <a:font script="Java" typeface="Javanese Text"/>
+        <a:font script="Lisu" typeface="Segoe UI"/>
+        <a:font script="Mymr" typeface="Myanmar Text"/>
+        <a:font script="Nkoo" typeface="Ebrima"/>
+        <a:font script="Olck" typeface="Nirmala UI"/>
+        <a:font script="Osma" typeface="Ebrima"/>
+        <a:font script="Phag" typeface="Phagspa"/>
+        <a:font script="Syrn" typeface="Estrangelo Edessa"/>
+        <a:font script="Syrj" typeface="Estrangelo Edessa"/>
+        <a:font script="Syre" typeface="Estrangelo Edessa"/>
+        <a:font script="Sora" typeface="Nirmala UI"/>
+        <a:font script="Tale" typeface="Microsoft Tai Le"/>
+        <a:font script="Talu" typeface="Microsoft New Tai Lue"/>
+        <a:font script="Tfng" typeface="Ebrima"/>
+      </a:majorFont>
+      <a:minorFont>
+        <a:latin typeface="Calibri" panose="020F0502020204030204"/>
+        <a:ea typeface=""/>
+        <a:cs typeface=""/>
+        <a:font script="Jpan" typeface="游ゴシック"/>
+        <a:font script="Hang" typeface="맑은 고딕"/>
+        <a:font script="Hans" typeface="等线"/>
+        <a:font script="Hant" typeface="新細明體"/>
+        <a:font script="Arab" typeface="Arial"/>
+        <a:font script="Hebr" typeface="Arial"/>
+        <a:font script="Thai" typeface="Cordia New"/>
+        <a:font script="Ethi" typeface="Nyala"/>
+        <a:font script="Beng" typeface="Vrinda"/>
+        <a:font script="Gujr" typeface="Shruti"/>
+        <a:font script="Khmr" typeface="DaunPenh"/>
+        <a:font script="Knda" typeface="Tunga"/>
+        <a:font script="Guru" typeface="Raavi"/>
+        <a:font script="Cans" typeface="Euphemia"/>
+        <a:font script="Cher" typeface="Plantagenet Cherokee"/>
+        <a:font script="Yiii" typeface="Microsoft Yi Baiti"/>
+        <a:font script="Tibt" typeface="Microsoft Himalaya"/>
+        <a:font script="Thaa" typeface="MV Boli"/>
+        <a:font script="Deva" typeface="Mangal"/>
+        <a:font script="Telu" typeface="Gautami"/>
+        <a:font script="Taml" typeface="Latha"/>
+        <a:font script="Syrc" typeface="Estrangelo Edessa"/>
+        <a:font script="Orya" typeface="Kalinga"/>
+        <a:font script="Mlym" typeface="Kartika"/>
+        <a:font script="Laoo" typeface="DokChampa"/>
+        <a:font script="Sinh" typeface="Iskoola Pota"/>
+        <a:font script="Mong" typeface="Mongolian Baiti"/>
+        <a:font script="Viet" typeface="Arial"/>
+        <a:font script="Uigh" typeface="Microsoft Uighur"/>
+        <a:font script="Geor" typeface="Sylfaen"/>
+        <a:font script="Armn" typeface="Arial"/>
+        <a:font script="Bugi" typeface="Leelawadee UI"/>
+        <a:font script="Bopo" typeface="Microsoft JhengHei"/>
+        <a:font script="Java" typeface="Javanese Text"/>
+        <a:font script="Lisu" typeface="Segoe UI"/>
+        <a:font script="Mymr" typeface="Myanmar Text"/>
+        <a:font script="Nkoo" typeface="Ebrima"/>
+        <a:font script="Olck" typeface="Nirmala UI"/>
+        <a:font script="Osma" typeface="Ebrima"/>
+        <a:font script="Phag" typeface="Phagspa"/>
+        <a:font script="Syrn" typeface="Estrangelo Edessa"/>
+        <a:font script="Syrj" typeface="Estrangelo Edessa"/>
+        <a:font script="Syre" typeface="Estrangelo Edessa"/>
+        <a:font script="Sora" typeface="Nirmala UI"/>
+        <a:font script="Tale" typeface="Microsoft Tai Le"/>
+        <a:font script="Talu" typeface="Microsoft New Tai Lue"/>
+        <a:font script="Tfng" typeface="Ebrima"/>
+      </a:minorFont>
+    </a:fontScheme>
+    <a:fmtScheme name="Office">
+      <a:fillStyleLst>
+        <a:solidFill>
+          <a:schemeClr val="phClr"/>
+        </a:solidFill>
+        <a:gradFill rotWithShape="1">
+          <a:gsLst>
+            <a:gs pos="0">
+              <a:schemeClr val="phClr">
+                <a:lumMod val="110000"/>
+                <a:satMod val="105000"/>
+                <a:tint val="67000"/>
+              </a:schemeClr>
+            </a:gs>
+            <a:gs pos="50000">
+              <a:schemeClr val="phClr">
+                <a:lumMod val="105000"/>
+                <a:satMod val="103000"/>
+                <a:tint val="73000"/>
+              </a:schemeClr>
+            </a:gs>
+            <a:gs pos="100000">
+              <a:schemeClr val="phClr">
+                <a:lumMod val="105000"/>
+                <a:satMod val="109000"/>
+                <a:tint val="81000"/>
+              </a:schemeClr>
+            </a:gs>
+          </a:gsLst>
+          <a:lin ang="5400000" scaled="0"/>
+        </a:gradFill>
+        <a:gradFill rotWithShape="1">
+          <a:gsLst>
+            <a:gs pos="0">
+              <a:schemeClr val="phClr">
+                <a:satMod val="103000"/>
+                <a:lumMod val="102000"/>
+                <a:tint val="94000"/>
+              </a:schemeClr>
+            </a:gs>
+            <a:gs pos="50000">
+              <a:schemeClr val="phClr">
+                <a:satMod val="110000"/>
+                <a:lumMod val="100000"/>
+                <a:shade val="100000"/>
+              </a:schemeClr>
+            </a:gs>
+            <a:gs pos="100000">
+              <a:schemeClr val="phClr">
+                <a:lumMod val="99000"/>
+                <a:satMod val="120000"/>
+                <a:shade val="78000"/>
+              </a:schemeClr>
+            </a:gs>
+          </a:gsLst>
+          <a:lin ang="5400000" scaled="0"/>
+        </a:gradFill>
+      </a:fillStyleLst>
+      <a:lnStyleLst>
+        <a:ln w="6350" cap="flat" cmpd="sng" algn="ctr">
+          <a:solidFill>
+            <a:schemeClr val="phClr"/>
+          </a:solidFill>
+          <a:prstDash val="solid"/>
+          <a:miter lim="800000"/>
+        </a:ln>
+        <a:ln w="12700" cap="flat" cmpd="sng" algn="ctr">
+          <a:solidFill>
+            <a:schemeClr val="phClr"/>
+          </a:solidFill>
+          <a:prstDash val="solid"/>
+          <a:miter lim="800000"/>
+        </a:ln>
+        <a:ln w="19050" cap="flat" cmpd="sng" algn="ctr">
+          <a:solidFill>
+            <a:schemeClr val="phClr"/>
+          </a:solidFill>
+          <a:prstDash val="solid"/>
+          <a:miter lim="800000"/>
+        </a:ln>
+      </a:lnStyleLst>
+      <a:effectStyleLst>
+        <a:effectStyle>
+          <a:effectLst/>
+        </a:effectStyle>
+        <a:effectStyle>
+          <a:effectLst/>
+        </a:effectStyle>
+        <a:effectStyle>
+          <a:effectLst>
+            <a:outerShdw blurRad="57150" dist="19050" dir="5400000" algn="ctr" rotWithShape="0">
+              <a:srgbClr val="000000">
+                <a:alpha val="63000"/>
+              </a:srgbClr>
+            </a:outerShdw>
+          </a:effectLst>
+        </a:effectStyle>
+      </a:effectStyleLst>
+      <a:bgFillStyleLst>
+        <a:solidFill>
+          <a:schemeClr val="phClr"/>
+        </a:solidFill>
+        <a:solidFill>
+          <a:schemeClr val="phClr">
+            <a:tint val="95000"/>
+            <a:satMod val="170000"/>
+          </a:schemeClr>
+        </a:solidFill>
+        <a:gradFill rotWithShape="1">
+          <a:gsLst>
+            <a:gs pos="0">
+              <a:schemeClr val="phClr">
+                <a:tint val="93000"/>
+                <a:satMod val="150000"/>
+                <a:shade val="98000"/>
+                <a:lumMod val="102000"/>
+              </a:schemeClr>
+            </a:gs>
+            <a:gs pos="50000">
+              <a:schemeClr val="phClr">
+                <a:tint val="98000"/>
+                <a:satMod val="130000"/>
+                <a:shade val="90000"/>
+                <a:lumMod val="103000"/>
+              </a:schemeClr>
+            </a:gs>
+            <a:gs pos="100000">
+              <a:schemeClr val="phClr">
+                <a:shade val="63000"/>
+                <a:satMod val="120000"/>
+              </a:schemeClr>
+            </a:gs>
+          </a:gsLst>
+          <a:lin ang="5400000" scaled="0"/>
+        </a:gradFill>
+      </a:bgFillStyleLst>
+    </a:fmtScheme>
+  </a:themeElements>
+  <a:objectDefaults/>
+  <a:extraClrSchemeLst/>
+  <a:extLst>
+    <a:ext uri="{05A4C25C-085E-4340-85A3-A5531E510DB2}">
+      <thm15:themeFamily xmlns:thm15="http://schemas.microsoft.com/office/thememl/2012/main" name="Office Theme" id="{62F939B6-93AF-4DB8-9C6B-D6C7DFDC589F}" vid="{4A3C46E8-61CC-4603-A589-7422A47A8E4A}"/>
+    </a:ext>
+  </a:extLst>
+</a:theme>
 </file>
--- a/Anti-Patterns.pptx
+++ b/Anti-Patterns.pptx
@@ -5,7 +5,7 @@
     <p:sldMasterId id="2147483648" r:id="rId1"/>
   </p:sldMasterIdLst>
   <p:notesMasterIdLst>
-    <p:notesMasterId r:id="rId18"/>
+    <p:notesMasterId r:id="rId19"/>
   </p:notesMasterIdLst>
   <p:sldIdLst>
     <p:sldId id="256" r:id="rId2"/>
@@ -22,8 +22,9 @@
     <p:sldId id="269" r:id="rId13"/>
     <p:sldId id="270" r:id="rId14"/>
     <p:sldId id="259" r:id="rId15"/>
-    <p:sldId id="261" r:id="rId16"/>
-    <p:sldId id="271" r:id="rId17"/>
+    <p:sldId id="272" r:id="rId16"/>
+    <p:sldId id="261" r:id="rId17"/>
+    <p:sldId id="271" r:id="rId18"/>
   </p:sldIdLst>
   <p:sldSz cx="12192000" cy="6858000"/>
   <p:notesSz cx="6858000" cy="9144000"/>
@@ -133,7 +134,7 @@
 <file path=ppt/revisionInfo.xml><?xml version="1.0" encoding="utf-8"?>
 <p1510:revInfo xmlns:a="http://schemas.openxmlformats.org/drawingml/2006/main" xmlns:r="http://schemas.openxmlformats.org/officeDocument/2006/relationships" xmlns:p1510="http://schemas.microsoft.com/office/powerpoint/2015/10/main">
   <p1510:revLst>
-    <p1510:client id="{5EB83996-0236-4008-B897-A8A957EF5EA9}" v="4848" dt="2019-05-09T15:55:10.117"/>
+    <p1510:client id="{5EB83996-0236-4008-B897-A8A957EF5EA9}" v="6376" dt="2019-05-10T06:42:08.797"/>
   </p1510:revLst>
 </p1510:revInfo>
 </file>
@@ -143,7 +144,7 @@
   <pc:docChgLst>
     <pc:chgData name="Schulz, Joshua" userId="2ef87867-eeda-41aa-9aea-19cd18747ab2" providerId="ADAL" clId="{5EB83996-0236-4008-B897-A8A957EF5EA9}"/>
     <pc:docChg chg="undo custSel addSld modSld">
-      <pc:chgData name="Schulz, Joshua" userId="2ef87867-eeda-41aa-9aea-19cd18747ab2" providerId="ADAL" clId="{5EB83996-0236-4008-B897-A8A957EF5EA9}" dt="2019-05-09T15:55:10.117" v="4847" actId="20577"/>
+      <pc:chgData name="Schulz, Joshua" userId="2ef87867-eeda-41aa-9aea-19cd18747ab2" providerId="ADAL" clId="{5EB83996-0236-4008-B897-A8A957EF5EA9}" dt="2019-05-10T06:42:02.511" v="6368" actId="20577"/>
       <pc:docMkLst>
         <pc:docMk/>
       </pc:docMkLst>
@@ -239,7 +240,7 @@
         </pc:spChg>
       </pc:sldChg>
       <pc:sldChg chg="modSp add">
-        <pc:chgData name="Schulz, Joshua" userId="2ef87867-eeda-41aa-9aea-19cd18747ab2" providerId="ADAL" clId="{5EB83996-0236-4008-B897-A8A957EF5EA9}" dt="2019-05-02T11:01:43.806" v="452" actId="20577"/>
+        <pc:chgData name="Schulz, Joshua" userId="2ef87867-eeda-41aa-9aea-19cd18747ab2" providerId="ADAL" clId="{5EB83996-0236-4008-B897-A8A957EF5EA9}" dt="2019-05-10T06:41:07.653" v="6363" actId="20577"/>
         <pc:sldMkLst>
           <pc:docMk/>
           <pc:sldMk cId="1755791287" sldId="261"/>
@@ -253,7 +254,7 @@
           </ac:spMkLst>
         </pc:spChg>
         <pc:spChg chg="mod">
-          <ac:chgData name="Schulz, Joshua" userId="2ef87867-eeda-41aa-9aea-19cd18747ab2" providerId="ADAL" clId="{5EB83996-0236-4008-B897-A8A957EF5EA9}" dt="2019-05-02T11:01:43.806" v="452" actId="20577"/>
+          <ac:chgData name="Schulz, Joshua" userId="2ef87867-eeda-41aa-9aea-19cd18747ab2" providerId="ADAL" clId="{5EB83996-0236-4008-B897-A8A957EF5EA9}" dt="2019-05-10T06:41:07.653" v="6363" actId="20577"/>
           <ac:spMkLst>
             <pc:docMk/>
             <pc:sldMk cId="1755791287" sldId="261"/>
@@ -308,17 +309,25 @@
         </pc:spChg>
       </pc:sldChg>
       <pc:sldChg chg="addSp delSp modSp add">
-        <pc:chgData name="Schulz, Joshua" userId="2ef87867-eeda-41aa-9aea-19cd18747ab2" providerId="ADAL" clId="{5EB83996-0236-4008-B897-A8A957EF5EA9}" dt="2019-05-02T11:34:37.339" v="632" actId="478"/>
+        <pc:chgData name="Schulz, Joshua" userId="2ef87867-eeda-41aa-9aea-19cd18747ab2" providerId="ADAL" clId="{5EB83996-0236-4008-B897-A8A957EF5EA9}" dt="2019-05-10T06:35:56.910" v="5932" actId="20577"/>
         <pc:sldMkLst>
           <pc:docMk/>
           <pc:sldMk cId="1412480464" sldId="264"/>
         </pc:sldMkLst>
         <pc:spChg chg="mod">
-          <ac:chgData name="Schulz, Joshua" userId="2ef87867-eeda-41aa-9aea-19cd18747ab2" providerId="ADAL" clId="{5EB83996-0236-4008-B897-A8A957EF5EA9}" dt="2019-05-02T11:33:06.769" v="622" actId="255"/>
+          <ac:chgData name="Schulz, Joshua" userId="2ef87867-eeda-41aa-9aea-19cd18747ab2" providerId="ADAL" clId="{5EB83996-0236-4008-B897-A8A957EF5EA9}" dt="2019-05-10T06:35:56.910" v="5932" actId="20577"/>
           <ac:spMkLst>
             <pc:docMk/>
             <pc:sldMk cId="1412480464" sldId="264"/>
             <ac:spMk id="2" creationId="{0112D0E3-4638-40B9-8350-35E99AB3D5EF}"/>
+          </ac:spMkLst>
+        </pc:spChg>
+        <pc:spChg chg="mod">
+          <ac:chgData name="Schulz, Joshua" userId="2ef87867-eeda-41aa-9aea-19cd18747ab2" providerId="ADAL" clId="{5EB83996-0236-4008-B897-A8A957EF5EA9}" dt="2019-05-10T06:35:41.864" v="5930" actId="20577"/>
+          <ac:spMkLst>
+            <pc:docMk/>
+            <pc:sldMk cId="1412480464" sldId="264"/>
+            <ac:spMk id="3" creationId="{4A62E8B0-2F87-4ACE-B3D5-1586ADC40F80}"/>
           </ac:spMkLst>
         </pc:spChg>
         <pc:spChg chg="add del mod">
@@ -354,8 +363,8 @@
           </ac:spMkLst>
         </pc:spChg>
       </pc:sldChg>
-      <pc:sldChg chg="modSp add">
-        <pc:chgData name="Schulz, Joshua" userId="2ef87867-eeda-41aa-9aea-19cd18747ab2" providerId="ADAL" clId="{5EB83996-0236-4008-B897-A8A957EF5EA9}" dt="2019-05-02T11:42:58.373" v="639" actId="20577"/>
+      <pc:sldChg chg="modSp add modNotesTx">
+        <pc:chgData name="Schulz, Joshua" userId="2ef87867-eeda-41aa-9aea-19cd18747ab2" providerId="ADAL" clId="{5EB83996-0236-4008-B897-A8A957EF5EA9}" dt="2019-05-10T06:31:42.279" v="5454" actId="313"/>
         <pc:sldMkLst>
           <pc:docMk/>
           <pc:sldMk cId="3756377047" sldId="265"/>
@@ -366,6 +375,14 @@
             <pc:docMk/>
             <pc:sldMk cId="3756377047" sldId="265"/>
             <ac:spMk id="2" creationId="{00DD1E29-670E-48F8-A2B9-B56CF7107F69}"/>
+          </ac:spMkLst>
+        </pc:spChg>
+        <pc:spChg chg="mod">
+          <ac:chgData name="Schulz, Joshua" userId="2ef87867-eeda-41aa-9aea-19cd18747ab2" providerId="ADAL" clId="{5EB83996-0236-4008-B897-A8A957EF5EA9}" dt="2019-05-10T06:30:57.659" v="5450" actId="20577"/>
+          <ac:spMkLst>
+            <pc:docMk/>
+            <pc:sldMk cId="3756377047" sldId="265"/>
+            <ac:spMk id="3" creationId="{CF6A3FAA-75A0-49B8-BDA7-FCC1B925AF4A}"/>
           </ac:spMkLst>
         </pc:spChg>
       </pc:sldChg>
@@ -485,7 +502,7 @@
         </pc:spChg>
       </pc:sldChg>
       <pc:sldChg chg="modSp add">
-        <pc:chgData name="Schulz, Joshua" userId="2ef87867-eeda-41aa-9aea-19cd18747ab2" providerId="ADAL" clId="{5EB83996-0236-4008-B897-A8A957EF5EA9}" dt="2019-05-09T15:55:10.117" v="4847" actId="20577"/>
+        <pc:chgData name="Schulz, Joshua" userId="2ef87867-eeda-41aa-9aea-19cd18747ab2" providerId="ADAL" clId="{5EB83996-0236-4008-B897-A8A957EF5EA9}" dt="2019-05-10T06:42:02.511" v="6368" actId="20577"/>
         <pc:sldMkLst>
           <pc:docMk/>
           <pc:sldMk cId="829908272" sldId="271"/>
@@ -499,11 +516,34 @@
           </ac:spMkLst>
         </pc:spChg>
         <pc:spChg chg="mod">
-          <ac:chgData name="Schulz, Joshua" userId="2ef87867-eeda-41aa-9aea-19cd18747ab2" providerId="ADAL" clId="{5EB83996-0236-4008-B897-A8A957EF5EA9}" dt="2019-05-09T15:55:10.117" v="4847" actId="20577"/>
+          <ac:chgData name="Schulz, Joshua" userId="2ef87867-eeda-41aa-9aea-19cd18747ab2" providerId="ADAL" clId="{5EB83996-0236-4008-B897-A8A957EF5EA9}" dt="2019-05-10T06:42:02.511" v="6368" actId="20577"/>
           <ac:spMkLst>
             <pc:docMk/>
             <pc:sldMk cId="829908272" sldId="271"/>
             <ac:spMk id="3" creationId="{4434AB1B-C1C0-47E6-BE30-A5FB903052D4}"/>
+          </ac:spMkLst>
+        </pc:spChg>
+      </pc:sldChg>
+      <pc:sldChg chg="modSp add">
+        <pc:chgData name="Schulz, Joshua" userId="2ef87867-eeda-41aa-9aea-19cd18747ab2" providerId="ADAL" clId="{5EB83996-0236-4008-B897-A8A957EF5EA9}" dt="2019-05-10T06:38:05.191" v="6231" actId="20577"/>
+        <pc:sldMkLst>
+          <pc:docMk/>
+          <pc:sldMk cId="2915358397" sldId="272"/>
+        </pc:sldMkLst>
+        <pc:spChg chg="mod">
+          <ac:chgData name="Schulz, Joshua" userId="2ef87867-eeda-41aa-9aea-19cd18747ab2" providerId="ADAL" clId="{5EB83996-0236-4008-B897-A8A957EF5EA9}" dt="2019-05-10T06:36:15.653" v="5948" actId="20577"/>
+          <ac:spMkLst>
+            <pc:docMk/>
+            <pc:sldMk cId="2915358397" sldId="272"/>
+            <ac:spMk id="2" creationId="{AC1DF570-062C-4093-ADAC-F530C1EF1810}"/>
+          </ac:spMkLst>
+        </pc:spChg>
+        <pc:spChg chg="mod">
+          <ac:chgData name="Schulz, Joshua" userId="2ef87867-eeda-41aa-9aea-19cd18747ab2" providerId="ADAL" clId="{5EB83996-0236-4008-B897-A8A957EF5EA9}" dt="2019-05-10T06:38:05.191" v="6231" actId="20577"/>
+          <ac:spMkLst>
+            <pc:docMk/>
+            <pc:sldMk cId="2915358397" sldId="272"/>
+            <ac:spMk id="3" creationId="{25EB8363-7C05-4368-B0CD-7D6A0912BD58}"/>
           </ac:spMkLst>
         </pc:spChg>
       </pc:sldChg>
@@ -594,7 +634,7 @@
           <a:p>
             <a:fld id="{B1B7C0BB-38DC-472D-B69E-E9CA7C6AF344}" type="datetimeFigureOut">
               <a:rPr lang="de-DE" smtClean="0"/>
-              <a:t>09.05.2019</a:t>
+              <a:t>10.05.2019</a:t>
             </a:fld>
             <a:endParaRPr lang="de-DE"/>
           </a:p>
@@ -1000,6 +1040,102 @@
           <a:lstStyle/>
           <a:p>
             <a:r>
+              <a:rPr lang="en-US" sz="1200" b="0" i="0" kern="1200" dirty="0">
+                <a:solidFill>
+                  <a:schemeClr val="tx1"/>
+                </a:solidFill>
+                <a:effectLst/>
+                <a:latin typeface="+mn-lt"/>
+                <a:ea typeface="+mn-ea"/>
+                <a:cs typeface="+mn-cs"/>
+              </a:rPr>
+              <a:t>“Documents are the only tangible way of representing various software development components, but without the actual construction of the software, all the documents are useless.”</a:t>
+            </a:r>
+            <a:endParaRPr lang="de-DE" dirty="0"/>
+          </a:p>
+        </p:txBody>
+      </p:sp>
+      <p:sp>
+        <p:nvSpPr>
+          <p:cNvPr id="4" name="Slide Number Placeholder 3"/>
+          <p:cNvSpPr>
+            <a:spLocks noGrp="1"/>
+          </p:cNvSpPr>
+          <p:nvPr>
+            <p:ph type="sldNum" sz="quarter" idx="5"/>
+          </p:nvPr>
+        </p:nvSpPr>
+        <p:spPr/>
+        <p:txBody>
+          <a:bodyPr/>
+          <a:lstStyle/>
+          <a:p>
+            <a:fld id="{E5E34ED4-E824-4CF8-927A-C95C5A50A9F1}" type="slidenum">
+              <a:rPr lang="de-DE" smtClean="0"/>
+              <a:t>8</a:t>
+            </a:fld>
+            <a:endParaRPr lang="de-DE"/>
+          </a:p>
+        </p:txBody>
+      </p:sp>
+    </p:spTree>
+    <p:extLst>
+      <p:ext uri="{BB962C8B-B14F-4D97-AF65-F5344CB8AC3E}">
+        <p14:creationId xmlns:p14="http://schemas.microsoft.com/office/powerpoint/2010/main" val="3865293190"/>
+      </p:ext>
+    </p:extLst>
+  </p:cSld>
+  <p:clrMapOvr>
+    <a:masterClrMapping/>
+  </p:clrMapOvr>
+</p:notes>
+</file>
+
+<file path=ppt/notesSlides/notesSlide3.xml><?xml version="1.0" encoding="utf-8"?>
+<p:notes xmlns:a="http://schemas.openxmlformats.org/drawingml/2006/main" xmlns:r="http://schemas.openxmlformats.org/officeDocument/2006/relationships" xmlns:p="http://schemas.openxmlformats.org/presentationml/2006/main">
+  <p:cSld>
+    <p:spTree>
+      <p:nvGrpSpPr>
+        <p:cNvPr id="1" name=""/>
+        <p:cNvGrpSpPr/>
+        <p:nvPr/>
+      </p:nvGrpSpPr>
+      <p:grpSpPr>
+        <a:xfrm>
+          <a:off x="0" y="0"/>
+          <a:ext cx="0" cy="0"/>
+          <a:chOff x="0" y="0"/>
+          <a:chExt cx="0" cy="0"/>
+        </a:xfrm>
+      </p:grpSpPr>
+      <p:sp>
+        <p:nvSpPr>
+          <p:cNvPr id="2" name="Slide Image Placeholder 1"/>
+          <p:cNvSpPr>
+            <a:spLocks noGrp="1" noRot="1" noChangeAspect="1"/>
+          </p:cNvSpPr>
+          <p:nvPr>
+            <p:ph type="sldImg"/>
+          </p:nvPr>
+        </p:nvSpPr>
+        <p:spPr/>
+      </p:sp>
+      <p:sp>
+        <p:nvSpPr>
+          <p:cNvPr id="3" name="Notes Placeholder 2"/>
+          <p:cNvSpPr>
+            <a:spLocks noGrp="1"/>
+          </p:cNvSpPr>
+          <p:nvPr>
+            <p:ph type="body" idx="1"/>
+          </p:nvPr>
+        </p:nvSpPr>
+        <p:spPr/>
+        <p:txBody>
+          <a:bodyPr/>
+          <a:lstStyle/>
+          <a:p>
+            <a:r>
               <a:rPr lang="de-DE" dirty="0"/>
               <a:t>Das Einarbeiten der Mitarbeiter dauert deutlich länger als diese das Projekt beschleunigen können</a:t>
             </a:r>
@@ -1092,7 +1228,7 @@
           <a:noFill/>
           <a:extLst>
             <a:ext uri="{909E8E84-426E-40dd-AFC4-6F175D3DCCD1}">
-              <a14:hiddenFill xmlns:a14="http://schemas.microsoft.com/office/drawing/2010/main" xmlns="">
+              <a14:hiddenFill xmlns="" xmlns:a14="http://schemas.microsoft.com/office/drawing/2010/main">
                 <a:solidFill>
                   <a:srgbClr val="FFFFFF"/>
                 </a:solidFill>
@@ -1152,7 +1288,7 @@
             </a:ln>
             <a:extLst>
               <a:ext uri="{91240B29-F687-4f45-9708-019B960494DF}">
-                <a14:hiddenLine xmlns:a14="http://schemas.microsoft.com/office/drawing/2010/main" xmlns="" w="9525">
+                <a14:hiddenLine xmlns="" xmlns:a14="http://schemas.microsoft.com/office/drawing/2010/main" w="9525">
                   <a:solidFill>
                     <a:srgbClr val="000000"/>
                   </a:solidFill>
@@ -1242,7 +1378,7 @@
             </a:ln>
             <a:extLst>
               <a:ext uri="{91240B29-F687-4f45-9708-019B960494DF}">
-                <a14:hiddenLine xmlns:a14="http://schemas.microsoft.com/office/drawing/2010/main" xmlns="" w="9525">
+                <a14:hiddenLine xmlns="" xmlns:a14="http://schemas.microsoft.com/office/drawing/2010/main" w="9525">
                   <a:solidFill>
                     <a:srgbClr val="000000"/>
                   </a:solidFill>
@@ -1332,7 +1468,7 @@
             </a:ln>
             <a:extLst>
               <a:ext uri="{91240B29-F687-4f45-9708-019B960494DF}">
-                <a14:hiddenLine xmlns:a14="http://schemas.microsoft.com/office/drawing/2010/main" xmlns="" w="9525">
+                <a14:hiddenLine xmlns="" xmlns:a14="http://schemas.microsoft.com/office/drawing/2010/main" w="9525">
                   <a:solidFill>
                     <a:srgbClr val="000000"/>
                   </a:solidFill>
@@ -1366,7 +1502,7 @@
             </a:ln>
             <a:extLst>
               <a:ext uri="{91240B29-F687-4f45-9708-019B960494DF}">
-                <a14:hiddenLine xmlns:a14="http://schemas.microsoft.com/office/drawing/2010/main" xmlns="" w="9525">
+                <a14:hiddenLine xmlns="" xmlns:a14="http://schemas.microsoft.com/office/drawing/2010/main" w="9525">
                   <a:solidFill>
                     <a:srgbClr val="000000"/>
                   </a:solidFill>
@@ -1456,7 +1592,7 @@
             </a:ln>
             <a:extLst>
               <a:ext uri="{91240B29-F687-4f45-9708-019B960494DF}">
-                <a14:hiddenLine xmlns:a14="http://schemas.microsoft.com/office/drawing/2010/main" xmlns="" w="9525">
+                <a14:hiddenLine xmlns="" xmlns:a14="http://schemas.microsoft.com/office/drawing/2010/main" w="9525">
                   <a:solidFill>
                     <a:srgbClr val="000000"/>
                   </a:solidFill>
@@ -1518,7 +1654,7 @@
             </a:ln>
             <a:extLst>
               <a:ext uri="{91240B29-F687-4f45-9708-019B960494DF}">
-                <a14:hiddenLine xmlns:a14="http://schemas.microsoft.com/office/drawing/2010/main" xmlns="" w="9525">
+                <a14:hiddenLine xmlns="" xmlns:a14="http://schemas.microsoft.com/office/drawing/2010/main" w="9525">
                   <a:solidFill>
                     <a:srgbClr val="000000"/>
                   </a:solidFill>
@@ -1580,7 +1716,7 @@
             </a:ln>
             <a:extLst>
               <a:ext uri="{91240B29-F687-4f45-9708-019B960494DF}">
-                <a14:hiddenLine xmlns:a14="http://schemas.microsoft.com/office/drawing/2010/main" xmlns="" w="9525">
+                <a14:hiddenLine xmlns="" xmlns:a14="http://schemas.microsoft.com/office/drawing/2010/main" w="9525">
                   <a:solidFill>
                     <a:srgbClr val="000000"/>
                   </a:solidFill>
@@ -1670,7 +1806,7 @@
             </a:ln>
             <a:extLst>
               <a:ext uri="{91240B29-F687-4f45-9708-019B960494DF}">
-                <a14:hiddenLine xmlns:a14="http://schemas.microsoft.com/office/drawing/2010/main" xmlns="" w="9525">
+                <a14:hiddenLine xmlns="" xmlns:a14="http://schemas.microsoft.com/office/drawing/2010/main" w="9525">
                   <a:solidFill>
                     <a:srgbClr val="000000"/>
                   </a:solidFill>
@@ -1732,7 +1868,7 @@
             </a:ln>
             <a:extLst>
               <a:ext uri="{91240B29-F687-4f45-9708-019B960494DF}">
-                <a14:hiddenLine xmlns:a14="http://schemas.microsoft.com/office/drawing/2010/main" xmlns="" w="9525">
+                <a14:hiddenLine xmlns="" xmlns:a14="http://schemas.microsoft.com/office/drawing/2010/main" w="9525">
                   <a:solidFill>
                     <a:srgbClr val="000000"/>
                   </a:solidFill>
@@ -1794,7 +1930,7 @@
             </a:ln>
             <a:extLst>
               <a:ext uri="{91240B29-F687-4f45-9708-019B960494DF}">
-                <a14:hiddenLine xmlns:a14="http://schemas.microsoft.com/office/drawing/2010/main" xmlns="" w="9525">
+                <a14:hiddenLine xmlns="" xmlns:a14="http://schemas.microsoft.com/office/drawing/2010/main" w="9525">
                   <a:solidFill>
                     <a:srgbClr val="000000"/>
                   </a:solidFill>
@@ -1884,7 +2020,7 @@
             </a:ln>
             <a:extLst>
               <a:ext uri="{91240B29-F687-4f45-9708-019B960494DF}">
-                <a14:hiddenLine xmlns:a14="http://schemas.microsoft.com/office/drawing/2010/main" xmlns="" w="9525">
+                <a14:hiddenLine xmlns="" xmlns:a14="http://schemas.microsoft.com/office/drawing/2010/main" w="9525">
                   <a:solidFill>
                     <a:srgbClr val="000000"/>
                   </a:solidFill>
@@ -1974,7 +2110,7 @@
             </a:ln>
             <a:extLst>
               <a:ext uri="{91240B29-F687-4f45-9708-019B960494DF}">
-                <a14:hiddenLine xmlns:a14="http://schemas.microsoft.com/office/drawing/2010/main" xmlns="" w="9525">
+                <a14:hiddenLine xmlns="" xmlns:a14="http://schemas.microsoft.com/office/drawing/2010/main" w="9525">
                   <a:solidFill>
                     <a:srgbClr val="000000"/>
                   </a:solidFill>
@@ -2036,7 +2172,7 @@
             </a:ln>
             <a:extLst>
               <a:ext uri="{91240B29-F687-4f45-9708-019B960494DF}">
-                <a14:hiddenLine xmlns:a14="http://schemas.microsoft.com/office/drawing/2010/main" xmlns="" w="9525">
+                <a14:hiddenLine xmlns="" xmlns:a14="http://schemas.microsoft.com/office/drawing/2010/main" w="9525">
                   <a:solidFill>
                     <a:srgbClr val="000000"/>
                   </a:solidFill>
@@ -2146,7 +2282,7 @@
             </a:ln>
             <a:extLst>
               <a:ext uri="{91240B29-F687-4f45-9708-019B960494DF}">
-                <a14:hiddenLine xmlns:a14="http://schemas.microsoft.com/office/drawing/2010/main" xmlns="" w="9525">
+                <a14:hiddenLine xmlns="" xmlns:a14="http://schemas.microsoft.com/office/drawing/2010/main" w="9525">
                   <a:solidFill>
                     <a:srgbClr val="000000"/>
                   </a:solidFill>
@@ -2208,7 +2344,7 @@
             </a:ln>
             <a:extLst>
               <a:ext uri="{91240B29-F687-4f45-9708-019B960494DF}">
-                <a14:hiddenLine xmlns:a14="http://schemas.microsoft.com/office/drawing/2010/main" xmlns="" w="9525">
+                <a14:hiddenLine xmlns="" xmlns:a14="http://schemas.microsoft.com/office/drawing/2010/main" w="9525">
                   <a:solidFill>
                     <a:srgbClr val="000000"/>
                   </a:solidFill>
@@ -2298,7 +2434,7 @@
             </a:ln>
             <a:extLst>
               <a:ext uri="{91240B29-F687-4f45-9708-019B960494DF}">
-                <a14:hiddenLine xmlns:a14="http://schemas.microsoft.com/office/drawing/2010/main" xmlns="" w="9525">
+                <a14:hiddenLine xmlns="" xmlns:a14="http://schemas.microsoft.com/office/drawing/2010/main" w="9525">
                   <a:solidFill>
                     <a:srgbClr val="000000"/>
                   </a:solidFill>
@@ -2388,7 +2524,7 @@
             </a:ln>
             <a:extLst>
               <a:ext uri="{91240B29-F687-4f45-9708-019B960494DF}">
-                <a14:hiddenLine xmlns:a14="http://schemas.microsoft.com/office/drawing/2010/main" xmlns="" w="9525">
+                <a14:hiddenLine xmlns="" xmlns:a14="http://schemas.microsoft.com/office/drawing/2010/main" w="9525">
                   <a:solidFill>
                     <a:srgbClr val="000000"/>
                   </a:solidFill>
@@ -2450,7 +2586,7 @@
             </a:ln>
             <a:extLst>
               <a:ext uri="{91240B29-F687-4f45-9708-019B960494DF}">
-                <a14:hiddenLine xmlns:a14="http://schemas.microsoft.com/office/drawing/2010/main" xmlns="" w="9525">
+                <a14:hiddenLine xmlns="" xmlns:a14="http://schemas.microsoft.com/office/drawing/2010/main" w="9525">
                   <a:solidFill>
                     <a:srgbClr val="000000"/>
                   </a:solidFill>
@@ -2540,7 +2676,7 @@
             </a:ln>
             <a:extLst>
               <a:ext uri="{91240B29-F687-4f45-9708-019B960494DF}">
-                <a14:hiddenLine xmlns:a14="http://schemas.microsoft.com/office/drawing/2010/main" xmlns="" w="9525">
+                <a14:hiddenLine xmlns="" xmlns:a14="http://schemas.microsoft.com/office/drawing/2010/main" w="9525">
                   <a:solidFill>
                     <a:srgbClr val="000000"/>
                   </a:solidFill>
@@ -2630,7 +2766,7 @@
             </a:ln>
             <a:extLst>
               <a:ext uri="{91240B29-F687-4f45-9708-019B960494DF}">
-                <a14:hiddenLine xmlns:a14="http://schemas.microsoft.com/office/drawing/2010/main" xmlns="" w="9525">
+                <a14:hiddenLine xmlns="" xmlns:a14="http://schemas.microsoft.com/office/drawing/2010/main" w="9525">
                   <a:solidFill>
                     <a:srgbClr val="000000"/>
                   </a:solidFill>
@@ -2686,7 +2822,7 @@
             </a:ln>
             <a:extLst>
               <a:ext uri="{91240B29-F687-4f45-9708-019B960494DF}">
-                <a14:hiddenLine xmlns:a14="http://schemas.microsoft.com/office/drawing/2010/main" xmlns="" w="9525">
+                <a14:hiddenLine xmlns="" xmlns:a14="http://schemas.microsoft.com/office/drawing/2010/main" w="9525">
                   <a:solidFill>
                     <a:srgbClr val="000000"/>
                   </a:solidFill>
@@ -2776,7 +2912,7 @@
             </a:ln>
             <a:extLst>
               <a:ext uri="{91240B29-F687-4f45-9708-019B960494DF}">
-                <a14:hiddenLine xmlns:a14="http://schemas.microsoft.com/office/drawing/2010/main" xmlns="" w="9525">
+                <a14:hiddenLine xmlns="" xmlns:a14="http://schemas.microsoft.com/office/drawing/2010/main" w="9525">
                   <a:solidFill>
                     <a:srgbClr val="000000"/>
                   </a:solidFill>
@@ -2832,7 +2968,7 @@
             </a:ln>
             <a:extLst>
               <a:ext uri="{91240B29-F687-4f45-9708-019B960494DF}">
-                <a14:hiddenLine xmlns:a14="http://schemas.microsoft.com/office/drawing/2010/main" xmlns="" w="9525">
+                <a14:hiddenLine xmlns="" xmlns:a14="http://schemas.microsoft.com/office/drawing/2010/main" w="9525">
                   <a:solidFill>
                     <a:srgbClr val="000000"/>
                   </a:solidFill>
@@ -2922,7 +3058,7 @@
             </a:ln>
             <a:extLst>
               <a:ext uri="{91240B29-F687-4f45-9708-019B960494DF}">
-                <a14:hiddenLine xmlns:a14="http://schemas.microsoft.com/office/drawing/2010/main" xmlns="" w="9525">
+                <a14:hiddenLine xmlns="" xmlns:a14="http://schemas.microsoft.com/office/drawing/2010/main" w="9525">
                   <a:solidFill>
                     <a:srgbClr val="000000"/>
                   </a:solidFill>
@@ -2990,7 +3126,7 @@
             </a:ln>
             <a:extLst>
               <a:ext uri="{91240B29-F687-4f45-9708-019B960494DF}">
-                <a14:hiddenLine xmlns:a14="http://schemas.microsoft.com/office/drawing/2010/main" xmlns="" w="9525">
+                <a14:hiddenLine xmlns="" xmlns:a14="http://schemas.microsoft.com/office/drawing/2010/main" w="9525">
                   <a:solidFill>
                     <a:srgbClr val="000000"/>
                   </a:solidFill>
@@ -3080,7 +3216,7 @@
             </a:ln>
             <a:extLst>
               <a:ext uri="{91240B29-F687-4f45-9708-019B960494DF}">
-                <a14:hiddenLine xmlns:a14="http://schemas.microsoft.com/office/drawing/2010/main" xmlns="" w="9525">
+                <a14:hiddenLine xmlns="" xmlns:a14="http://schemas.microsoft.com/office/drawing/2010/main" w="9525">
                   <a:solidFill>
                     <a:srgbClr val="000000"/>
                   </a:solidFill>
@@ -3148,7 +3284,7 @@
             </a:ln>
             <a:extLst>
               <a:ext uri="{91240B29-F687-4f45-9708-019B960494DF}">
-                <a14:hiddenLine xmlns:a14="http://schemas.microsoft.com/office/drawing/2010/main" xmlns="" w="9525">
+                <a14:hiddenLine xmlns="" xmlns:a14="http://schemas.microsoft.com/office/drawing/2010/main" w="9525">
                   <a:solidFill>
                     <a:srgbClr val="000000"/>
                   </a:solidFill>
@@ -3238,7 +3374,7 @@
             </a:ln>
             <a:extLst>
               <a:ext uri="{91240B29-F687-4f45-9708-019B960494DF}">
-                <a14:hiddenLine xmlns:a14="http://schemas.microsoft.com/office/drawing/2010/main" xmlns="" w="9525">
+                <a14:hiddenLine xmlns="" xmlns:a14="http://schemas.microsoft.com/office/drawing/2010/main" w="9525">
                   <a:solidFill>
                     <a:srgbClr val="000000"/>
                   </a:solidFill>
@@ -3272,7 +3408,7 @@
             </a:ln>
             <a:extLst>
               <a:ext uri="{91240B29-F687-4f45-9708-019B960494DF}">
-                <a14:hiddenLine xmlns:a14="http://schemas.microsoft.com/office/drawing/2010/main" xmlns="" w="9525">
+                <a14:hiddenLine xmlns="" xmlns:a14="http://schemas.microsoft.com/office/drawing/2010/main" w="9525">
                   <a:solidFill>
                     <a:srgbClr val="000000"/>
                   </a:solidFill>
@@ -3362,7 +3498,7 @@
             </a:ln>
             <a:extLst>
               <a:ext uri="{91240B29-F687-4f45-9708-019B960494DF}">
-                <a14:hiddenLine xmlns:a14="http://schemas.microsoft.com/office/drawing/2010/main" xmlns="" w="9525">
+                <a14:hiddenLine xmlns="" xmlns:a14="http://schemas.microsoft.com/office/drawing/2010/main" w="9525">
                   <a:solidFill>
                     <a:srgbClr val="000000"/>
                   </a:solidFill>
@@ -3424,7 +3560,7 @@
             </a:ln>
             <a:extLst>
               <a:ext uri="{91240B29-F687-4f45-9708-019B960494DF}">
-                <a14:hiddenLine xmlns:a14="http://schemas.microsoft.com/office/drawing/2010/main" xmlns="" w="9525">
+                <a14:hiddenLine xmlns="" xmlns:a14="http://schemas.microsoft.com/office/drawing/2010/main" w="9525">
                   <a:solidFill>
                     <a:srgbClr val="000000"/>
                   </a:solidFill>
@@ -3486,7 +3622,7 @@
             </a:ln>
             <a:extLst>
               <a:ext uri="{91240B29-F687-4f45-9708-019B960494DF}">
-                <a14:hiddenLine xmlns:a14="http://schemas.microsoft.com/office/drawing/2010/main" xmlns="" w="9525">
+                <a14:hiddenLine xmlns="" xmlns:a14="http://schemas.microsoft.com/office/drawing/2010/main" w="9525">
                   <a:solidFill>
                     <a:srgbClr val="000000"/>
                   </a:solidFill>
@@ -3576,7 +3712,7 @@
             </a:ln>
             <a:extLst>
               <a:ext uri="{91240B29-F687-4f45-9708-019B960494DF}">
-                <a14:hiddenLine xmlns:a14="http://schemas.microsoft.com/office/drawing/2010/main" xmlns="" w="9525">
+                <a14:hiddenLine xmlns="" xmlns:a14="http://schemas.microsoft.com/office/drawing/2010/main" w="9525">
                   <a:solidFill>
                     <a:srgbClr val="000000"/>
                   </a:solidFill>
@@ -3644,7 +3780,7 @@
             </a:ln>
             <a:extLst>
               <a:ext uri="{91240B29-F687-4f45-9708-019B960494DF}">
-                <a14:hiddenLine xmlns:a14="http://schemas.microsoft.com/office/drawing/2010/main" xmlns="" w="9525">
+                <a14:hiddenLine xmlns="" xmlns:a14="http://schemas.microsoft.com/office/drawing/2010/main" w="9525">
                   <a:solidFill>
                     <a:srgbClr val="000000"/>
                   </a:solidFill>
@@ -3706,7 +3842,7 @@
             </a:ln>
             <a:extLst>
               <a:ext uri="{91240B29-F687-4f45-9708-019B960494DF}">
-                <a14:hiddenLine xmlns:a14="http://schemas.microsoft.com/office/drawing/2010/main" xmlns="" w="9525">
+                <a14:hiddenLine xmlns="" xmlns:a14="http://schemas.microsoft.com/office/drawing/2010/main" w="9525">
                   <a:solidFill>
                     <a:srgbClr val="000000"/>
                   </a:solidFill>
@@ -3796,7 +3932,7 @@
             </a:ln>
             <a:extLst>
               <a:ext uri="{91240B29-F687-4f45-9708-019B960494DF}">
-                <a14:hiddenLine xmlns:a14="http://schemas.microsoft.com/office/drawing/2010/main" xmlns="" w="9525">
+                <a14:hiddenLine xmlns="" xmlns:a14="http://schemas.microsoft.com/office/drawing/2010/main" w="9525">
                   <a:solidFill>
                     <a:srgbClr val="000000"/>
                   </a:solidFill>
@@ -3858,7 +3994,7 @@
             </a:ln>
             <a:extLst>
               <a:ext uri="{91240B29-F687-4f45-9708-019B960494DF}">
-                <a14:hiddenLine xmlns:a14="http://schemas.microsoft.com/office/drawing/2010/main" xmlns="" w="9525">
+                <a14:hiddenLine xmlns="" xmlns:a14="http://schemas.microsoft.com/office/drawing/2010/main" w="9525">
                   <a:solidFill>
                     <a:srgbClr val="000000"/>
                   </a:solidFill>
@@ -3948,7 +4084,7 @@
             </a:ln>
             <a:extLst>
               <a:ext uri="{91240B29-F687-4f45-9708-019B960494DF}">
-                <a14:hiddenLine xmlns:a14="http://schemas.microsoft.com/office/drawing/2010/main" xmlns="" w="9525">
+                <a14:hiddenLine xmlns="" xmlns:a14="http://schemas.microsoft.com/office/drawing/2010/main" w="9525">
                   <a:solidFill>
                     <a:srgbClr val="000000"/>
                   </a:solidFill>
@@ -4010,7 +4146,7 @@
             </a:ln>
             <a:extLst>
               <a:ext uri="{91240B29-F687-4f45-9708-019B960494DF}">
-                <a14:hiddenLine xmlns:a14="http://schemas.microsoft.com/office/drawing/2010/main" xmlns="" w="9525">
+                <a14:hiddenLine xmlns="" xmlns:a14="http://schemas.microsoft.com/office/drawing/2010/main" w="9525">
                   <a:solidFill>
                     <a:srgbClr val="000000"/>
                   </a:solidFill>
@@ -4100,7 +4236,7 @@
             </a:ln>
             <a:extLst>
               <a:ext uri="{91240B29-F687-4f45-9708-019B960494DF}">
-                <a14:hiddenLine xmlns:a14="http://schemas.microsoft.com/office/drawing/2010/main" xmlns="" w="9525">
+                <a14:hiddenLine xmlns="" xmlns:a14="http://schemas.microsoft.com/office/drawing/2010/main" w="9525">
                   <a:solidFill>
                     <a:srgbClr val="000000"/>
                   </a:solidFill>
@@ -4134,7 +4270,7 @@
             </a:ln>
             <a:extLst>
               <a:ext uri="{91240B29-F687-4f45-9708-019B960494DF}">
-                <a14:hiddenLine xmlns:a14="http://schemas.microsoft.com/office/drawing/2010/main" xmlns="" w="9525">
+                <a14:hiddenLine xmlns="" xmlns:a14="http://schemas.microsoft.com/office/drawing/2010/main" w="9525">
                   <a:solidFill>
                     <a:srgbClr val="000000"/>
                   </a:solidFill>
@@ -4199,7 +4335,7 @@
             </a:ln>
             <a:extLst>
               <a:ext uri="{91240B29-F687-4f45-9708-019B960494DF}">
-                <a14:hiddenLine xmlns:a14="http://schemas.microsoft.com/office/drawing/2010/main" xmlns="" w="9525">
+                <a14:hiddenLine xmlns="" xmlns:a14="http://schemas.microsoft.com/office/drawing/2010/main" w="9525">
                   <a:solidFill>
                     <a:srgbClr val="000000"/>
                   </a:solidFill>
@@ -4289,7 +4425,7 @@
             </a:ln>
             <a:extLst>
               <a:ext uri="{91240B29-F687-4f45-9708-019B960494DF}">
-                <a14:hiddenLine xmlns:a14="http://schemas.microsoft.com/office/drawing/2010/main" xmlns="" w="9525">
+                <a14:hiddenLine xmlns="" xmlns:a14="http://schemas.microsoft.com/office/drawing/2010/main" w="9525">
                   <a:solidFill>
                     <a:srgbClr val="000000"/>
                   </a:solidFill>
@@ -4351,7 +4487,7 @@
             </a:ln>
             <a:extLst>
               <a:ext uri="{91240B29-F687-4f45-9708-019B960494DF}">
-                <a14:hiddenLine xmlns:a14="http://schemas.microsoft.com/office/drawing/2010/main" xmlns="" w="9525">
+                <a14:hiddenLine xmlns="" xmlns:a14="http://schemas.microsoft.com/office/drawing/2010/main" w="9525">
                   <a:solidFill>
                     <a:srgbClr val="000000"/>
                   </a:solidFill>
@@ -4441,7 +4577,7 @@
             </a:ln>
             <a:extLst>
               <a:ext uri="{91240B29-F687-4f45-9708-019B960494DF}">
-                <a14:hiddenLine xmlns:a14="http://schemas.microsoft.com/office/drawing/2010/main" xmlns="" w="9525">
+                <a14:hiddenLine xmlns="" xmlns:a14="http://schemas.microsoft.com/office/drawing/2010/main" w="9525">
                   <a:solidFill>
                     <a:srgbClr val="000000"/>
                   </a:solidFill>
@@ -4531,7 +4667,7 @@
             </a:ln>
             <a:extLst>
               <a:ext uri="{91240B29-F687-4f45-9708-019B960494DF}">
-                <a14:hiddenLine xmlns:a14="http://schemas.microsoft.com/office/drawing/2010/main" xmlns="" w="9525">
+                <a14:hiddenLine xmlns="" xmlns:a14="http://schemas.microsoft.com/office/drawing/2010/main" w="9525">
                   <a:solidFill>
                     <a:srgbClr val="000000"/>
                   </a:solidFill>
@@ -4596,7 +4732,7 @@
             </a:ln>
             <a:extLst>
               <a:ext uri="{91240B29-F687-4f45-9708-019B960494DF}">
-                <a14:hiddenLine xmlns:a14="http://schemas.microsoft.com/office/drawing/2010/main" xmlns="" w="9525">
+                <a14:hiddenLine xmlns="" xmlns:a14="http://schemas.microsoft.com/office/drawing/2010/main" w="9525">
                   <a:solidFill>
                     <a:srgbClr val="000000"/>
                   </a:solidFill>
@@ -4658,7 +4794,7 @@
             </a:ln>
             <a:extLst>
               <a:ext uri="{91240B29-F687-4f45-9708-019B960494DF}">
-                <a14:hiddenLine xmlns:a14="http://schemas.microsoft.com/office/drawing/2010/main" xmlns="" w="9525">
+                <a14:hiddenLine xmlns="" xmlns:a14="http://schemas.microsoft.com/office/drawing/2010/main" w="9525">
                   <a:solidFill>
                     <a:srgbClr val="000000"/>
                   </a:solidFill>
@@ -4748,7 +4884,7 @@
             </a:ln>
             <a:extLst>
               <a:ext uri="{91240B29-F687-4f45-9708-019B960494DF}">
-                <a14:hiddenLine xmlns:a14="http://schemas.microsoft.com/office/drawing/2010/main" xmlns="" w="9525">
+                <a14:hiddenLine xmlns="" xmlns:a14="http://schemas.microsoft.com/office/drawing/2010/main" w="9525">
                   <a:solidFill>
                     <a:srgbClr val="000000"/>
                   </a:solidFill>
@@ -4838,7 +4974,7 @@
             </a:ln>
             <a:extLst>
               <a:ext uri="{91240B29-F687-4f45-9708-019B960494DF}">
-                <a14:hiddenLine xmlns:a14="http://schemas.microsoft.com/office/drawing/2010/main" xmlns="" w="9525">
+                <a14:hiddenLine xmlns="" xmlns:a14="http://schemas.microsoft.com/office/drawing/2010/main" w="9525">
                   <a:solidFill>
                     <a:srgbClr val="000000"/>
                   </a:solidFill>
@@ -4900,7 +5036,7 @@
             </a:ln>
             <a:extLst>
               <a:ext uri="{91240B29-F687-4f45-9708-019B960494DF}">
-                <a14:hiddenLine xmlns:a14="http://schemas.microsoft.com/office/drawing/2010/main" xmlns="" w="9525">
+                <a14:hiddenLine xmlns="" xmlns:a14="http://schemas.microsoft.com/office/drawing/2010/main" w="9525">
                   <a:solidFill>
                     <a:srgbClr val="000000"/>
                   </a:solidFill>
@@ -5020,7 +5156,7 @@
             </a:ln>
             <a:extLst>
               <a:ext uri="{91240B29-F687-4f45-9708-019B960494DF}">
-                <a14:hiddenLine xmlns:a14="http://schemas.microsoft.com/office/drawing/2010/main" xmlns="" w="9525">
+                <a14:hiddenLine xmlns="" xmlns:a14="http://schemas.microsoft.com/office/drawing/2010/main" w="9525">
                   <a:solidFill>
                     <a:srgbClr val="000000"/>
                   </a:solidFill>
@@ -5088,7 +5224,7 @@
             </a:ln>
             <a:extLst>
               <a:ext uri="{91240B29-F687-4f45-9708-019B960494DF}">
-                <a14:hiddenLine xmlns:a14="http://schemas.microsoft.com/office/drawing/2010/main" xmlns="" w="9525">
+                <a14:hiddenLine xmlns="" xmlns:a14="http://schemas.microsoft.com/office/drawing/2010/main" w="9525">
                   <a:solidFill>
                     <a:srgbClr val="000000"/>
                   </a:solidFill>
@@ -5178,7 +5314,7 @@
             </a:ln>
             <a:extLst>
               <a:ext uri="{91240B29-F687-4f45-9708-019B960494DF}">
-                <a14:hiddenLine xmlns:a14="http://schemas.microsoft.com/office/drawing/2010/main" xmlns="" w="9525">
+                <a14:hiddenLine xmlns="" xmlns:a14="http://schemas.microsoft.com/office/drawing/2010/main" w="9525">
                   <a:solidFill>
                     <a:srgbClr val="000000"/>
                   </a:solidFill>
@@ -5318,7 +5454,7 @@
           <a:p>
             <a:fld id="{48A87A34-81AB-432B-8DAE-1953F412C126}" type="datetimeFigureOut">
               <a:rPr lang="en-US" dirty="0"/>
-              <a:t>5/9/2019</a:t>
+              <a:t>5/10/2019</a:t>
             </a:fld>
             <a:endParaRPr lang="en-US" dirty="0"/>
           </a:p>
@@ -5580,7 +5716,7 @@
           <a:p>
             <a:fld id="{48A87A34-81AB-432B-8DAE-1953F412C126}" type="datetimeFigureOut">
               <a:rPr lang="en-US" dirty="0"/>
-              <a:t>5/9/2019</a:t>
+              <a:t>5/10/2019</a:t>
             </a:fld>
             <a:endParaRPr lang="en-US" dirty="0"/>
           </a:p>
@@ -5771,7 +5907,7 @@
           <a:p>
             <a:fld id="{48A87A34-81AB-432B-8DAE-1953F412C126}" type="datetimeFigureOut">
               <a:rPr lang="en-US" dirty="0"/>
-              <a:t>5/9/2019</a:t>
+              <a:t>5/10/2019</a:t>
             </a:fld>
             <a:endParaRPr lang="en-US" dirty="0"/>
           </a:p>
@@ -6029,7 +6165,7 @@
           <a:p>
             <a:fld id="{48A87A34-81AB-432B-8DAE-1953F412C126}" type="datetimeFigureOut">
               <a:rPr lang="en-US" dirty="0"/>
-              <a:t>5/9/2019</a:t>
+              <a:t>5/10/2019</a:t>
             </a:fld>
             <a:endParaRPr lang="en-US" dirty="0"/>
           </a:p>
@@ -6458,7 +6594,7 @@
           <a:p>
             <a:fld id="{48A87A34-81AB-432B-8DAE-1953F412C126}" type="datetimeFigureOut">
               <a:rPr lang="en-US" dirty="0"/>
-              <a:t>5/9/2019</a:t>
+              <a:t>5/10/2019</a:t>
             </a:fld>
             <a:endParaRPr lang="en-US" dirty="0"/>
           </a:p>
@@ -6999,7 +7135,7 @@
           <a:p>
             <a:fld id="{48A87A34-81AB-432B-8DAE-1953F412C126}" type="datetimeFigureOut">
               <a:rPr lang="en-US" dirty="0"/>
-              <a:t>5/9/2019</a:t>
+              <a:t>5/10/2019</a:t>
             </a:fld>
             <a:endParaRPr lang="en-US" dirty="0"/>
           </a:p>
@@ -7714,7 +7850,7 @@
           <a:p>
             <a:fld id="{48A87A34-81AB-432B-8DAE-1953F412C126}" type="datetimeFigureOut">
               <a:rPr lang="en-US" dirty="0"/>
-              <a:t>5/9/2019</a:t>
+              <a:t>5/10/2019</a:t>
             </a:fld>
             <a:endParaRPr lang="en-US" dirty="0"/>
           </a:p>
@@ -7879,7 +8015,7 @@
           <a:p>
             <a:fld id="{48A87A34-81AB-432B-8DAE-1953F412C126}" type="datetimeFigureOut">
               <a:rPr lang="en-US" dirty="0"/>
-              <a:t>5/9/2019</a:t>
+              <a:t>5/10/2019</a:t>
             </a:fld>
             <a:endParaRPr lang="en-US" dirty="0"/>
           </a:p>
@@ -8054,7 +8190,7 @@
           <a:p>
             <a:fld id="{48A87A34-81AB-432B-8DAE-1953F412C126}" type="datetimeFigureOut">
               <a:rPr lang="en-US" dirty="0"/>
-              <a:t>5/9/2019</a:t>
+              <a:t>5/10/2019</a:t>
             </a:fld>
             <a:endParaRPr lang="en-US" dirty="0"/>
           </a:p>
@@ -8219,7 +8355,7 @@
           <a:p>
             <a:fld id="{48A87A34-81AB-432B-8DAE-1953F412C126}" type="datetimeFigureOut">
               <a:rPr lang="en-US" dirty="0"/>
-              <a:t>5/9/2019</a:t>
+              <a:t>5/10/2019</a:t>
             </a:fld>
             <a:endParaRPr lang="en-US" dirty="0"/>
           </a:p>
@@ -8464,7 +8600,7 @@
           <a:p>
             <a:fld id="{48A87A34-81AB-432B-8DAE-1953F412C126}" type="datetimeFigureOut">
               <a:rPr lang="en-US" dirty="0"/>
-              <a:t>5/9/2019</a:t>
+              <a:t>5/10/2019</a:t>
             </a:fld>
             <a:endParaRPr lang="en-US" dirty="0"/>
           </a:p>
@@ -8691,7 +8827,7 @@
           <a:p>
             <a:fld id="{48A87A34-81AB-432B-8DAE-1953F412C126}" type="datetimeFigureOut">
               <a:rPr lang="en-US" dirty="0"/>
-              <a:t>5/9/2019</a:t>
+              <a:t>5/10/2019</a:t>
             </a:fld>
             <a:endParaRPr lang="en-US" dirty="0"/>
           </a:p>
@@ -9067,7 +9203,7 @@
           <a:p>
             <a:fld id="{48A87A34-81AB-432B-8DAE-1953F412C126}" type="datetimeFigureOut">
               <a:rPr lang="en-US" dirty="0"/>
-              <a:t>5/9/2019</a:t>
+              <a:t>5/10/2019</a:t>
             </a:fld>
             <a:endParaRPr lang="en-US" dirty="0"/>
           </a:p>
@@ -9180,7 +9316,7 @@
           <a:p>
             <a:fld id="{48A87A34-81AB-432B-8DAE-1953F412C126}" type="datetimeFigureOut">
               <a:rPr lang="en-US" dirty="0"/>
-              <a:t>5/9/2019</a:t>
+              <a:t>5/10/2019</a:t>
             </a:fld>
             <a:endParaRPr lang="en-US" dirty="0"/>
           </a:p>
@@ -9270,7 +9406,7 @@
           <a:p>
             <a:fld id="{48A87A34-81AB-432B-8DAE-1953F412C126}" type="datetimeFigureOut">
               <a:rPr lang="en-US" dirty="0"/>
-              <a:t>5/9/2019</a:t>
+              <a:t>5/10/2019</a:t>
             </a:fld>
             <a:endParaRPr lang="en-US" dirty="0"/>
           </a:p>
@@ -9514,7 +9650,7 @@
           <a:p>
             <a:fld id="{48A87A34-81AB-432B-8DAE-1953F412C126}" type="datetimeFigureOut">
               <a:rPr lang="en-US" dirty="0"/>
-              <a:t>5/9/2019</a:t>
+              <a:t>5/10/2019</a:t>
             </a:fld>
             <a:endParaRPr lang="en-US" dirty="0"/>
           </a:p>
@@ -9789,7 +9925,7 @@
           <a:p>
             <a:fld id="{48A87A34-81AB-432B-8DAE-1953F412C126}" type="datetimeFigureOut">
               <a:rPr lang="en-US" dirty="0"/>
-              <a:t>5/9/2019</a:t>
+              <a:t>5/10/2019</a:t>
             </a:fld>
             <a:endParaRPr lang="en-US" dirty="0"/>
           </a:p>
@@ -9900,7 +10036,7 @@
           <a:noFill/>
           <a:extLst>
             <a:ext uri="{909E8E84-426E-40dd-AFC4-6F175D3DCCD1}">
-              <a14:hiddenFill xmlns:a14="http://schemas.microsoft.com/office/drawing/2010/main" xmlns="">
+              <a14:hiddenFill xmlns="" xmlns:a14="http://schemas.microsoft.com/office/drawing/2010/main">
                 <a:solidFill>
                   <a:srgbClr val="FFFFFF"/>
                 </a:solidFill>
@@ -9974,7 +10110,7 @@
               </a:ln>
               <a:extLst>
                 <a:ext uri="{91240B29-F687-4f45-9708-019B960494DF}">
-                  <a14:hiddenLine xmlns:a14="http://schemas.microsoft.com/office/drawing/2010/main" xmlns="" w="9525">
+                  <a14:hiddenLine xmlns="" xmlns:a14="http://schemas.microsoft.com/office/drawing/2010/main" w="9525">
                     <a:solidFill>
                       <a:srgbClr val="000000"/>
                     </a:solidFill>
@@ -10064,7 +10200,7 @@
               </a:ln>
               <a:extLst>
                 <a:ext uri="{91240B29-F687-4f45-9708-019B960494DF}">
-                  <a14:hiddenLine xmlns:a14="http://schemas.microsoft.com/office/drawing/2010/main" xmlns="" w="9525">
+                  <a14:hiddenLine xmlns="" xmlns:a14="http://schemas.microsoft.com/office/drawing/2010/main" w="9525">
                     <a:solidFill>
                       <a:srgbClr val="000000"/>
                     </a:solidFill>
@@ -10154,7 +10290,7 @@
               </a:ln>
               <a:extLst>
                 <a:ext uri="{91240B29-F687-4f45-9708-019B960494DF}">
-                  <a14:hiddenLine xmlns:a14="http://schemas.microsoft.com/office/drawing/2010/main" xmlns="" w="9525">
+                  <a14:hiddenLine xmlns="" xmlns:a14="http://schemas.microsoft.com/office/drawing/2010/main" w="9525">
                     <a:solidFill>
                       <a:srgbClr val="000000"/>
                     </a:solidFill>
@@ -10216,7 +10352,7 @@
               </a:ln>
               <a:extLst>
                 <a:ext uri="{91240B29-F687-4f45-9708-019B960494DF}">
-                  <a14:hiddenLine xmlns:a14="http://schemas.microsoft.com/office/drawing/2010/main" xmlns="" w="9525">
+                  <a14:hiddenLine xmlns="" xmlns:a14="http://schemas.microsoft.com/office/drawing/2010/main" w="9525">
                     <a:solidFill>
                       <a:srgbClr val="000000"/>
                     </a:solidFill>
@@ -10306,7 +10442,7 @@
               </a:ln>
               <a:extLst>
                 <a:ext uri="{91240B29-F687-4f45-9708-019B960494DF}">
-                  <a14:hiddenLine xmlns:a14="http://schemas.microsoft.com/office/drawing/2010/main" xmlns="" w="9525">
+                  <a14:hiddenLine xmlns="" xmlns:a14="http://schemas.microsoft.com/office/drawing/2010/main" w="9525">
                     <a:solidFill>
                       <a:srgbClr val="000000"/>
                     </a:solidFill>
@@ -10368,7 +10504,7 @@
               </a:ln>
               <a:extLst>
                 <a:ext uri="{91240B29-F687-4f45-9708-019B960494DF}">
-                  <a14:hiddenLine xmlns:a14="http://schemas.microsoft.com/office/drawing/2010/main" xmlns="" w="9525">
+                  <a14:hiddenLine xmlns="" xmlns:a14="http://schemas.microsoft.com/office/drawing/2010/main" w="9525">
                     <a:solidFill>
                       <a:srgbClr val="000000"/>
                     </a:solidFill>
@@ -10430,7 +10566,7 @@
               </a:ln>
               <a:extLst>
                 <a:ext uri="{91240B29-F687-4f45-9708-019B960494DF}">
-                  <a14:hiddenLine xmlns:a14="http://schemas.microsoft.com/office/drawing/2010/main" xmlns="" w="9525">
+                  <a14:hiddenLine xmlns="" xmlns:a14="http://schemas.microsoft.com/office/drawing/2010/main" w="9525">
                     <a:solidFill>
                       <a:srgbClr val="000000"/>
                     </a:solidFill>
@@ -10520,7 +10656,7 @@
               </a:ln>
               <a:extLst>
                 <a:ext uri="{91240B29-F687-4f45-9708-019B960494DF}">
-                  <a14:hiddenLine xmlns:a14="http://schemas.microsoft.com/office/drawing/2010/main" xmlns="" w="9525">
+                  <a14:hiddenLine xmlns="" xmlns:a14="http://schemas.microsoft.com/office/drawing/2010/main" w="9525">
                     <a:solidFill>
                       <a:srgbClr val="000000"/>
                     </a:solidFill>
@@ -10610,7 +10746,7 @@
               </a:ln>
               <a:extLst>
                 <a:ext uri="{91240B29-F687-4f45-9708-019B960494DF}">
-                  <a14:hiddenLine xmlns:a14="http://schemas.microsoft.com/office/drawing/2010/main" xmlns="" w="9525">
+                  <a14:hiddenLine xmlns="" xmlns:a14="http://schemas.microsoft.com/office/drawing/2010/main" w="9525">
                     <a:solidFill>
                       <a:srgbClr val="000000"/>
                     </a:solidFill>
@@ -10672,7 +10808,7 @@
               </a:ln>
               <a:extLst>
                 <a:ext uri="{91240B29-F687-4f45-9708-019B960494DF}">
-                  <a14:hiddenLine xmlns:a14="http://schemas.microsoft.com/office/drawing/2010/main" xmlns="" w="9525">
+                  <a14:hiddenLine xmlns="" xmlns:a14="http://schemas.microsoft.com/office/drawing/2010/main" w="9525">
                     <a:solidFill>
                       <a:srgbClr val="000000"/>
                     </a:solidFill>
@@ -10782,7 +10918,7 @@
               </a:ln>
               <a:extLst>
                 <a:ext uri="{91240B29-F687-4f45-9708-019B960494DF}">
-                  <a14:hiddenLine xmlns:a14="http://schemas.microsoft.com/office/drawing/2010/main" xmlns="" w="9525">
+                  <a14:hiddenLine xmlns="" xmlns:a14="http://schemas.microsoft.com/office/drawing/2010/main" w="9525">
                     <a:solidFill>
                       <a:srgbClr val="000000"/>
                     </a:solidFill>
@@ -10866,7 +11002,7 @@
               </a:ln>
               <a:extLst>
                 <a:ext uri="{91240B29-F687-4f45-9708-019B960494DF}">
-                  <a14:hiddenLine xmlns:a14="http://schemas.microsoft.com/office/drawing/2010/main" xmlns="" w="9525">
+                  <a14:hiddenLine xmlns="" xmlns:a14="http://schemas.microsoft.com/office/drawing/2010/main" w="9525">
                     <a:solidFill>
                       <a:srgbClr val="000000"/>
                     </a:solidFill>
@@ -10928,7 +11064,7 @@
               </a:ln>
               <a:extLst>
                 <a:ext uri="{91240B29-F687-4f45-9708-019B960494DF}">
-                  <a14:hiddenLine xmlns:a14="http://schemas.microsoft.com/office/drawing/2010/main" xmlns="" w="9525">
+                  <a14:hiddenLine xmlns="" xmlns:a14="http://schemas.microsoft.com/office/drawing/2010/main" w="9525">
                     <a:solidFill>
                       <a:srgbClr val="000000"/>
                     </a:solidFill>
@@ -10990,7 +11126,7 @@
               </a:ln>
               <a:extLst>
                 <a:ext uri="{91240B29-F687-4f45-9708-019B960494DF}">
-                  <a14:hiddenLine xmlns:a14="http://schemas.microsoft.com/office/drawing/2010/main" xmlns="" w="9525">
+                  <a14:hiddenLine xmlns="" xmlns:a14="http://schemas.microsoft.com/office/drawing/2010/main" w="9525">
                     <a:solidFill>
                       <a:srgbClr val="000000"/>
                     </a:solidFill>
@@ -11080,7 +11216,7 @@
               </a:ln>
               <a:extLst>
                 <a:ext uri="{91240B29-F687-4f45-9708-019B960494DF}">
-                  <a14:hiddenLine xmlns:a14="http://schemas.microsoft.com/office/drawing/2010/main" xmlns="" w="9525">
+                  <a14:hiddenLine xmlns="" xmlns:a14="http://schemas.microsoft.com/office/drawing/2010/main" w="9525">
                     <a:solidFill>
                       <a:srgbClr val="000000"/>
                     </a:solidFill>
@@ -11114,7 +11250,7 @@
               </a:ln>
               <a:extLst>
                 <a:ext uri="{91240B29-F687-4f45-9708-019B960494DF}">
-                  <a14:hiddenLine xmlns:a14="http://schemas.microsoft.com/office/drawing/2010/main" xmlns="" w="9525">
+                  <a14:hiddenLine xmlns="" xmlns:a14="http://schemas.microsoft.com/office/drawing/2010/main" w="9525">
                     <a:solidFill>
                       <a:srgbClr val="000000"/>
                     </a:solidFill>
@@ -11179,7 +11315,7 @@
               </a:ln>
               <a:extLst>
                 <a:ext uri="{91240B29-F687-4f45-9708-019B960494DF}">
-                  <a14:hiddenLine xmlns:a14="http://schemas.microsoft.com/office/drawing/2010/main" xmlns="" w="9525">
+                  <a14:hiddenLine xmlns="" xmlns:a14="http://schemas.microsoft.com/office/drawing/2010/main" w="9525">
                     <a:solidFill>
                       <a:srgbClr val="000000"/>
                     </a:solidFill>
@@ -11269,7 +11405,7 @@
               </a:ln>
               <a:extLst>
                 <a:ext uri="{91240B29-F687-4f45-9708-019B960494DF}">
-                  <a14:hiddenLine xmlns:a14="http://schemas.microsoft.com/office/drawing/2010/main" xmlns="" w="9525">
+                  <a14:hiddenLine xmlns="" xmlns:a14="http://schemas.microsoft.com/office/drawing/2010/main" w="9525">
                     <a:solidFill>
                       <a:srgbClr val="000000"/>
                     </a:solidFill>
@@ -11331,7 +11467,7 @@
               </a:ln>
               <a:extLst>
                 <a:ext uri="{91240B29-F687-4f45-9708-019B960494DF}">
-                  <a14:hiddenLine xmlns:a14="http://schemas.microsoft.com/office/drawing/2010/main" xmlns="" w="9525">
+                  <a14:hiddenLine xmlns="" xmlns:a14="http://schemas.microsoft.com/office/drawing/2010/main" w="9525">
                     <a:solidFill>
                       <a:srgbClr val="000000"/>
                     </a:solidFill>
@@ -11421,7 +11557,7 @@
               </a:ln>
               <a:extLst>
                 <a:ext uri="{91240B29-F687-4f45-9708-019B960494DF}">
-                  <a14:hiddenLine xmlns:a14="http://schemas.microsoft.com/office/drawing/2010/main" xmlns="" w="9525">
+                  <a14:hiddenLine xmlns="" xmlns:a14="http://schemas.microsoft.com/office/drawing/2010/main" w="9525">
                     <a:solidFill>
                       <a:srgbClr val="000000"/>
                     </a:solidFill>
@@ -11486,7 +11622,7 @@
               </a:ln>
               <a:extLst>
                 <a:ext uri="{91240B29-F687-4f45-9708-019B960494DF}">
-                  <a14:hiddenLine xmlns:a14="http://schemas.microsoft.com/office/drawing/2010/main" xmlns="" w="9525">
+                  <a14:hiddenLine xmlns="" xmlns:a14="http://schemas.microsoft.com/office/drawing/2010/main" w="9525">
                     <a:solidFill>
                       <a:srgbClr val="000000"/>
                     </a:solidFill>
@@ -11548,7 +11684,7 @@
               </a:ln>
               <a:extLst>
                 <a:ext uri="{91240B29-F687-4f45-9708-019B960494DF}">
-                  <a14:hiddenLine xmlns:a14="http://schemas.microsoft.com/office/drawing/2010/main" xmlns="" w="9525">
+                  <a14:hiddenLine xmlns="" xmlns:a14="http://schemas.microsoft.com/office/drawing/2010/main" w="9525">
                     <a:solidFill>
                       <a:srgbClr val="000000"/>
                     </a:solidFill>
@@ -11638,7 +11774,7 @@
               </a:ln>
               <a:extLst>
                 <a:ext uri="{91240B29-F687-4f45-9708-019B960494DF}">
-                  <a14:hiddenLine xmlns:a14="http://schemas.microsoft.com/office/drawing/2010/main" xmlns="" w="9525">
+                  <a14:hiddenLine xmlns="" xmlns:a14="http://schemas.microsoft.com/office/drawing/2010/main" w="9525">
                     <a:solidFill>
                       <a:srgbClr val="000000"/>
                     </a:solidFill>
@@ -11728,7 +11864,7 @@
               </a:ln>
               <a:extLst>
                 <a:ext uri="{91240B29-F687-4f45-9708-019B960494DF}">
-                  <a14:hiddenLine xmlns:a14="http://schemas.microsoft.com/office/drawing/2010/main" xmlns="" w="9525">
+                  <a14:hiddenLine xmlns="" xmlns:a14="http://schemas.microsoft.com/office/drawing/2010/main" w="9525">
                     <a:solidFill>
                       <a:srgbClr val="000000"/>
                     </a:solidFill>
@@ -11793,7 +11929,7 @@
               </a:ln>
               <a:extLst>
                 <a:ext uri="{91240B29-F687-4f45-9708-019B960494DF}">
-                  <a14:hiddenLine xmlns:a14="http://schemas.microsoft.com/office/drawing/2010/main" xmlns="" w="9525">
+                  <a14:hiddenLine xmlns="" xmlns:a14="http://schemas.microsoft.com/office/drawing/2010/main" w="9525">
                     <a:solidFill>
                       <a:srgbClr val="000000"/>
                     </a:solidFill>
@@ -11913,7 +12049,7 @@
               </a:ln>
               <a:extLst>
                 <a:ext uri="{91240B29-F687-4f45-9708-019B960494DF}">
-                  <a14:hiddenLine xmlns:a14="http://schemas.microsoft.com/office/drawing/2010/main" xmlns="" w="9525">
+                  <a14:hiddenLine xmlns="" xmlns:a14="http://schemas.microsoft.com/office/drawing/2010/main" w="9525">
                     <a:solidFill>
                       <a:srgbClr val="000000"/>
                     </a:solidFill>
@@ -12011,7 +12147,7 @@
               </a:ln>
               <a:extLst>
                 <a:ext uri="{91240B29-F687-4f45-9708-019B960494DF}">
-                  <a14:hiddenLine xmlns:a14="http://schemas.microsoft.com/office/drawing/2010/main" xmlns="" w="9525">
+                  <a14:hiddenLine xmlns="" xmlns:a14="http://schemas.microsoft.com/office/drawing/2010/main" w="9525">
                     <a:solidFill>
                       <a:srgbClr val="000000"/>
                     </a:solidFill>
@@ -12126,7 +12262,7 @@
               </a:ln>
               <a:extLst>
                 <a:ext uri="{91240B29-F687-4f45-9708-019B960494DF}">
-                  <a14:hiddenLine xmlns:a14="http://schemas.microsoft.com/office/drawing/2010/main" xmlns="" w="9525">
+                  <a14:hiddenLine xmlns="" xmlns:a14="http://schemas.microsoft.com/office/drawing/2010/main" w="9525">
                     <a:solidFill>
                       <a:srgbClr val="000000"/>
                     </a:solidFill>
@@ -12216,7 +12352,7 @@
               </a:ln>
               <a:extLst>
                 <a:ext uri="{91240B29-F687-4f45-9708-019B960494DF}">
-                  <a14:hiddenLine xmlns:a14="http://schemas.microsoft.com/office/drawing/2010/main" xmlns="" w="9525">
+                  <a14:hiddenLine xmlns="" xmlns:a14="http://schemas.microsoft.com/office/drawing/2010/main" w="9525">
                     <a:solidFill>
                       <a:srgbClr val="000000"/>
                     </a:solidFill>
@@ -12281,7 +12417,7 @@
               </a:ln>
               <a:extLst>
                 <a:ext uri="{91240B29-F687-4f45-9708-019B960494DF}">
-                  <a14:hiddenLine xmlns:a14="http://schemas.microsoft.com/office/drawing/2010/main" xmlns="" w="9525">
+                  <a14:hiddenLine xmlns="" xmlns:a14="http://schemas.microsoft.com/office/drawing/2010/main" w="9525">
                     <a:solidFill>
                       <a:srgbClr val="000000"/>
                     </a:solidFill>
@@ -12371,7 +12507,7 @@
               </a:ln>
               <a:extLst>
                 <a:ext uri="{91240B29-F687-4f45-9708-019B960494DF}">
-                  <a14:hiddenLine xmlns:a14="http://schemas.microsoft.com/office/drawing/2010/main" xmlns="" w="9525">
+                  <a14:hiddenLine xmlns="" xmlns:a14="http://schemas.microsoft.com/office/drawing/2010/main" w="9525">
                     <a:solidFill>
                       <a:srgbClr val="000000"/>
                     </a:solidFill>
@@ -12439,7 +12575,7 @@
               </a:ln>
               <a:extLst>
                 <a:ext uri="{91240B29-F687-4f45-9708-019B960494DF}">
-                  <a14:hiddenLine xmlns:a14="http://schemas.microsoft.com/office/drawing/2010/main" xmlns="" w="9525">
+                  <a14:hiddenLine xmlns="" xmlns:a14="http://schemas.microsoft.com/office/drawing/2010/main" w="9525">
                     <a:solidFill>
                       <a:srgbClr val="000000"/>
                     </a:solidFill>
@@ -12529,7 +12665,7 @@
               </a:ln>
               <a:extLst>
                 <a:ext uri="{91240B29-F687-4f45-9708-019B960494DF}">
-                  <a14:hiddenLine xmlns:a14="http://schemas.microsoft.com/office/drawing/2010/main" xmlns="" w="9525">
+                  <a14:hiddenLine xmlns="" xmlns:a14="http://schemas.microsoft.com/office/drawing/2010/main" w="9525">
                     <a:solidFill>
                       <a:srgbClr val="000000"/>
                     </a:solidFill>
@@ -12597,7 +12733,7 @@
               </a:ln>
               <a:extLst>
                 <a:ext uri="{91240B29-F687-4f45-9708-019B960494DF}">
-                  <a14:hiddenLine xmlns:a14="http://schemas.microsoft.com/office/drawing/2010/main" xmlns="" w="9525">
+                  <a14:hiddenLine xmlns="" xmlns:a14="http://schemas.microsoft.com/office/drawing/2010/main" w="9525">
                     <a:solidFill>
                       <a:srgbClr val="000000"/>
                     </a:solidFill>
@@ -12687,7 +12823,7 @@
               </a:ln>
               <a:extLst>
                 <a:ext uri="{91240B29-F687-4f45-9708-019B960494DF}">
-                  <a14:hiddenLine xmlns:a14="http://schemas.microsoft.com/office/drawing/2010/main" xmlns="" w="9525">
+                  <a14:hiddenLine xmlns="" xmlns:a14="http://schemas.microsoft.com/office/drawing/2010/main" w="9525">
                     <a:solidFill>
                       <a:srgbClr val="000000"/>
                     </a:solidFill>
@@ -12721,7 +12857,7 @@
               </a:ln>
               <a:extLst>
                 <a:ext uri="{91240B29-F687-4f45-9708-019B960494DF}">
-                  <a14:hiddenLine xmlns:a14="http://schemas.microsoft.com/office/drawing/2010/main" xmlns="" w="9525">
+                  <a14:hiddenLine xmlns="" xmlns:a14="http://schemas.microsoft.com/office/drawing/2010/main" w="9525">
                     <a:solidFill>
                       <a:srgbClr val="000000"/>
                     </a:solidFill>
@@ -12862,7 +12998,7 @@
             <a:fld id="{48A87A34-81AB-432B-8DAE-1953F412C126}" type="datetimeFigureOut">
               <a:rPr lang="en-US" dirty="0"/>
               <a:pPr/>
-              <a:t>5/9/2019</a:t>
+              <a:t>5/10/2019</a:t>
             </a:fld>
             <a:endParaRPr lang="en-US" dirty="0"/>
           </a:p>
@@ -14053,6 +14189,114 @@
           <p:cNvPr id="2" name="Title 1">
             <a:extLst>
               <a:ext uri="{FF2B5EF4-FFF2-40B4-BE49-F238E27FC236}">
+                <a16:creationId xmlns:a16="http://schemas.microsoft.com/office/drawing/2014/main" id="{AC1DF570-062C-4093-ADAC-F530C1EF1810}"/>
+              </a:ext>
+            </a:extLst>
+          </p:cNvPr>
+          <p:cNvSpPr>
+            <a:spLocks noGrp="1"/>
+          </p:cNvSpPr>
+          <p:nvPr>
+            <p:ph type="title"/>
+          </p:nvPr>
+        </p:nvSpPr>
+        <p:spPr/>
+        <p:txBody>
+          <a:bodyPr/>
+          <a:lstStyle/>
+          <a:p>
+            <a:r>
+              <a:rPr lang="de-DE" dirty="0" err="1"/>
+              <a:t>zusammenfassung</a:t>
+            </a:r>
+            <a:endParaRPr lang="de-DE" dirty="0"/>
+          </a:p>
+        </p:txBody>
+      </p:sp>
+      <p:sp>
+        <p:nvSpPr>
+          <p:cNvPr id="3" name="Content Placeholder 2">
+            <a:extLst>
+              <a:ext uri="{FF2B5EF4-FFF2-40B4-BE49-F238E27FC236}">
+                <a16:creationId xmlns:a16="http://schemas.microsoft.com/office/drawing/2014/main" id="{25EB8363-7C05-4368-B0CD-7D6A0912BD58}"/>
+              </a:ext>
+            </a:extLst>
+          </p:cNvPr>
+          <p:cNvSpPr>
+            <a:spLocks noGrp="1"/>
+          </p:cNvSpPr>
+          <p:nvPr>
+            <p:ph idx="1"/>
+          </p:nvPr>
+        </p:nvSpPr>
+        <p:spPr/>
+        <p:txBody>
+          <a:bodyPr/>
+          <a:lstStyle/>
+          <a:p>
+            <a:r>
+              <a:rPr lang="de-DE" dirty="0"/>
+              <a:t>Anti-patterns sollten bekannt sein, um sie zu verhindern</a:t>
+            </a:r>
+          </a:p>
+          <a:p>
+            <a:r>
+              <a:rPr lang="de-DE" dirty="0"/>
+              <a:t>Es gibt anti-patterns in den drei genannten Kategorien, nicht nur beim codieren</a:t>
+            </a:r>
+          </a:p>
+          <a:p>
+            <a:r>
+              <a:rPr lang="de-DE" dirty="0"/>
+              <a:t>Lösung meist unkompliziert und schnell</a:t>
+            </a:r>
+          </a:p>
+          <a:p>
+            <a:r>
+              <a:rPr lang="de-DE" dirty="0"/>
+              <a:t>Jeder der im Projekt mitarbeitet sollte auf Anzeichen von anti-patterns achten</a:t>
+            </a:r>
+          </a:p>
+          <a:p>
+            <a:endParaRPr lang="de-DE" dirty="0"/>
+          </a:p>
+        </p:txBody>
+      </p:sp>
+    </p:spTree>
+    <p:extLst>
+      <p:ext uri="{BB962C8B-B14F-4D97-AF65-F5344CB8AC3E}">
+        <p14:creationId xmlns:p14="http://schemas.microsoft.com/office/powerpoint/2010/main" val="2915358397"/>
+      </p:ext>
+    </p:extLst>
+  </p:cSld>
+  <p:clrMapOvr>
+    <a:masterClrMapping/>
+  </p:clrMapOvr>
+</p:sld>
+</file>
+
+<file path=ppt/slides/slide16.xml><?xml version="1.0" encoding="utf-8"?>
+<p:sld xmlns:a="http://schemas.openxmlformats.org/drawingml/2006/main" xmlns:r="http://schemas.openxmlformats.org/officeDocument/2006/relationships" xmlns:p="http://schemas.openxmlformats.org/presentationml/2006/main">
+  <p:cSld>
+    <p:spTree>
+      <p:nvGrpSpPr>
+        <p:cNvPr id="1" name=""/>
+        <p:cNvGrpSpPr/>
+        <p:nvPr/>
+      </p:nvGrpSpPr>
+      <p:grpSpPr>
+        <a:xfrm>
+          <a:off x="0" y="0"/>
+          <a:ext cx="0" cy="0"/>
+          <a:chOff x="0" y="0"/>
+          <a:chExt cx="0" cy="0"/>
+        </a:xfrm>
+      </p:grpSpPr>
+      <p:sp>
+        <p:nvSpPr>
+          <p:cNvPr id="2" name="Title 1">
+            <a:extLst>
+              <a:ext uri="{FF2B5EF4-FFF2-40B4-BE49-F238E27FC236}">
                 <a16:creationId xmlns:a16="http://schemas.microsoft.com/office/drawing/2014/main" id="{1E1FF1E8-FC7E-40D5-998E-698CD1803356}"/>
               </a:ext>
             </a:extLst>
@@ -14098,19 +14342,58 @@
           <a:lstStyle/>
           <a:p>
             <a:r>
+              <a:rPr lang="de-DE" dirty="0"/>
+              <a:t>Der Klassiker:</a:t>
+            </a:r>
+            <a:r>
               <a:rPr lang="de-DE" dirty="0">
-                <a:hlinkClick r:id="rId2"/>
+                <a:hlinkClick r:id="rId2">
+                  <a:extLst>
+                    <a:ext uri="{A12FA001-AC4F-418D-AE19-62706E023703}">
+                      <ahyp:hlinkClr xmlns:ahyp="http://schemas.microsoft.com/office/drawing/2018/hyperlinkcolor" val="tx"/>
+                    </a:ext>
+                  </a:extLst>
+                </a:hlinkClick>
               </a:rPr>
-              <a:t>https://en.wikibooks.org/wiki/Introduction_to_Software_Engineering/Architecture/Anti-Patterns</a:t>
+              <a:t> https://en.wikibooks.org/wiki/Introduction_to_Software_Engineering/Architecture/Anti-Patterns</a:t>
             </a:r>
             <a:endParaRPr lang="de-DE" dirty="0"/>
           </a:p>
           <a:p>
             <a:r>
+              <a:rPr lang="de-DE" dirty="0"/>
+              <a:t>Mit ausführlichen Lösungsvorschlägen: </a:t>
+            </a:r>
+            <a:r>
               <a:rPr lang="de-DE" dirty="0">
-                <a:hlinkClick r:id="rId3"/>
+                <a:hlinkClick r:id="rId3">
+                  <a:extLst>
+                    <a:ext uri="{A12FA001-AC4F-418D-AE19-62706E023703}">
+                      <ahyp:hlinkClr xmlns:ahyp="http://schemas.microsoft.com/office/drawing/2018/hyperlinkcolor" val="tx"/>
+                    </a:ext>
+                  </a:extLst>
+                </a:hlinkClick>
               </a:rPr>
               <a:t>https://sourcemaking.com/antipatterns</a:t>
+            </a:r>
+            <a:endParaRPr lang="de-DE" dirty="0"/>
+          </a:p>
+          <a:p>
+            <a:r>
+              <a:rPr lang="de-DE" dirty="0"/>
+              <a:t>Nicht schön, aber sehr ausführlich: </a:t>
+            </a:r>
+            <a:r>
+              <a:rPr lang="de-DE" dirty="0">
+                <a:hlinkClick r:id="rId4">
+                  <a:extLst>
+                    <a:ext uri="{A12FA001-AC4F-418D-AE19-62706E023703}">
+                      <ahyp:hlinkClr xmlns:ahyp="http://schemas.microsoft.com/office/drawing/2018/hyperlinkcolor" val="tx"/>
+                    </a:ext>
+                  </a:extLst>
+                </a:hlinkClick>
+              </a:rPr>
+              <a:t>http://wiki.c2.com/?AntiPattern</a:t>
             </a:r>
             <a:endParaRPr lang="de-DE" dirty="0"/>
           </a:p>
@@ -14129,7 +14412,7 @@
 </p:sld>
 </file>
 
-<file path=ppt/slides/slide16.xml><?xml version="1.0" encoding="utf-8"?>
+<file path=ppt/slides/slide17.xml><?xml version="1.0" encoding="utf-8"?>
 <p:sld xmlns:a="http://schemas.openxmlformats.org/drawingml/2006/main" xmlns:r="http://schemas.openxmlformats.org/officeDocument/2006/relationships" xmlns:p="http://schemas.openxmlformats.org/presentationml/2006/main">
   <p:cSld>
     <p:spTree>
@@ -14220,21 +14503,46 @@
               <a:rPr lang="de-DE" dirty="0"/>
               <a:t> unter </a:t>
             </a:r>
-            <a:r>
-              <a:rPr lang="de-DE" dirty="0" err="1"/>
+          </a:p>
+          <a:p>
+            <a:pPr marL="0" indent="0">
+              <a:buNone/>
+            </a:pPr>
+            <a:r>
+              <a:rPr lang="de-DE" dirty="0"/>
+              <a:t>	</a:t>
+            </a:r>
+            <a:r>
+              <a:rPr lang="de-DE" dirty="0" err="1">
+                <a:hlinkClick r:id="rId2"/>
+              </a:rPr>
               <a:t>joshuaschu</a:t>
             </a:r>
             <a:r>
               <a:rPr lang="de-DE" dirty="0"/>
-              <a:t>/E-	</a:t>
-            </a:r>
-            <a:r>
-              <a:rPr lang="de-DE" dirty="0" err="1"/>
+              <a:t>/</a:t>
+            </a:r>
+            <a:r>
+              <a:rPr lang="de-DE" b="1" dirty="0">
+                <a:hlinkClick r:id="rId3"/>
+              </a:rPr>
+              <a:t>E-	</a:t>
+            </a:r>
+            <a:r>
+              <a:rPr lang="de-DE" b="1" dirty="0" err="1">
+                <a:hlinkClick r:id="rId3"/>
+              </a:rPr>
               <a:t>Portfolio_Anti</a:t>
             </a:r>
             <a:r>
+              <a:rPr lang="de-DE" b="1" dirty="0">
+                <a:hlinkClick r:id="rId3"/>
+              </a:rPr>
+              <a:t>-Patterns</a:t>
+            </a:r>
+            <a:r>
               <a:rPr lang="de-DE" dirty="0"/>
-              <a:t>-patterns.</a:t>
+              <a:t>.</a:t>
             </a:r>
           </a:p>
         </p:txBody>
@@ -14870,11 +15178,7 @@
           <a:p>
             <a:r>
               <a:rPr lang="de-DE" b="1" dirty="0" err="1"/>
-              <a:t>Vendor</a:t>
-            </a:r>
-            <a:r>
-              <a:rPr lang="de-DE" b="1" dirty="0"/>
-              <a:t> Lock-In</a:t>
+              <a:t>SpagettiCode</a:t>
             </a:r>
             <a:br>
               <a:rPr lang="de-DE" b="1" dirty="0"/>
@@ -14908,7 +15212,30 @@
           <a:bodyPr/>
           <a:lstStyle/>
           <a:p>
-            <a:endParaRPr lang="de-DE" dirty="0"/>
+            <a:r>
+              <a:rPr lang="de-DE" dirty="0"/>
+              <a:t>Der entwickelte Code ist unübersichtlich und durch viele Sprungbefehle geprägt, welche den Kontrollfluss wie ein Topf Spagetti wirken lassen</a:t>
+            </a:r>
+          </a:p>
+          <a:p>
+            <a:r>
+              <a:rPr lang="de-DE" dirty="0"/>
+              <a:t>Dies ist problematisch, da solcher Code kaum </a:t>
+            </a:r>
+            <a:r>
+              <a:rPr lang="de-DE" dirty="0" err="1"/>
+              <a:t>wartbar</a:t>
+            </a:r>
+            <a:r>
+              <a:rPr lang="de-DE" dirty="0"/>
+              <a:t> und praktisch nicht wiederverwendbar ist</a:t>
+            </a:r>
+          </a:p>
+          <a:p>
+            <a:r>
+              <a:rPr lang="de-DE" dirty="0"/>
+              <a:t>Dieses anti-pattern kann behoben/verhindert werden, indem beim design der einzelnen Codeabschnitte auf eine sinnvolle Kapselung und Aufgabenverteilung geachtet wird </a:t>
+            </a:r>
           </a:p>
         </p:txBody>
       </p:sp>
@@ -15002,7 +15329,22 @@
           <a:bodyPr/>
           <a:lstStyle/>
           <a:p>
-            <a:endParaRPr lang="de-DE" dirty="0"/>
+            <a:r>
+              <a:rPr lang="de-DE" dirty="0"/>
+              <a:t>Entwickler und Architekten werden gezwungen viele Dokumente und Präsentationen, die „pseudo-technische“ Zusammenfassungen enthalten, für das Management zu erstellen</a:t>
+            </a:r>
+          </a:p>
+          <a:p>
+            <a:r>
+              <a:rPr lang="de-DE" dirty="0"/>
+              <a:t>Dies ist problematisch, da dies die Entwickler frustriert und sie davon abhält ihr eigentliches Talent, das Entwickeln, einzubringen</a:t>
+            </a:r>
+          </a:p>
+          <a:p>
+            <a:r>
+              <a:rPr lang="de-DE" dirty="0"/>
+              <a:t>Dieses anti-pattern kann umgangen werden, indem Entwickler mehr Wert auf Prototypen legen, welche zur Validierung genutzt werden können</a:t>
+            </a:r>
           </a:p>
         </p:txBody>
       </p:sp>

--- a/Anti-Patterns.pptx
+++ b/Anti-Patterns.pptx
@@ -134,7 +134,7 @@
 <file path=ppt/revisionInfo.xml><?xml version="1.0" encoding="utf-8"?>
 <p1510:revInfo xmlns:a="http://schemas.openxmlformats.org/drawingml/2006/main" xmlns:r="http://schemas.openxmlformats.org/officeDocument/2006/relationships" xmlns:p1510="http://schemas.microsoft.com/office/powerpoint/2015/10/main">
   <p1510:revLst>
-    <p1510:client id="{5EB83996-0236-4008-B897-A8A957EF5EA9}" v="6376" dt="2019-05-10T06:42:08.797"/>
+    <p1510:client id="{5EB83996-0236-4008-B897-A8A957EF5EA9}" v="6401" dt="2019-05-13T16:43:45.321"/>
   </p1510:revLst>
 </p1510:revInfo>
 </file>
@@ -144,7 +144,7 @@
   <pc:docChgLst>
     <pc:chgData name="Schulz, Joshua" userId="2ef87867-eeda-41aa-9aea-19cd18747ab2" providerId="ADAL" clId="{5EB83996-0236-4008-B897-A8A957EF5EA9}"/>
     <pc:docChg chg="undo custSel addSld modSld">
-      <pc:chgData name="Schulz, Joshua" userId="2ef87867-eeda-41aa-9aea-19cd18747ab2" providerId="ADAL" clId="{5EB83996-0236-4008-B897-A8A957EF5EA9}" dt="2019-05-10T06:42:02.511" v="6368" actId="20577"/>
+      <pc:chgData name="Schulz, Joshua" userId="2ef87867-eeda-41aa-9aea-19cd18747ab2" providerId="ADAL" clId="{5EB83996-0236-4008-B897-A8A957EF5EA9}" dt="2019-05-13T16:43:45.321" v="6393" actId="20577"/>
       <pc:docMkLst>
         <pc:docMk/>
       </pc:docMkLst>
@@ -164,13 +164,13 @@
         </pc:spChg>
       </pc:sldChg>
       <pc:sldChg chg="modSp">
-        <pc:chgData name="Schulz, Joshua" userId="2ef87867-eeda-41aa-9aea-19cd18747ab2" providerId="ADAL" clId="{5EB83996-0236-4008-B897-A8A957EF5EA9}" dt="2019-05-02T09:54:09.921" v="203" actId="20577"/>
+        <pc:chgData name="Schulz, Joshua" userId="2ef87867-eeda-41aa-9aea-19cd18747ab2" providerId="ADAL" clId="{5EB83996-0236-4008-B897-A8A957EF5EA9}" dt="2019-05-13T16:35:16.855" v="6383" actId="20577"/>
         <pc:sldMkLst>
           <pc:docMk/>
           <pc:sldMk cId="1660642180" sldId="257"/>
         </pc:sldMkLst>
         <pc:spChg chg="mod">
-          <ac:chgData name="Schulz, Joshua" userId="2ef87867-eeda-41aa-9aea-19cd18747ab2" providerId="ADAL" clId="{5EB83996-0236-4008-B897-A8A957EF5EA9}" dt="2019-05-02T09:54:09.921" v="203" actId="20577"/>
+          <ac:chgData name="Schulz, Joshua" userId="2ef87867-eeda-41aa-9aea-19cd18747ab2" providerId="ADAL" clId="{5EB83996-0236-4008-B897-A8A957EF5EA9}" dt="2019-05-13T16:35:16.855" v="6383" actId="20577"/>
           <ac:spMkLst>
             <pc:docMk/>
             <pc:sldMk cId="1660642180" sldId="257"/>
@@ -179,13 +179,13 @@
         </pc:spChg>
       </pc:sldChg>
       <pc:sldChg chg="modSp">
-        <pc:chgData name="Schulz, Joshua" userId="2ef87867-eeda-41aa-9aea-19cd18747ab2" providerId="ADAL" clId="{5EB83996-0236-4008-B897-A8A957EF5EA9}" dt="2019-05-02T10:53:57.525" v="297" actId="20577"/>
+        <pc:chgData name="Schulz, Joshua" userId="2ef87867-eeda-41aa-9aea-19cd18747ab2" providerId="ADAL" clId="{5EB83996-0236-4008-B897-A8A957EF5EA9}" dt="2019-05-13T16:34:25.620" v="6381" actId="20577"/>
         <pc:sldMkLst>
           <pc:docMk/>
           <pc:sldMk cId="570880647" sldId="258"/>
         </pc:sldMkLst>
         <pc:spChg chg="mod">
-          <ac:chgData name="Schulz, Joshua" userId="2ef87867-eeda-41aa-9aea-19cd18747ab2" providerId="ADAL" clId="{5EB83996-0236-4008-B897-A8A957EF5EA9}" dt="2019-05-02T10:53:57.525" v="297" actId="20577"/>
+          <ac:chgData name="Schulz, Joshua" userId="2ef87867-eeda-41aa-9aea-19cd18747ab2" providerId="ADAL" clId="{5EB83996-0236-4008-B897-A8A957EF5EA9}" dt="2019-05-13T16:34:25.620" v="6381" actId="20577"/>
           <ac:spMkLst>
             <pc:docMk/>
             <pc:sldMk cId="570880647" sldId="258"/>
@@ -263,7 +263,7 @@
         </pc:spChg>
       </pc:sldChg>
       <pc:sldChg chg="modSp add">
-        <pc:chgData name="Schulz, Joshua" userId="2ef87867-eeda-41aa-9aea-19cd18747ab2" providerId="ADAL" clId="{5EB83996-0236-4008-B897-A8A957EF5EA9}" dt="2019-05-09T15:23:58.982" v="1170" actId="20577"/>
+        <pc:chgData name="Schulz, Joshua" userId="2ef87867-eeda-41aa-9aea-19cd18747ab2" providerId="ADAL" clId="{5EB83996-0236-4008-B897-A8A957EF5EA9}" dt="2019-05-13T16:36:22.649" v="6386" actId="20577"/>
         <pc:sldMkLst>
           <pc:docMk/>
           <pc:sldMk cId="1006218021" sldId="262"/>
@@ -277,7 +277,7 @@
           </ac:spMkLst>
         </pc:spChg>
         <pc:spChg chg="mod">
-          <ac:chgData name="Schulz, Joshua" userId="2ef87867-eeda-41aa-9aea-19cd18747ab2" providerId="ADAL" clId="{5EB83996-0236-4008-B897-A8A957EF5EA9}" dt="2019-05-09T15:23:58.982" v="1170" actId="20577"/>
+          <ac:chgData name="Schulz, Joshua" userId="2ef87867-eeda-41aa-9aea-19cd18747ab2" providerId="ADAL" clId="{5EB83996-0236-4008-B897-A8A957EF5EA9}" dt="2019-05-13T16:36:22.649" v="6386" actId="20577"/>
           <ac:spMkLst>
             <pc:docMk/>
             <pc:sldMk cId="1006218021" sldId="262"/>
@@ -410,7 +410,7 @@
         </pc:spChg>
       </pc:sldChg>
       <pc:sldChg chg="modSp add modNotesTx">
-        <pc:chgData name="Schulz, Joshua" userId="2ef87867-eeda-41aa-9aea-19cd18747ab2" providerId="ADAL" clId="{5EB83996-0236-4008-B897-A8A957EF5EA9}" dt="2019-05-09T15:37:13.605" v="2969" actId="20577"/>
+        <pc:chgData name="Schulz, Joshua" userId="2ef87867-eeda-41aa-9aea-19cd18747ab2" providerId="ADAL" clId="{5EB83996-0236-4008-B897-A8A957EF5EA9}" dt="2019-05-13T16:42:52.401" v="6391" actId="790"/>
         <pc:sldMkLst>
           <pc:docMk/>
           <pc:sldMk cId="3119138514" sldId="267"/>
@@ -424,7 +424,7 @@
           </ac:spMkLst>
         </pc:spChg>
         <pc:spChg chg="mod">
-          <ac:chgData name="Schulz, Joshua" userId="2ef87867-eeda-41aa-9aea-19cd18747ab2" providerId="ADAL" clId="{5EB83996-0236-4008-B897-A8A957EF5EA9}" dt="2019-05-09T15:37:13.605" v="2969" actId="20577"/>
+          <ac:chgData name="Schulz, Joshua" userId="2ef87867-eeda-41aa-9aea-19cd18747ab2" providerId="ADAL" clId="{5EB83996-0236-4008-B897-A8A957EF5EA9}" dt="2019-05-13T16:42:52.401" v="6391" actId="790"/>
           <ac:spMkLst>
             <pc:docMk/>
             <pc:sldMk cId="3119138514" sldId="267"/>
@@ -433,7 +433,7 @@
         </pc:spChg>
       </pc:sldChg>
       <pc:sldChg chg="modSp add">
-        <pc:chgData name="Schulz, Joshua" userId="2ef87867-eeda-41aa-9aea-19cd18747ab2" providerId="ADAL" clId="{5EB83996-0236-4008-B897-A8A957EF5EA9}" dt="2019-05-09T15:42:13.107" v="3488" actId="20577"/>
+        <pc:chgData name="Schulz, Joshua" userId="2ef87867-eeda-41aa-9aea-19cd18747ab2" providerId="ADAL" clId="{5EB83996-0236-4008-B897-A8A957EF5EA9}" dt="2019-05-13T16:43:45.321" v="6393" actId="20577"/>
         <pc:sldMkLst>
           <pc:docMk/>
           <pc:sldMk cId="1520793637" sldId="268"/>
@@ -447,7 +447,7 @@
           </ac:spMkLst>
         </pc:spChg>
         <pc:spChg chg="mod">
-          <ac:chgData name="Schulz, Joshua" userId="2ef87867-eeda-41aa-9aea-19cd18747ab2" providerId="ADAL" clId="{5EB83996-0236-4008-B897-A8A957EF5EA9}" dt="2019-05-09T15:42:13.107" v="3488" actId="20577"/>
+          <ac:chgData name="Schulz, Joshua" userId="2ef87867-eeda-41aa-9aea-19cd18747ab2" providerId="ADAL" clId="{5EB83996-0236-4008-B897-A8A957EF5EA9}" dt="2019-05-13T16:43:45.321" v="6393" actId="20577"/>
           <ac:spMkLst>
             <pc:docMk/>
             <pc:sldMk cId="1520793637" sldId="268"/>
@@ -634,7 +634,7 @@
           <a:p>
             <a:fld id="{B1B7C0BB-38DC-472D-B69E-E9CA7C6AF344}" type="datetimeFigureOut">
               <a:rPr lang="de-DE" smtClean="0"/>
-              <a:t>10.05.2019</a:t>
+              <a:t>13.05.2019</a:t>
             </a:fld>
             <a:endParaRPr lang="de-DE"/>
           </a:p>
@@ -1228,7 +1228,7 @@
           <a:noFill/>
           <a:extLst>
             <a:ext uri="{909E8E84-426E-40dd-AFC4-6F175D3DCCD1}">
-              <a14:hiddenFill xmlns="" xmlns:a14="http://schemas.microsoft.com/office/drawing/2010/main">
+              <a14:hiddenFill xmlns:a14="http://schemas.microsoft.com/office/drawing/2010/main" xmlns="">
                 <a:solidFill>
                   <a:srgbClr val="FFFFFF"/>
                 </a:solidFill>
@@ -1288,7 +1288,7 @@
             </a:ln>
             <a:extLst>
               <a:ext uri="{91240B29-F687-4f45-9708-019B960494DF}">
-                <a14:hiddenLine xmlns="" xmlns:a14="http://schemas.microsoft.com/office/drawing/2010/main" w="9525">
+                <a14:hiddenLine xmlns:a14="http://schemas.microsoft.com/office/drawing/2010/main" xmlns="" w="9525">
                   <a:solidFill>
                     <a:srgbClr val="000000"/>
                   </a:solidFill>
@@ -1378,7 +1378,7 @@
             </a:ln>
             <a:extLst>
               <a:ext uri="{91240B29-F687-4f45-9708-019B960494DF}">
-                <a14:hiddenLine xmlns="" xmlns:a14="http://schemas.microsoft.com/office/drawing/2010/main" w="9525">
+                <a14:hiddenLine xmlns:a14="http://schemas.microsoft.com/office/drawing/2010/main" xmlns="" w="9525">
                   <a:solidFill>
                     <a:srgbClr val="000000"/>
                   </a:solidFill>
@@ -1468,7 +1468,7 @@
             </a:ln>
             <a:extLst>
               <a:ext uri="{91240B29-F687-4f45-9708-019B960494DF}">
-                <a14:hiddenLine xmlns="" xmlns:a14="http://schemas.microsoft.com/office/drawing/2010/main" w="9525">
+                <a14:hiddenLine xmlns:a14="http://schemas.microsoft.com/office/drawing/2010/main" xmlns="" w="9525">
                   <a:solidFill>
                     <a:srgbClr val="000000"/>
                   </a:solidFill>
@@ -1502,7 +1502,7 @@
             </a:ln>
             <a:extLst>
               <a:ext uri="{91240B29-F687-4f45-9708-019B960494DF}">
-                <a14:hiddenLine xmlns="" xmlns:a14="http://schemas.microsoft.com/office/drawing/2010/main" w="9525">
+                <a14:hiddenLine xmlns:a14="http://schemas.microsoft.com/office/drawing/2010/main" xmlns="" w="9525">
                   <a:solidFill>
                     <a:srgbClr val="000000"/>
                   </a:solidFill>
@@ -1592,7 +1592,7 @@
             </a:ln>
             <a:extLst>
               <a:ext uri="{91240B29-F687-4f45-9708-019B960494DF}">
-                <a14:hiddenLine xmlns="" xmlns:a14="http://schemas.microsoft.com/office/drawing/2010/main" w="9525">
+                <a14:hiddenLine xmlns:a14="http://schemas.microsoft.com/office/drawing/2010/main" xmlns="" w="9525">
                   <a:solidFill>
                     <a:srgbClr val="000000"/>
                   </a:solidFill>
@@ -1654,7 +1654,7 @@
             </a:ln>
             <a:extLst>
               <a:ext uri="{91240B29-F687-4f45-9708-019B960494DF}">
-                <a14:hiddenLine xmlns="" xmlns:a14="http://schemas.microsoft.com/office/drawing/2010/main" w="9525">
+                <a14:hiddenLine xmlns:a14="http://schemas.microsoft.com/office/drawing/2010/main" xmlns="" w="9525">
                   <a:solidFill>
                     <a:srgbClr val="000000"/>
                   </a:solidFill>
@@ -1716,7 +1716,7 @@
             </a:ln>
             <a:extLst>
               <a:ext uri="{91240B29-F687-4f45-9708-019B960494DF}">
-                <a14:hiddenLine xmlns="" xmlns:a14="http://schemas.microsoft.com/office/drawing/2010/main" w="9525">
+                <a14:hiddenLine xmlns:a14="http://schemas.microsoft.com/office/drawing/2010/main" xmlns="" w="9525">
                   <a:solidFill>
                     <a:srgbClr val="000000"/>
                   </a:solidFill>
@@ -1806,7 +1806,7 @@
             </a:ln>
             <a:extLst>
               <a:ext uri="{91240B29-F687-4f45-9708-019B960494DF}">
-                <a14:hiddenLine xmlns="" xmlns:a14="http://schemas.microsoft.com/office/drawing/2010/main" w="9525">
+                <a14:hiddenLine xmlns:a14="http://schemas.microsoft.com/office/drawing/2010/main" xmlns="" w="9525">
                   <a:solidFill>
                     <a:srgbClr val="000000"/>
                   </a:solidFill>
@@ -1868,7 +1868,7 @@
             </a:ln>
             <a:extLst>
               <a:ext uri="{91240B29-F687-4f45-9708-019B960494DF}">
-                <a14:hiddenLine xmlns="" xmlns:a14="http://schemas.microsoft.com/office/drawing/2010/main" w="9525">
+                <a14:hiddenLine xmlns:a14="http://schemas.microsoft.com/office/drawing/2010/main" xmlns="" w="9525">
                   <a:solidFill>
                     <a:srgbClr val="000000"/>
                   </a:solidFill>
@@ -1930,7 +1930,7 @@
             </a:ln>
             <a:extLst>
               <a:ext uri="{91240B29-F687-4f45-9708-019B960494DF}">
-                <a14:hiddenLine xmlns="" xmlns:a14="http://schemas.microsoft.com/office/drawing/2010/main" w="9525">
+                <a14:hiddenLine xmlns:a14="http://schemas.microsoft.com/office/drawing/2010/main" xmlns="" w="9525">
                   <a:solidFill>
                     <a:srgbClr val="000000"/>
                   </a:solidFill>
@@ -2020,7 +2020,7 @@
             </a:ln>
             <a:extLst>
               <a:ext uri="{91240B29-F687-4f45-9708-019B960494DF}">
-                <a14:hiddenLine xmlns="" xmlns:a14="http://schemas.microsoft.com/office/drawing/2010/main" w="9525">
+                <a14:hiddenLine xmlns:a14="http://schemas.microsoft.com/office/drawing/2010/main" xmlns="" w="9525">
                   <a:solidFill>
                     <a:srgbClr val="000000"/>
                   </a:solidFill>
@@ -2110,7 +2110,7 @@
             </a:ln>
             <a:extLst>
               <a:ext uri="{91240B29-F687-4f45-9708-019B960494DF}">
-                <a14:hiddenLine xmlns="" xmlns:a14="http://schemas.microsoft.com/office/drawing/2010/main" w="9525">
+                <a14:hiddenLine xmlns:a14="http://schemas.microsoft.com/office/drawing/2010/main" xmlns="" w="9525">
                   <a:solidFill>
                     <a:srgbClr val="000000"/>
                   </a:solidFill>
@@ -2172,7 +2172,7 @@
             </a:ln>
             <a:extLst>
               <a:ext uri="{91240B29-F687-4f45-9708-019B960494DF}">
-                <a14:hiddenLine xmlns="" xmlns:a14="http://schemas.microsoft.com/office/drawing/2010/main" w="9525">
+                <a14:hiddenLine xmlns:a14="http://schemas.microsoft.com/office/drawing/2010/main" xmlns="" w="9525">
                   <a:solidFill>
                     <a:srgbClr val="000000"/>
                   </a:solidFill>
@@ -2282,7 +2282,7 @@
             </a:ln>
             <a:extLst>
               <a:ext uri="{91240B29-F687-4f45-9708-019B960494DF}">
-                <a14:hiddenLine xmlns="" xmlns:a14="http://schemas.microsoft.com/office/drawing/2010/main" w="9525">
+                <a14:hiddenLine xmlns:a14="http://schemas.microsoft.com/office/drawing/2010/main" xmlns="" w="9525">
                   <a:solidFill>
                     <a:srgbClr val="000000"/>
                   </a:solidFill>
@@ -2344,7 +2344,7 @@
             </a:ln>
             <a:extLst>
               <a:ext uri="{91240B29-F687-4f45-9708-019B960494DF}">
-                <a14:hiddenLine xmlns="" xmlns:a14="http://schemas.microsoft.com/office/drawing/2010/main" w="9525">
+                <a14:hiddenLine xmlns:a14="http://schemas.microsoft.com/office/drawing/2010/main" xmlns="" w="9525">
                   <a:solidFill>
                     <a:srgbClr val="000000"/>
                   </a:solidFill>
@@ -2434,7 +2434,7 @@
             </a:ln>
             <a:extLst>
               <a:ext uri="{91240B29-F687-4f45-9708-019B960494DF}">
-                <a14:hiddenLine xmlns="" xmlns:a14="http://schemas.microsoft.com/office/drawing/2010/main" w="9525">
+                <a14:hiddenLine xmlns:a14="http://schemas.microsoft.com/office/drawing/2010/main" xmlns="" w="9525">
                   <a:solidFill>
                     <a:srgbClr val="000000"/>
                   </a:solidFill>
@@ -2524,7 +2524,7 @@
             </a:ln>
             <a:extLst>
               <a:ext uri="{91240B29-F687-4f45-9708-019B960494DF}">
-                <a14:hiddenLine xmlns="" xmlns:a14="http://schemas.microsoft.com/office/drawing/2010/main" w="9525">
+                <a14:hiddenLine xmlns:a14="http://schemas.microsoft.com/office/drawing/2010/main" xmlns="" w="9525">
                   <a:solidFill>
                     <a:srgbClr val="000000"/>
                   </a:solidFill>
@@ -2586,7 +2586,7 @@
             </a:ln>
             <a:extLst>
               <a:ext uri="{91240B29-F687-4f45-9708-019B960494DF}">
-                <a14:hiddenLine xmlns="" xmlns:a14="http://schemas.microsoft.com/office/drawing/2010/main" w="9525">
+                <a14:hiddenLine xmlns:a14="http://schemas.microsoft.com/office/drawing/2010/main" xmlns="" w="9525">
                   <a:solidFill>
                     <a:srgbClr val="000000"/>
                   </a:solidFill>
@@ -2676,7 +2676,7 @@
             </a:ln>
             <a:extLst>
               <a:ext uri="{91240B29-F687-4f45-9708-019B960494DF}">
-                <a14:hiddenLine xmlns="" xmlns:a14="http://schemas.microsoft.com/office/drawing/2010/main" w="9525">
+                <a14:hiddenLine xmlns:a14="http://schemas.microsoft.com/office/drawing/2010/main" xmlns="" w="9525">
                   <a:solidFill>
                     <a:srgbClr val="000000"/>
                   </a:solidFill>
@@ -2766,7 +2766,7 @@
             </a:ln>
             <a:extLst>
               <a:ext uri="{91240B29-F687-4f45-9708-019B960494DF}">
-                <a14:hiddenLine xmlns="" xmlns:a14="http://schemas.microsoft.com/office/drawing/2010/main" w="9525">
+                <a14:hiddenLine xmlns:a14="http://schemas.microsoft.com/office/drawing/2010/main" xmlns="" w="9525">
                   <a:solidFill>
                     <a:srgbClr val="000000"/>
                   </a:solidFill>
@@ -2822,7 +2822,7 @@
             </a:ln>
             <a:extLst>
               <a:ext uri="{91240B29-F687-4f45-9708-019B960494DF}">
-                <a14:hiddenLine xmlns="" xmlns:a14="http://schemas.microsoft.com/office/drawing/2010/main" w="9525">
+                <a14:hiddenLine xmlns:a14="http://schemas.microsoft.com/office/drawing/2010/main" xmlns="" w="9525">
                   <a:solidFill>
                     <a:srgbClr val="000000"/>
                   </a:solidFill>
@@ -2912,7 +2912,7 @@
             </a:ln>
             <a:extLst>
               <a:ext uri="{91240B29-F687-4f45-9708-019B960494DF}">
-                <a14:hiddenLine xmlns="" xmlns:a14="http://schemas.microsoft.com/office/drawing/2010/main" w="9525">
+                <a14:hiddenLine xmlns:a14="http://schemas.microsoft.com/office/drawing/2010/main" xmlns="" w="9525">
                   <a:solidFill>
                     <a:srgbClr val="000000"/>
                   </a:solidFill>
@@ -2968,7 +2968,7 @@
             </a:ln>
             <a:extLst>
               <a:ext uri="{91240B29-F687-4f45-9708-019B960494DF}">
-                <a14:hiddenLine xmlns="" xmlns:a14="http://schemas.microsoft.com/office/drawing/2010/main" w="9525">
+                <a14:hiddenLine xmlns:a14="http://schemas.microsoft.com/office/drawing/2010/main" xmlns="" w="9525">
                   <a:solidFill>
                     <a:srgbClr val="000000"/>
                   </a:solidFill>
@@ -3058,7 +3058,7 @@
             </a:ln>
             <a:extLst>
               <a:ext uri="{91240B29-F687-4f45-9708-019B960494DF}">
-                <a14:hiddenLine xmlns="" xmlns:a14="http://schemas.microsoft.com/office/drawing/2010/main" w="9525">
+                <a14:hiddenLine xmlns:a14="http://schemas.microsoft.com/office/drawing/2010/main" xmlns="" w="9525">
                   <a:solidFill>
                     <a:srgbClr val="000000"/>
                   </a:solidFill>
@@ -3126,7 +3126,7 @@
             </a:ln>
             <a:extLst>
               <a:ext uri="{91240B29-F687-4f45-9708-019B960494DF}">
-                <a14:hiddenLine xmlns="" xmlns:a14="http://schemas.microsoft.com/office/drawing/2010/main" w="9525">
+                <a14:hiddenLine xmlns:a14="http://schemas.microsoft.com/office/drawing/2010/main" xmlns="" w="9525">
                   <a:solidFill>
                     <a:srgbClr val="000000"/>
                   </a:solidFill>
@@ -3216,7 +3216,7 @@
             </a:ln>
             <a:extLst>
               <a:ext uri="{91240B29-F687-4f45-9708-019B960494DF}">
-                <a14:hiddenLine xmlns="" xmlns:a14="http://schemas.microsoft.com/office/drawing/2010/main" w="9525">
+                <a14:hiddenLine xmlns:a14="http://schemas.microsoft.com/office/drawing/2010/main" xmlns="" w="9525">
                   <a:solidFill>
                     <a:srgbClr val="000000"/>
                   </a:solidFill>
@@ -3284,7 +3284,7 @@
             </a:ln>
             <a:extLst>
               <a:ext uri="{91240B29-F687-4f45-9708-019B960494DF}">
-                <a14:hiddenLine xmlns="" xmlns:a14="http://schemas.microsoft.com/office/drawing/2010/main" w="9525">
+                <a14:hiddenLine xmlns:a14="http://schemas.microsoft.com/office/drawing/2010/main" xmlns="" w="9525">
                   <a:solidFill>
                     <a:srgbClr val="000000"/>
                   </a:solidFill>
@@ -3374,7 +3374,7 @@
             </a:ln>
             <a:extLst>
               <a:ext uri="{91240B29-F687-4f45-9708-019B960494DF}">
-                <a14:hiddenLine xmlns="" xmlns:a14="http://schemas.microsoft.com/office/drawing/2010/main" w="9525">
+                <a14:hiddenLine xmlns:a14="http://schemas.microsoft.com/office/drawing/2010/main" xmlns="" w="9525">
                   <a:solidFill>
                     <a:srgbClr val="000000"/>
                   </a:solidFill>
@@ -3408,7 +3408,7 @@
             </a:ln>
             <a:extLst>
               <a:ext uri="{91240B29-F687-4f45-9708-019B960494DF}">
-                <a14:hiddenLine xmlns="" xmlns:a14="http://schemas.microsoft.com/office/drawing/2010/main" w="9525">
+                <a14:hiddenLine xmlns:a14="http://schemas.microsoft.com/office/drawing/2010/main" xmlns="" w="9525">
                   <a:solidFill>
                     <a:srgbClr val="000000"/>
                   </a:solidFill>
@@ -3498,7 +3498,7 @@
             </a:ln>
             <a:extLst>
               <a:ext uri="{91240B29-F687-4f45-9708-019B960494DF}">
-                <a14:hiddenLine xmlns="" xmlns:a14="http://schemas.microsoft.com/office/drawing/2010/main" w="9525">
+                <a14:hiddenLine xmlns:a14="http://schemas.microsoft.com/office/drawing/2010/main" xmlns="" w="9525">
                   <a:solidFill>
                     <a:srgbClr val="000000"/>
                   </a:solidFill>
@@ -3560,7 +3560,7 @@
             </a:ln>
             <a:extLst>
               <a:ext uri="{91240B29-F687-4f45-9708-019B960494DF}">
-                <a14:hiddenLine xmlns="" xmlns:a14="http://schemas.microsoft.com/office/drawing/2010/main" w="9525">
+                <a14:hiddenLine xmlns:a14="http://schemas.microsoft.com/office/drawing/2010/main" xmlns="" w="9525">
                   <a:solidFill>
                     <a:srgbClr val="000000"/>
                   </a:solidFill>
@@ -3622,7 +3622,7 @@
             </a:ln>
             <a:extLst>
               <a:ext uri="{91240B29-F687-4f45-9708-019B960494DF}">
-                <a14:hiddenLine xmlns="" xmlns:a14="http://schemas.microsoft.com/office/drawing/2010/main" w="9525">
+                <a14:hiddenLine xmlns:a14="http://schemas.microsoft.com/office/drawing/2010/main" xmlns="" w="9525">
                   <a:solidFill>
                     <a:srgbClr val="000000"/>
                   </a:solidFill>
@@ -3712,7 +3712,7 @@
             </a:ln>
             <a:extLst>
               <a:ext uri="{91240B29-F687-4f45-9708-019B960494DF}">
-                <a14:hiddenLine xmlns="" xmlns:a14="http://schemas.microsoft.com/office/drawing/2010/main" w="9525">
+                <a14:hiddenLine xmlns:a14="http://schemas.microsoft.com/office/drawing/2010/main" xmlns="" w="9525">
                   <a:solidFill>
                     <a:srgbClr val="000000"/>
                   </a:solidFill>
@@ -3780,7 +3780,7 @@
             </a:ln>
             <a:extLst>
               <a:ext uri="{91240B29-F687-4f45-9708-019B960494DF}">
-                <a14:hiddenLine xmlns="" xmlns:a14="http://schemas.microsoft.com/office/drawing/2010/main" w="9525">
+                <a14:hiddenLine xmlns:a14="http://schemas.microsoft.com/office/drawing/2010/main" xmlns="" w="9525">
                   <a:solidFill>
                     <a:srgbClr val="000000"/>
                   </a:solidFill>
@@ -3842,7 +3842,7 @@
             </a:ln>
             <a:extLst>
               <a:ext uri="{91240B29-F687-4f45-9708-019B960494DF}">
-                <a14:hiddenLine xmlns="" xmlns:a14="http://schemas.microsoft.com/office/drawing/2010/main" w="9525">
+                <a14:hiddenLine xmlns:a14="http://schemas.microsoft.com/office/drawing/2010/main" xmlns="" w="9525">
                   <a:solidFill>
                     <a:srgbClr val="000000"/>
                   </a:solidFill>
@@ -3932,7 +3932,7 @@
             </a:ln>
             <a:extLst>
               <a:ext uri="{91240B29-F687-4f45-9708-019B960494DF}">
-                <a14:hiddenLine xmlns="" xmlns:a14="http://schemas.microsoft.com/office/drawing/2010/main" w="9525">
+                <a14:hiddenLine xmlns:a14="http://schemas.microsoft.com/office/drawing/2010/main" xmlns="" w="9525">
                   <a:solidFill>
                     <a:srgbClr val="000000"/>
                   </a:solidFill>
@@ -3994,7 +3994,7 @@
             </a:ln>
             <a:extLst>
               <a:ext uri="{91240B29-F687-4f45-9708-019B960494DF}">
-                <a14:hiddenLine xmlns="" xmlns:a14="http://schemas.microsoft.com/office/drawing/2010/main" w="9525">
+                <a14:hiddenLine xmlns:a14="http://schemas.microsoft.com/office/drawing/2010/main" xmlns="" w="9525">
                   <a:solidFill>
                     <a:srgbClr val="000000"/>
                   </a:solidFill>
@@ -4084,7 +4084,7 @@
             </a:ln>
             <a:extLst>
               <a:ext uri="{91240B29-F687-4f45-9708-019B960494DF}">
-                <a14:hiddenLine xmlns="" xmlns:a14="http://schemas.microsoft.com/office/drawing/2010/main" w="9525">
+                <a14:hiddenLine xmlns:a14="http://schemas.microsoft.com/office/drawing/2010/main" xmlns="" w="9525">
                   <a:solidFill>
                     <a:srgbClr val="000000"/>
                   </a:solidFill>
@@ -4146,7 +4146,7 @@
             </a:ln>
             <a:extLst>
               <a:ext uri="{91240B29-F687-4f45-9708-019B960494DF}">
-                <a14:hiddenLine xmlns="" xmlns:a14="http://schemas.microsoft.com/office/drawing/2010/main" w="9525">
+                <a14:hiddenLine xmlns:a14="http://schemas.microsoft.com/office/drawing/2010/main" xmlns="" w="9525">
                   <a:solidFill>
                     <a:srgbClr val="000000"/>
                   </a:solidFill>
@@ -4236,7 +4236,7 @@
             </a:ln>
             <a:extLst>
               <a:ext uri="{91240B29-F687-4f45-9708-019B960494DF}">
-                <a14:hiddenLine xmlns="" xmlns:a14="http://schemas.microsoft.com/office/drawing/2010/main" w="9525">
+                <a14:hiddenLine xmlns:a14="http://schemas.microsoft.com/office/drawing/2010/main" xmlns="" w="9525">
                   <a:solidFill>
                     <a:srgbClr val="000000"/>
                   </a:solidFill>
@@ -4270,7 +4270,7 @@
             </a:ln>
             <a:extLst>
               <a:ext uri="{91240B29-F687-4f45-9708-019B960494DF}">
-                <a14:hiddenLine xmlns="" xmlns:a14="http://schemas.microsoft.com/office/drawing/2010/main" w="9525">
+                <a14:hiddenLine xmlns:a14="http://schemas.microsoft.com/office/drawing/2010/main" xmlns="" w="9525">
                   <a:solidFill>
                     <a:srgbClr val="000000"/>
                   </a:solidFill>
@@ -4335,7 +4335,7 @@
             </a:ln>
             <a:extLst>
               <a:ext uri="{91240B29-F687-4f45-9708-019B960494DF}">
-                <a14:hiddenLine xmlns="" xmlns:a14="http://schemas.microsoft.com/office/drawing/2010/main" w="9525">
+                <a14:hiddenLine xmlns:a14="http://schemas.microsoft.com/office/drawing/2010/main" xmlns="" w="9525">
                   <a:solidFill>
                     <a:srgbClr val="000000"/>
                   </a:solidFill>
@@ -4425,7 +4425,7 @@
             </a:ln>
             <a:extLst>
               <a:ext uri="{91240B29-F687-4f45-9708-019B960494DF}">
-                <a14:hiddenLine xmlns="" xmlns:a14="http://schemas.microsoft.com/office/drawing/2010/main" w="9525">
+                <a14:hiddenLine xmlns:a14="http://schemas.microsoft.com/office/drawing/2010/main" xmlns="" w="9525">
                   <a:solidFill>
                     <a:srgbClr val="000000"/>
                   </a:solidFill>
@@ -4487,7 +4487,7 @@
             </a:ln>
             <a:extLst>
               <a:ext uri="{91240B29-F687-4f45-9708-019B960494DF}">
-                <a14:hiddenLine xmlns="" xmlns:a14="http://schemas.microsoft.com/office/drawing/2010/main" w="9525">
+                <a14:hiddenLine xmlns:a14="http://schemas.microsoft.com/office/drawing/2010/main" xmlns="" w="9525">
                   <a:solidFill>
                     <a:srgbClr val="000000"/>
                   </a:solidFill>
@@ -4577,7 +4577,7 @@
             </a:ln>
             <a:extLst>
               <a:ext uri="{91240B29-F687-4f45-9708-019B960494DF}">
-                <a14:hiddenLine xmlns="" xmlns:a14="http://schemas.microsoft.com/office/drawing/2010/main" w="9525">
+                <a14:hiddenLine xmlns:a14="http://schemas.microsoft.com/office/drawing/2010/main" xmlns="" w="9525">
                   <a:solidFill>
                     <a:srgbClr val="000000"/>
                   </a:solidFill>
@@ -4667,7 +4667,7 @@
             </a:ln>
             <a:extLst>
               <a:ext uri="{91240B29-F687-4f45-9708-019B960494DF}">
-                <a14:hiddenLine xmlns="" xmlns:a14="http://schemas.microsoft.com/office/drawing/2010/main" w="9525">
+                <a14:hiddenLine xmlns:a14="http://schemas.microsoft.com/office/drawing/2010/main" xmlns="" w="9525">
                   <a:solidFill>
                     <a:srgbClr val="000000"/>
                   </a:solidFill>
@@ -4732,7 +4732,7 @@
             </a:ln>
             <a:extLst>
               <a:ext uri="{91240B29-F687-4f45-9708-019B960494DF}">
-                <a14:hiddenLine xmlns="" xmlns:a14="http://schemas.microsoft.com/office/drawing/2010/main" w="9525">
+                <a14:hiddenLine xmlns:a14="http://schemas.microsoft.com/office/drawing/2010/main" xmlns="" w="9525">
                   <a:solidFill>
                     <a:srgbClr val="000000"/>
                   </a:solidFill>
@@ -4794,7 +4794,7 @@
             </a:ln>
             <a:extLst>
               <a:ext uri="{91240B29-F687-4f45-9708-019B960494DF}">
-                <a14:hiddenLine xmlns="" xmlns:a14="http://schemas.microsoft.com/office/drawing/2010/main" w="9525">
+                <a14:hiddenLine xmlns:a14="http://schemas.microsoft.com/office/drawing/2010/main" xmlns="" w="9525">
                   <a:solidFill>
                     <a:srgbClr val="000000"/>
                   </a:solidFill>
@@ -4884,7 +4884,7 @@
             </a:ln>
             <a:extLst>
               <a:ext uri="{91240B29-F687-4f45-9708-019B960494DF}">
-                <a14:hiddenLine xmlns="" xmlns:a14="http://schemas.microsoft.com/office/drawing/2010/main" w="9525">
+                <a14:hiddenLine xmlns:a14="http://schemas.microsoft.com/office/drawing/2010/main" xmlns="" w="9525">
                   <a:solidFill>
                     <a:srgbClr val="000000"/>
                   </a:solidFill>
@@ -4974,7 +4974,7 @@
             </a:ln>
             <a:extLst>
               <a:ext uri="{91240B29-F687-4f45-9708-019B960494DF}">
-                <a14:hiddenLine xmlns="" xmlns:a14="http://schemas.microsoft.com/office/drawing/2010/main" w="9525">
+                <a14:hiddenLine xmlns:a14="http://schemas.microsoft.com/office/drawing/2010/main" xmlns="" w="9525">
                   <a:solidFill>
                     <a:srgbClr val="000000"/>
                   </a:solidFill>
@@ -5036,7 +5036,7 @@
             </a:ln>
             <a:extLst>
               <a:ext uri="{91240B29-F687-4f45-9708-019B960494DF}">
-                <a14:hiddenLine xmlns="" xmlns:a14="http://schemas.microsoft.com/office/drawing/2010/main" w="9525">
+                <a14:hiddenLine xmlns:a14="http://schemas.microsoft.com/office/drawing/2010/main" xmlns="" w="9525">
                   <a:solidFill>
                     <a:srgbClr val="000000"/>
                   </a:solidFill>
@@ -5156,7 +5156,7 @@
             </a:ln>
             <a:extLst>
               <a:ext uri="{91240B29-F687-4f45-9708-019B960494DF}">
-                <a14:hiddenLine xmlns="" xmlns:a14="http://schemas.microsoft.com/office/drawing/2010/main" w="9525">
+                <a14:hiddenLine xmlns:a14="http://schemas.microsoft.com/office/drawing/2010/main" xmlns="" w="9525">
                   <a:solidFill>
                     <a:srgbClr val="000000"/>
                   </a:solidFill>
@@ -5224,7 +5224,7 @@
             </a:ln>
             <a:extLst>
               <a:ext uri="{91240B29-F687-4f45-9708-019B960494DF}">
-                <a14:hiddenLine xmlns="" xmlns:a14="http://schemas.microsoft.com/office/drawing/2010/main" w="9525">
+                <a14:hiddenLine xmlns:a14="http://schemas.microsoft.com/office/drawing/2010/main" xmlns="" w="9525">
                   <a:solidFill>
                     <a:srgbClr val="000000"/>
                   </a:solidFill>
@@ -5314,7 +5314,7 @@
             </a:ln>
             <a:extLst>
               <a:ext uri="{91240B29-F687-4f45-9708-019B960494DF}">
-                <a14:hiddenLine xmlns="" xmlns:a14="http://schemas.microsoft.com/office/drawing/2010/main" w="9525">
+                <a14:hiddenLine xmlns:a14="http://schemas.microsoft.com/office/drawing/2010/main" xmlns="" w="9525">
                   <a:solidFill>
                     <a:srgbClr val="000000"/>
                   </a:solidFill>
@@ -5454,7 +5454,7 @@
           <a:p>
             <a:fld id="{48A87A34-81AB-432B-8DAE-1953F412C126}" type="datetimeFigureOut">
               <a:rPr lang="en-US" dirty="0"/>
-              <a:t>5/10/2019</a:t>
+              <a:t>5/13/2019</a:t>
             </a:fld>
             <a:endParaRPr lang="en-US" dirty="0"/>
           </a:p>
@@ -5716,7 +5716,7 @@
           <a:p>
             <a:fld id="{48A87A34-81AB-432B-8DAE-1953F412C126}" type="datetimeFigureOut">
               <a:rPr lang="en-US" dirty="0"/>
-              <a:t>5/10/2019</a:t>
+              <a:t>5/13/2019</a:t>
             </a:fld>
             <a:endParaRPr lang="en-US" dirty="0"/>
           </a:p>
@@ -5907,7 +5907,7 @@
           <a:p>
             <a:fld id="{48A87A34-81AB-432B-8DAE-1953F412C126}" type="datetimeFigureOut">
               <a:rPr lang="en-US" dirty="0"/>
-              <a:t>5/10/2019</a:t>
+              <a:t>5/13/2019</a:t>
             </a:fld>
             <a:endParaRPr lang="en-US" dirty="0"/>
           </a:p>
@@ -6165,7 +6165,7 @@
           <a:p>
             <a:fld id="{48A87A34-81AB-432B-8DAE-1953F412C126}" type="datetimeFigureOut">
               <a:rPr lang="en-US" dirty="0"/>
-              <a:t>5/10/2019</a:t>
+              <a:t>5/13/2019</a:t>
             </a:fld>
             <a:endParaRPr lang="en-US" dirty="0"/>
           </a:p>
@@ -6594,7 +6594,7 @@
           <a:p>
             <a:fld id="{48A87A34-81AB-432B-8DAE-1953F412C126}" type="datetimeFigureOut">
               <a:rPr lang="en-US" dirty="0"/>
-              <a:t>5/10/2019</a:t>
+              <a:t>5/13/2019</a:t>
             </a:fld>
             <a:endParaRPr lang="en-US" dirty="0"/>
           </a:p>
@@ -7135,7 +7135,7 @@
           <a:p>
             <a:fld id="{48A87A34-81AB-432B-8DAE-1953F412C126}" type="datetimeFigureOut">
               <a:rPr lang="en-US" dirty="0"/>
-              <a:t>5/10/2019</a:t>
+              <a:t>5/13/2019</a:t>
             </a:fld>
             <a:endParaRPr lang="en-US" dirty="0"/>
           </a:p>
@@ -7850,7 +7850,7 @@
           <a:p>
             <a:fld id="{48A87A34-81AB-432B-8DAE-1953F412C126}" type="datetimeFigureOut">
               <a:rPr lang="en-US" dirty="0"/>
-              <a:t>5/10/2019</a:t>
+              <a:t>5/13/2019</a:t>
             </a:fld>
             <a:endParaRPr lang="en-US" dirty="0"/>
           </a:p>
@@ -8015,7 +8015,7 @@
           <a:p>
             <a:fld id="{48A87A34-81AB-432B-8DAE-1953F412C126}" type="datetimeFigureOut">
               <a:rPr lang="en-US" dirty="0"/>
-              <a:t>5/10/2019</a:t>
+              <a:t>5/13/2019</a:t>
             </a:fld>
             <a:endParaRPr lang="en-US" dirty="0"/>
           </a:p>
@@ -8190,7 +8190,7 @@
           <a:p>
             <a:fld id="{48A87A34-81AB-432B-8DAE-1953F412C126}" type="datetimeFigureOut">
               <a:rPr lang="en-US" dirty="0"/>
-              <a:t>5/10/2019</a:t>
+              <a:t>5/13/2019</a:t>
             </a:fld>
             <a:endParaRPr lang="en-US" dirty="0"/>
           </a:p>
@@ -8355,7 +8355,7 @@
           <a:p>
             <a:fld id="{48A87A34-81AB-432B-8DAE-1953F412C126}" type="datetimeFigureOut">
               <a:rPr lang="en-US" dirty="0"/>
-              <a:t>5/10/2019</a:t>
+              <a:t>5/13/2019</a:t>
             </a:fld>
             <a:endParaRPr lang="en-US" dirty="0"/>
           </a:p>
@@ -8600,7 +8600,7 @@
           <a:p>
             <a:fld id="{48A87A34-81AB-432B-8DAE-1953F412C126}" type="datetimeFigureOut">
               <a:rPr lang="en-US" dirty="0"/>
-              <a:t>5/10/2019</a:t>
+              <a:t>5/13/2019</a:t>
             </a:fld>
             <a:endParaRPr lang="en-US" dirty="0"/>
           </a:p>
@@ -8827,7 +8827,7 @@
           <a:p>
             <a:fld id="{48A87A34-81AB-432B-8DAE-1953F412C126}" type="datetimeFigureOut">
               <a:rPr lang="en-US" dirty="0"/>
-              <a:t>5/10/2019</a:t>
+              <a:t>5/13/2019</a:t>
             </a:fld>
             <a:endParaRPr lang="en-US" dirty="0"/>
           </a:p>
@@ -9203,7 +9203,7 @@
           <a:p>
             <a:fld id="{48A87A34-81AB-432B-8DAE-1953F412C126}" type="datetimeFigureOut">
               <a:rPr lang="en-US" dirty="0"/>
-              <a:t>5/10/2019</a:t>
+              <a:t>5/13/2019</a:t>
             </a:fld>
             <a:endParaRPr lang="en-US" dirty="0"/>
           </a:p>
@@ -9316,7 +9316,7 @@
           <a:p>
             <a:fld id="{48A87A34-81AB-432B-8DAE-1953F412C126}" type="datetimeFigureOut">
               <a:rPr lang="en-US" dirty="0"/>
-              <a:t>5/10/2019</a:t>
+              <a:t>5/13/2019</a:t>
             </a:fld>
             <a:endParaRPr lang="en-US" dirty="0"/>
           </a:p>
@@ -9406,7 +9406,7 @@
           <a:p>
             <a:fld id="{48A87A34-81AB-432B-8DAE-1953F412C126}" type="datetimeFigureOut">
               <a:rPr lang="en-US" dirty="0"/>
-              <a:t>5/10/2019</a:t>
+              <a:t>5/13/2019</a:t>
             </a:fld>
             <a:endParaRPr lang="en-US" dirty="0"/>
           </a:p>
@@ -9650,7 +9650,7 @@
           <a:p>
             <a:fld id="{48A87A34-81AB-432B-8DAE-1953F412C126}" type="datetimeFigureOut">
               <a:rPr lang="en-US" dirty="0"/>
-              <a:t>5/10/2019</a:t>
+              <a:t>5/13/2019</a:t>
             </a:fld>
             <a:endParaRPr lang="en-US" dirty="0"/>
           </a:p>
@@ -9925,7 +9925,7 @@
           <a:p>
             <a:fld id="{48A87A34-81AB-432B-8DAE-1953F412C126}" type="datetimeFigureOut">
               <a:rPr lang="en-US" dirty="0"/>
-              <a:t>5/10/2019</a:t>
+              <a:t>5/13/2019</a:t>
             </a:fld>
             <a:endParaRPr lang="en-US" dirty="0"/>
           </a:p>
@@ -10036,7 +10036,7 @@
           <a:noFill/>
           <a:extLst>
             <a:ext uri="{909E8E84-426E-40dd-AFC4-6F175D3DCCD1}">
-              <a14:hiddenFill xmlns="" xmlns:a14="http://schemas.microsoft.com/office/drawing/2010/main">
+              <a14:hiddenFill xmlns:a14="http://schemas.microsoft.com/office/drawing/2010/main" xmlns="">
                 <a:solidFill>
                   <a:srgbClr val="FFFFFF"/>
                 </a:solidFill>
@@ -10110,7 +10110,7 @@
               </a:ln>
               <a:extLst>
                 <a:ext uri="{91240B29-F687-4f45-9708-019B960494DF}">
-                  <a14:hiddenLine xmlns="" xmlns:a14="http://schemas.microsoft.com/office/drawing/2010/main" w="9525">
+                  <a14:hiddenLine xmlns:a14="http://schemas.microsoft.com/office/drawing/2010/main" xmlns="" w="9525">
                     <a:solidFill>
                       <a:srgbClr val="000000"/>
                     </a:solidFill>
@@ -10200,7 +10200,7 @@
               </a:ln>
               <a:extLst>
                 <a:ext uri="{91240B29-F687-4f45-9708-019B960494DF}">
-                  <a14:hiddenLine xmlns="" xmlns:a14="http://schemas.microsoft.com/office/drawing/2010/main" w="9525">
+                  <a14:hiddenLine xmlns:a14="http://schemas.microsoft.com/office/drawing/2010/main" xmlns="" w="9525">
                     <a:solidFill>
                       <a:srgbClr val="000000"/>
                     </a:solidFill>
@@ -10290,7 +10290,7 @@
               </a:ln>
               <a:extLst>
                 <a:ext uri="{91240B29-F687-4f45-9708-019B960494DF}">
-                  <a14:hiddenLine xmlns="" xmlns:a14="http://schemas.microsoft.com/office/drawing/2010/main" w="9525">
+                  <a14:hiddenLine xmlns:a14="http://schemas.microsoft.com/office/drawing/2010/main" xmlns="" w="9525">
                     <a:solidFill>
                       <a:srgbClr val="000000"/>
                     </a:solidFill>
@@ -10352,7 +10352,7 @@
               </a:ln>
               <a:extLst>
                 <a:ext uri="{91240B29-F687-4f45-9708-019B960494DF}">
-                  <a14:hiddenLine xmlns="" xmlns:a14="http://schemas.microsoft.com/office/drawing/2010/main" w="9525">
+                  <a14:hiddenLine xmlns:a14="http://schemas.microsoft.com/office/drawing/2010/main" xmlns="" w="9525">
                     <a:solidFill>
                       <a:srgbClr val="000000"/>
                     </a:solidFill>
@@ -10442,7 +10442,7 @@
               </a:ln>
               <a:extLst>
                 <a:ext uri="{91240B29-F687-4f45-9708-019B960494DF}">
-                  <a14:hiddenLine xmlns="" xmlns:a14="http://schemas.microsoft.com/office/drawing/2010/main" w="9525">
+                  <a14:hiddenLine xmlns:a14="http://schemas.microsoft.com/office/drawing/2010/main" xmlns="" w="9525">
                     <a:solidFill>
                       <a:srgbClr val="000000"/>
                     </a:solidFill>
@@ -10504,7 +10504,7 @@
               </a:ln>
               <a:extLst>
                 <a:ext uri="{91240B29-F687-4f45-9708-019B960494DF}">
-                  <a14:hiddenLine xmlns="" xmlns:a14="http://schemas.microsoft.com/office/drawing/2010/main" w="9525">
+                  <a14:hiddenLine xmlns:a14="http://schemas.microsoft.com/office/drawing/2010/main" xmlns="" w="9525">
                     <a:solidFill>
                       <a:srgbClr val="000000"/>
                     </a:solidFill>
@@ -10566,7 +10566,7 @@
               </a:ln>
               <a:extLst>
                 <a:ext uri="{91240B29-F687-4f45-9708-019B960494DF}">
-                  <a14:hiddenLine xmlns="" xmlns:a14="http://schemas.microsoft.com/office/drawing/2010/main" w="9525">
+                  <a14:hiddenLine xmlns:a14="http://schemas.microsoft.com/office/drawing/2010/main" xmlns="" w="9525">
                     <a:solidFill>
                       <a:srgbClr val="000000"/>
                     </a:solidFill>
@@ -10656,7 +10656,7 @@
               </a:ln>
               <a:extLst>
                 <a:ext uri="{91240B29-F687-4f45-9708-019B960494DF}">
-                  <a14:hiddenLine xmlns="" xmlns:a14="http://schemas.microsoft.com/office/drawing/2010/main" w="9525">
+                  <a14:hiddenLine xmlns:a14="http://schemas.microsoft.com/office/drawing/2010/main" xmlns="" w="9525">
                     <a:solidFill>
                       <a:srgbClr val="000000"/>
                     </a:solidFill>
@@ -10746,7 +10746,7 @@
               </a:ln>
               <a:extLst>
                 <a:ext uri="{91240B29-F687-4f45-9708-019B960494DF}">
-                  <a14:hiddenLine xmlns="" xmlns:a14="http://schemas.microsoft.com/office/drawing/2010/main" w="9525">
+                  <a14:hiddenLine xmlns:a14="http://schemas.microsoft.com/office/drawing/2010/main" xmlns="" w="9525">
                     <a:solidFill>
                       <a:srgbClr val="000000"/>
                     </a:solidFill>
@@ -10808,7 +10808,7 @@
               </a:ln>
               <a:extLst>
                 <a:ext uri="{91240B29-F687-4f45-9708-019B960494DF}">
-                  <a14:hiddenLine xmlns="" xmlns:a14="http://schemas.microsoft.com/office/drawing/2010/main" w="9525">
+                  <a14:hiddenLine xmlns:a14="http://schemas.microsoft.com/office/drawing/2010/main" xmlns="" w="9525">
                     <a:solidFill>
                       <a:srgbClr val="000000"/>
                     </a:solidFill>
@@ -10918,7 +10918,7 @@
               </a:ln>
               <a:extLst>
                 <a:ext uri="{91240B29-F687-4f45-9708-019B960494DF}">
-                  <a14:hiddenLine xmlns="" xmlns:a14="http://schemas.microsoft.com/office/drawing/2010/main" w="9525">
+                  <a14:hiddenLine xmlns:a14="http://schemas.microsoft.com/office/drawing/2010/main" xmlns="" w="9525">
                     <a:solidFill>
                       <a:srgbClr val="000000"/>
                     </a:solidFill>
@@ -11002,7 +11002,7 @@
               </a:ln>
               <a:extLst>
                 <a:ext uri="{91240B29-F687-4f45-9708-019B960494DF}">
-                  <a14:hiddenLine xmlns="" xmlns:a14="http://schemas.microsoft.com/office/drawing/2010/main" w="9525">
+                  <a14:hiddenLine xmlns:a14="http://schemas.microsoft.com/office/drawing/2010/main" xmlns="" w="9525">
                     <a:solidFill>
                       <a:srgbClr val="000000"/>
                     </a:solidFill>
@@ -11064,7 +11064,7 @@
               </a:ln>
               <a:extLst>
                 <a:ext uri="{91240B29-F687-4f45-9708-019B960494DF}">
-                  <a14:hiddenLine xmlns="" xmlns:a14="http://schemas.microsoft.com/office/drawing/2010/main" w="9525">
+                  <a14:hiddenLine xmlns:a14="http://schemas.microsoft.com/office/drawing/2010/main" xmlns="" w="9525">
                     <a:solidFill>
                       <a:srgbClr val="000000"/>
                     </a:solidFill>
@@ -11126,7 +11126,7 @@
               </a:ln>
               <a:extLst>
                 <a:ext uri="{91240B29-F687-4f45-9708-019B960494DF}">
-                  <a14:hiddenLine xmlns="" xmlns:a14="http://schemas.microsoft.com/office/drawing/2010/main" w="9525">
+                  <a14:hiddenLine xmlns:a14="http://schemas.microsoft.com/office/drawing/2010/main" xmlns="" w="9525">
                     <a:solidFill>
                       <a:srgbClr val="000000"/>
                     </a:solidFill>
@@ -11216,7 +11216,7 @@
               </a:ln>
               <a:extLst>
                 <a:ext uri="{91240B29-F687-4f45-9708-019B960494DF}">
-                  <a14:hiddenLine xmlns="" xmlns:a14="http://schemas.microsoft.com/office/drawing/2010/main" w="9525">
+                  <a14:hiddenLine xmlns:a14="http://schemas.microsoft.com/office/drawing/2010/main" xmlns="" w="9525">
                     <a:solidFill>
                       <a:srgbClr val="000000"/>
                     </a:solidFill>
@@ -11250,7 +11250,7 @@
               </a:ln>
               <a:extLst>
                 <a:ext uri="{91240B29-F687-4f45-9708-019B960494DF}">
-                  <a14:hiddenLine xmlns="" xmlns:a14="http://schemas.microsoft.com/office/drawing/2010/main" w="9525">
+                  <a14:hiddenLine xmlns:a14="http://schemas.microsoft.com/office/drawing/2010/main" xmlns="" w="9525">
                     <a:solidFill>
                       <a:srgbClr val="000000"/>
                     </a:solidFill>
@@ -11315,7 +11315,7 @@
               </a:ln>
               <a:extLst>
                 <a:ext uri="{91240B29-F687-4f45-9708-019B960494DF}">
-                  <a14:hiddenLine xmlns="" xmlns:a14="http://schemas.microsoft.com/office/drawing/2010/main" w="9525">
+                  <a14:hiddenLine xmlns:a14="http://schemas.microsoft.com/office/drawing/2010/main" xmlns="" w="9525">
                     <a:solidFill>
                       <a:srgbClr val="000000"/>
                     </a:solidFill>
@@ -11405,7 +11405,7 @@
               </a:ln>
               <a:extLst>
                 <a:ext uri="{91240B29-F687-4f45-9708-019B960494DF}">
-                  <a14:hiddenLine xmlns="" xmlns:a14="http://schemas.microsoft.com/office/drawing/2010/main" w="9525">
+                  <a14:hiddenLine xmlns:a14="http://schemas.microsoft.com/office/drawing/2010/main" xmlns="" w="9525">
                     <a:solidFill>
                       <a:srgbClr val="000000"/>
                     </a:solidFill>
@@ -11467,7 +11467,7 @@
               </a:ln>
               <a:extLst>
                 <a:ext uri="{91240B29-F687-4f45-9708-019B960494DF}">
-                  <a14:hiddenLine xmlns="" xmlns:a14="http://schemas.microsoft.com/office/drawing/2010/main" w="9525">
+                  <a14:hiddenLine xmlns:a14="http://schemas.microsoft.com/office/drawing/2010/main" xmlns="" w="9525">
                     <a:solidFill>
                       <a:srgbClr val="000000"/>
                     </a:solidFill>
@@ -11557,7 +11557,7 @@
               </a:ln>
               <a:extLst>
                 <a:ext uri="{91240B29-F687-4f45-9708-019B960494DF}">
-                  <a14:hiddenLine xmlns="" xmlns:a14="http://schemas.microsoft.com/office/drawing/2010/main" w="9525">
+                  <a14:hiddenLine xmlns:a14="http://schemas.microsoft.com/office/drawing/2010/main" xmlns="" w="9525">
                     <a:solidFill>
                       <a:srgbClr val="000000"/>
                     </a:solidFill>
@@ -11622,7 +11622,7 @@
               </a:ln>
               <a:extLst>
                 <a:ext uri="{91240B29-F687-4f45-9708-019B960494DF}">
-                  <a14:hiddenLine xmlns="" xmlns:a14="http://schemas.microsoft.com/office/drawing/2010/main" w="9525">
+                  <a14:hiddenLine xmlns:a14="http://schemas.microsoft.com/office/drawing/2010/main" xmlns="" w="9525">
                     <a:solidFill>
                       <a:srgbClr val="000000"/>
                     </a:solidFill>
@@ -11684,7 +11684,7 @@
               </a:ln>
               <a:extLst>
                 <a:ext uri="{91240B29-F687-4f45-9708-019B960494DF}">
-                  <a14:hiddenLine xmlns="" xmlns:a14="http://schemas.microsoft.com/office/drawing/2010/main" w="9525">
+                  <a14:hiddenLine xmlns:a14="http://schemas.microsoft.com/office/drawing/2010/main" xmlns="" w="9525">
                     <a:solidFill>
                       <a:srgbClr val="000000"/>
                     </a:solidFill>
@@ -11774,7 +11774,7 @@
               </a:ln>
               <a:extLst>
                 <a:ext uri="{91240B29-F687-4f45-9708-019B960494DF}">
-                  <a14:hiddenLine xmlns="" xmlns:a14="http://schemas.microsoft.com/office/drawing/2010/main" w="9525">
+                  <a14:hiddenLine xmlns:a14="http://schemas.microsoft.com/office/drawing/2010/main" xmlns="" w="9525">
                     <a:solidFill>
                       <a:srgbClr val="000000"/>
                     </a:solidFill>
@@ -11864,7 +11864,7 @@
               </a:ln>
               <a:extLst>
                 <a:ext uri="{91240B29-F687-4f45-9708-019B960494DF}">
-                  <a14:hiddenLine xmlns="" xmlns:a14="http://schemas.microsoft.com/office/drawing/2010/main" w="9525">
+                  <a14:hiddenLine xmlns:a14="http://schemas.microsoft.com/office/drawing/2010/main" xmlns="" w="9525">
                     <a:solidFill>
                       <a:srgbClr val="000000"/>
                     </a:solidFill>
@@ -11929,7 +11929,7 @@
               </a:ln>
               <a:extLst>
                 <a:ext uri="{91240B29-F687-4f45-9708-019B960494DF}">
-                  <a14:hiddenLine xmlns="" xmlns:a14="http://schemas.microsoft.com/office/drawing/2010/main" w="9525">
+                  <a14:hiddenLine xmlns:a14="http://schemas.microsoft.com/office/drawing/2010/main" xmlns="" w="9525">
                     <a:solidFill>
                       <a:srgbClr val="000000"/>
                     </a:solidFill>
@@ -12049,7 +12049,7 @@
               </a:ln>
               <a:extLst>
                 <a:ext uri="{91240B29-F687-4f45-9708-019B960494DF}">
-                  <a14:hiddenLine xmlns="" xmlns:a14="http://schemas.microsoft.com/office/drawing/2010/main" w="9525">
+                  <a14:hiddenLine xmlns:a14="http://schemas.microsoft.com/office/drawing/2010/main" xmlns="" w="9525">
                     <a:solidFill>
                       <a:srgbClr val="000000"/>
                     </a:solidFill>
@@ -12147,7 +12147,7 @@
               </a:ln>
               <a:extLst>
                 <a:ext uri="{91240B29-F687-4f45-9708-019B960494DF}">
-                  <a14:hiddenLine xmlns="" xmlns:a14="http://schemas.microsoft.com/office/drawing/2010/main" w="9525">
+                  <a14:hiddenLine xmlns:a14="http://schemas.microsoft.com/office/drawing/2010/main" xmlns="" w="9525">
                     <a:solidFill>
                       <a:srgbClr val="000000"/>
                     </a:solidFill>
@@ -12262,7 +12262,7 @@
               </a:ln>
               <a:extLst>
                 <a:ext uri="{91240B29-F687-4f45-9708-019B960494DF}">
-                  <a14:hiddenLine xmlns="" xmlns:a14="http://schemas.microsoft.com/office/drawing/2010/main" w="9525">
+                  <a14:hiddenLine xmlns:a14="http://schemas.microsoft.com/office/drawing/2010/main" xmlns="" w="9525">
                     <a:solidFill>
                       <a:srgbClr val="000000"/>
                     </a:solidFill>
@@ -12352,7 +12352,7 @@
               </a:ln>
               <a:extLst>
                 <a:ext uri="{91240B29-F687-4f45-9708-019B960494DF}">
-                  <a14:hiddenLine xmlns="" xmlns:a14="http://schemas.microsoft.com/office/drawing/2010/main" w="9525">
+                  <a14:hiddenLine xmlns:a14="http://schemas.microsoft.com/office/drawing/2010/main" xmlns="" w="9525">
                     <a:solidFill>
                       <a:srgbClr val="000000"/>
                     </a:solidFill>
@@ -12417,7 +12417,7 @@
               </a:ln>
               <a:extLst>
                 <a:ext uri="{91240B29-F687-4f45-9708-019B960494DF}">
-                  <a14:hiddenLine xmlns="" xmlns:a14="http://schemas.microsoft.com/office/drawing/2010/main" w="9525">
+                  <a14:hiddenLine xmlns:a14="http://schemas.microsoft.com/office/drawing/2010/main" xmlns="" w="9525">
                     <a:solidFill>
                       <a:srgbClr val="000000"/>
                     </a:solidFill>
@@ -12507,7 +12507,7 @@
               </a:ln>
               <a:extLst>
                 <a:ext uri="{91240B29-F687-4f45-9708-019B960494DF}">
-                  <a14:hiddenLine xmlns="" xmlns:a14="http://schemas.microsoft.com/office/drawing/2010/main" w="9525">
+                  <a14:hiddenLine xmlns:a14="http://schemas.microsoft.com/office/drawing/2010/main" xmlns="" w="9525">
                     <a:solidFill>
                       <a:srgbClr val="000000"/>
                     </a:solidFill>
@@ -12575,7 +12575,7 @@
               </a:ln>
               <a:extLst>
                 <a:ext uri="{91240B29-F687-4f45-9708-019B960494DF}">
-                  <a14:hiddenLine xmlns="" xmlns:a14="http://schemas.microsoft.com/office/drawing/2010/main" w="9525">
+                  <a14:hiddenLine xmlns:a14="http://schemas.microsoft.com/office/drawing/2010/main" xmlns="" w="9525">
                     <a:solidFill>
                       <a:srgbClr val="000000"/>
                     </a:solidFill>
@@ -12665,7 +12665,7 @@
               </a:ln>
               <a:extLst>
                 <a:ext uri="{91240B29-F687-4f45-9708-019B960494DF}">
-                  <a14:hiddenLine xmlns="" xmlns:a14="http://schemas.microsoft.com/office/drawing/2010/main" w="9525">
+                  <a14:hiddenLine xmlns:a14="http://schemas.microsoft.com/office/drawing/2010/main" xmlns="" w="9525">
                     <a:solidFill>
                       <a:srgbClr val="000000"/>
                     </a:solidFill>
@@ -12733,7 +12733,7 @@
               </a:ln>
               <a:extLst>
                 <a:ext uri="{91240B29-F687-4f45-9708-019B960494DF}">
-                  <a14:hiddenLine xmlns="" xmlns:a14="http://schemas.microsoft.com/office/drawing/2010/main" w="9525">
+                  <a14:hiddenLine xmlns:a14="http://schemas.microsoft.com/office/drawing/2010/main" xmlns="" w="9525">
                     <a:solidFill>
                       <a:srgbClr val="000000"/>
                     </a:solidFill>
@@ -12823,7 +12823,7 @@
               </a:ln>
               <a:extLst>
                 <a:ext uri="{91240B29-F687-4f45-9708-019B960494DF}">
-                  <a14:hiddenLine xmlns="" xmlns:a14="http://schemas.microsoft.com/office/drawing/2010/main" w="9525">
+                  <a14:hiddenLine xmlns:a14="http://schemas.microsoft.com/office/drawing/2010/main" xmlns="" w="9525">
                     <a:solidFill>
                       <a:srgbClr val="000000"/>
                     </a:solidFill>
@@ -12857,7 +12857,7 @@
               </a:ln>
               <a:extLst>
                 <a:ext uri="{91240B29-F687-4f45-9708-019B960494DF}">
-                  <a14:hiddenLine xmlns="" xmlns:a14="http://schemas.microsoft.com/office/drawing/2010/main" w="9525">
+                  <a14:hiddenLine xmlns:a14="http://schemas.microsoft.com/office/drawing/2010/main" xmlns="" w="9525">
                     <a:solidFill>
                       <a:srgbClr val="000000"/>
                     </a:solidFill>
@@ -12998,7 +12998,7 @@
             <a:fld id="{48A87A34-81AB-432B-8DAE-1953F412C126}" type="datetimeFigureOut">
               <a:rPr lang="en-US" dirty="0"/>
               <a:pPr/>
-              <a:t>5/10/2019</a:t>
+              <a:t>5/13/2019</a:t>
             </a:fld>
             <a:endParaRPr lang="en-US" dirty="0"/>
           </a:p>
@@ -13584,118 +13584,17 @@
           </a:p>
           <a:p>
             <a:r>
-              <a:rPr lang="en-US" dirty="0"/>
-              <a:t>Dieses anti-pattern </a:t>
-            </a:r>
-            <a:r>
-              <a:rPr lang="en-US" dirty="0" err="1"/>
-              <a:t>kann</a:t>
-            </a:r>
-            <a:r>
-              <a:rPr lang="en-US" dirty="0"/>
-              <a:t> </a:t>
-            </a:r>
-            <a:r>
-              <a:rPr lang="en-US" dirty="0" err="1"/>
-              <a:t>verhindert</a:t>
-            </a:r>
-            <a:r>
-              <a:rPr lang="en-US" dirty="0"/>
-              <a:t> warden, </a:t>
-            </a:r>
-            <a:r>
-              <a:rPr lang="en-US" dirty="0" err="1"/>
-              <a:t>indem</a:t>
-            </a:r>
-            <a:r>
-              <a:rPr lang="en-US" dirty="0"/>
-              <a:t> </a:t>
-            </a:r>
-            <a:r>
-              <a:rPr lang="en-US" dirty="0" err="1"/>
-              <a:t>statt</a:t>
-            </a:r>
-            <a:r>
-              <a:rPr lang="en-US" dirty="0"/>
-              <a:t> </a:t>
-            </a:r>
-            <a:r>
-              <a:rPr lang="en-US" dirty="0" err="1"/>
-              <a:t>neuer</a:t>
-            </a:r>
-            <a:r>
-              <a:rPr lang="en-US" dirty="0"/>
-              <a:t> Mitarbeiter </a:t>
-            </a:r>
-            <a:r>
-              <a:rPr lang="en-US" dirty="0" err="1"/>
-              <a:t>nach</a:t>
-            </a:r>
-            <a:r>
-              <a:rPr lang="en-US" dirty="0"/>
-              <a:t> </a:t>
-            </a:r>
-            <a:r>
-              <a:rPr lang="en-US" dirty="0" err="1"/>
-              <a:t>anderen</a:t>
-            </a:r>
-            <a:r>
-              <a:rPr lang="en-US" dirty="0"/>
-              <a:t> </a:t>
-            </a:r>
-            <a:r>
-              <a:rPr lang="en-US" dirty="0" err="1"/>
-              <a:t>Lösungen</a:t>
-            </a:r>
-            <a:r>
-              <a:rPr lang="en-US" dirty="0"/>
-              <a:t>, </a:t>
-            </a:r>
-            <a:r>
-              <a:rPr lang="en-US" dirty="0" err="1"/>
-              <a:t>z.B</a:t>
-            </a:r>
-            <a:r>
-              <a:rPr lang="en-US" dirty="0"/>
-              <a:t>. </a:t>
-            </a:r>
-            <a:r>
-              <a:rPr lang="en-US" dirty="0" err="1"/>
-              <a:t>Überdenken</a:t>
-            </a:r>
-            <a:r>
-              <a:rPr lang="en-US" dirty="0"/>
-              <a:t> der </a:t>
-            </a:r>
-            <a:r>
-              <a:rPr lang="en-US" dirty="0" err="1"/>
-              <a:t>Aufgabenverteilung</a:t>
-            </a:r>
-            <a:r>
-              <a:rPr lang="en-US" dirty="0"/>
-              <a:t> </a:t>
-            </a:r>
-            <a:r>
-              <a:rPr lang="en-US" dirty="0" err="1"/>
-              <a:t>u.ä</a:t>
-            </a:r>
-            <a:r>
-              <a:rPr lang="en-US" dirty="0"/>
-              <a:t>., </a:t>
-            </a:r>
-            <a:r>
-              <a:rPr lang="en-US" dirty="0" err="1"/>
-              <a:t>gesucht</a:t>
-            </a:r>
-            <a:r>
-              <a:rPr lang="en-US" dirty="0"/>
-              <a:t> </a:t>
-            </a:r>
-            <a:r>
-              <a:rPr lang="en-US" dirty="0" err="1"/>
-              <a:t>wird</a:t>
-            </a:r>
-            <a:endParaRPr lang="en-US" dirty="0"/>
+              <a:rPr lang="de-DE" dirty="0"/>
+              <a:t>Dieses anti-pattern kann verhindert werden, indem statt neuer Mitarbeiter nach anderen Lösungen, z.B. Überdenken der Aufgabenverteilung </a:t>
+            </a:r>
+            <a:r>
+              <a:rPr lang="de-DE" dirty="0" err="1"/>
+              <a:t>u.ä.</a:t>
+            </a:r>
+            <a:r>
+              <a:rPr lang="de-DE" dirty="0"/>
+              <a:t>, gesucht wird</a:t>
+            </a:r>
           </a:p>
           <a:p>
             <a:endParaRPr lang="de-DE" dirty="0"/>
@@ -13806,15 +13705,7 @@
           <a:p>
             <a:r>
               <a:rPr lang="de-DE" dirty="0"/>
-              <a:t>Dieses anti-pattern kann verhindert/behoben werden, indem Verantwortlichkeiten aufgeteilt werden und grundsätzliche design </a:t>
-            </a:r>
-            <a:r>
-              <a:rPr lang="de-DE" dirty="0" err="1"/>
-              <a:t>patterns</a:t>
-            </a:r>
-            <a:r>
-              <a:rPr lang="de-DE" dirty="0"/>
-              <a:t> beim Klassendesign eingehalten werden</a:t>
+              <a:t>Dieses anti-pattern kann verhindert/behoben werden, indem Verantwortlichkeiten aufgeteilt werden und grundsätzliche design-patterns beim Klassendesign eingehalten werden</a:t>
             </a:r>
           </a:p>
         </p:txBody>
@@ -14628,7 +14519,7 @@
           <a:p>
             <a:r>
               <a:rPr lang="de-DE" dirty="0"/>
-              <a:t>Was sind anti-patterns?</a:t>
+              <a:t>Was ist ein anti-pattern</a:t>
             </a:r>
           </a:p>
           <a:p>
@@ -14732,13 +14623,8 @@
           <a:p>
             <a:r>
               <a:rPr lang="de-DE" dirty="0"/>
-              <a:t>Gegenteil von design </a:t>
-            </a:r>
-            <a:r>
-              <a:rPr lang="de-DE" dirty="0" err="1"/>
-              <a:t>patterns</a:t>
-            </a:r>
-            <a:endParaRPr lang="de-DE" dirty="0"/>
+              <a:t>Gegenteil von design-patterns</a:t>
+            </a:r>
           </a:p>
           <a:p>
             <a:r>
@@ -15003,7 +14889,7 @@
           <a:p>
             <a:r>
               <a:rPr lang="de-DE" dirty="0"/>
-              <a:t>Dieses anti-pattern kann gelöst/verhindert werden, indem bekannte design </a:t>
+              <a:t>Dieses anti-pattern kann gelöst/verhindert werden, indem bekannte design- </a:t>
             </a:r>
             <a:r>
               <a:rPr lang="de-DE" dirty="0" err="1"/>
